--- a/基础PPT/第8章：Java IO基础.pptx
+++ b/基础PPT/第8章：Java IO基础.pptx
@@ -18,16 +18,8 @@
     <p:sldId id="685" r:id="rId11"/>
     <p:sldId id="684" r:id="rId12"/>
     <p:sldId id="686" r:id="rId13"/>
-    <p:sldId id="687" r:id="rId14"/>
-    <p:sldId id="688" r:id="rId15"/>
-    <p:sldId id="689" r:id="rId16"/>
-    <p:sldId id="690" r:id="rId17"/>
-    <p:sldId id="691" r:id="rId18"/>
-    <p:sldId id="692" r:id="rId19"/>
-    <p:sldId id="693" r:id="rId20"/>
-    <p:sldId id="694" r:id="rId21"/>
-    <p:sldId id="695" r:id="rId22"/>
-    <p:sldId id="662" r:id="rId23"/>
+    <p:sldId id="695" r:id="rId14"/>
+    <p:sldId id="662" r:id="rId15"/>
   </p:sldIdLst>
   <p:sldSz cx="12192000" cy="6858000"/>
   <p:notesSz cx="6858000" cy="9144000"/>
@@ -6974,230 +6966,6 @@
 </p:sld>
 </file>
 
-<file path=ppt/slides/slide13.xml><?xml version="1.0" encoding="utf-8"?>
-<p:sld xmlns:a="http://schemas.openxmlformats.org/drawingml/2006/main" xmlns:r="http://schemas.openxmlformats.org/officeDocument/2006/relationships" xmlns:p="http://schemas.openxmlformats.org/presentationml/2006/main">
-  <p:cSld>
-    <p:bg>
-      <p:bgPr>
-        <a:blipFill rotWithShape="1">
-          <a:blip r:embed="rId1"/>
-          <a:stretch>
-            <a:fillRect/>
-          </a:stretch>
-        </a:blipFill>
-        <a:effectLst/>
-      </p:bgPr>
-    </p:bg>
-    <p:spTree>
-      <p:nvGrpSpPr>
-        <p:cNvPr id="1" name=""/>
-        <p:cNvGrpSpPr/>
-        <p:nvPr/>
-      </p:nvGrpSpPr>
-      <p:grpSpPr/>
-    </p:spTree>
-    <p:custDataLst>
-      <p:tags r:id="rId2"/>
-    </p:custDataLst>
-  </p:cSld>
-  <p:clrMapOvr>
-    <a:masterClrMapping/>
-  </p:clrMapOvr>
-</p:sld>
-</file>
-
-<file path=ppt/slides/slide14.xml><?xml version="1.0" encoding="utf-8"?>
-<p:sld xmlns:a="http://schemas.openxmlformats.org/drawingml/2006/main" xmlns:r="http://schemas.openxmlformats.org/officeDocument/2006/relationships" xmlns:p="http://schemas.openxmlformats.org/presentationml/2006/main">
-  <p:cSld>
-    <p:bg>
-      <p:bgPr>
-        <a:blipFill rotWithShape="1">
-          <a:blip r:embed="rId1"/>
-          <a:stretch>
-            <a:fillRect/>
-          </a:stretch>
-        </a:blipFill>
-        <a:effectLst/>
-      </p:bgPr>
-    </p:bg>
-    <p:spTree>
-      <p:nvGrpSpPr>
-        <p:cNvPr id="1" name=""/>
-        <p:cNvGrpSpPr/>
-        <p:nvPr/>
-      </p:nvGrpSpPr>
-      <p:grpSpPr/>
-    </p:spTree>
-    <p:custDataLst>
-      <p:tags r:id="rId2"/>
-    </p:custDataLst>
-  </p:cSld>
-  <p:clrMapOvr>
-    <a:masterClrMapping/>
-  </p:clrMapOvr>
-</p:sld>
-</file>
-
-<file path=ppt/slides/slide15.xml><?xml version="1.0" encoding="utf-8"?>
-<p:sld xmlns:a="http://schemas.openxmlformats.org/drawingml/2006/main" xmlns:r="http://schemas.openxmlformats.org/officeDocument/2006/relationships" xmlns:p="http://schemas.openxmlformats.org/presentationml/2006/main">
-  <p:cSld>
-    <p:bg>
-      <p:bgPr>
-        <a:blipFill rotWithShape="1">
-          <a:blip r:embed="rId1"/>
-          <a:stretch>
-            <a:fillRect/>
-          </a:stretch>
-        </a:blipFill>
-        <a:effectLst/>
-      </p:bgPr>
-    </p:bg>
-    <p:spTree>
-      <p:nvGrpSpPr>
-        <p:cNvPr id="1" name=""/>
-        <p:cNvGrpSpPr/>
-        <p:nvPr/>
-      </p:nvGrpSpPr>
-      <p:grpSpPr/>
-    </p:spTree>
-    <p:custDataLst>
-      <p:tags r:id="rId2"/>
-    </p:custDataLst>
-  </p:cSld>
-  <p:clrMapOvr>
-    <a:masterClrMapping/>
-  </p:clrMapOvr>
-</p:sld>
-</file>
-
-<file path=ppt/slides/slide16.xml><?xml version="1.0" encoding="utf-8"?>
-<p:sld xmlns:a="http://schemas.openxmlformats.org/drawingml/2006/main" xmlns:r="http://schemas.openxmlformats.org/officeDocument/2006/relationships" xmlns:p="http://schemas.openxmlformats.org/presentationml/2006/main">
-  <p:cSld>
-    <p:bg>
-      <p:bgPr>
-        <a:blipFill rotWithShape="1">
-          <a:blip r:embed="rId1"/>
-          <a:stretch>
-            <a:fillRect/>
-          </a:stretch>
-        </a:blipFill>
-        <a:effectLst/>
-      </p:bgPr>
-    </p:bg>
-    <p:spTree>
-      <p:nvGrpSpPr>
-        <p:cNvPr id="1" name=""/>
-        <p:cNvGrpSpPr/>
-        <p:nvPr/>
-      </p:nvGrpSpPr>
-      <p:grpSpPr/>
-    </p:spTree>
-    <p:custDataLst>
-      <p:tags r:id="rId2"/>
-    </p:custDataLst>
-  </p:cSld>
-  <p:clrMapOvr>
-    <a:masterClrMapping/>
-  </p:clrMapOvr>
-</p:sld>
-</file>
-
-<file path=ppt/slides/slide17.xml><?xml version="1.0" encoding="utf-8"?>
-<p:sld xmlns:a="http://schemas.openxmlformats.org/drawingml/2006/main" xmlns:r="http://schemas.openxmlformats.org/officeDocument/2006/relationships" xmlns:p="http://schemas.openxmlformats.org/presentationml/2006/main">
-  <p:cSld>
-    <p:bg>
-      <p:bgPr>
-        <a:blipFill rotWithShape="1">
-          <a:blip r:embed="rId1"/>
-          <a:stretch>
-            <a:fillRect/>
-          </a:stretch>
-        </a:blipFill>
-        <a:effectLst/>
-      </p:bgPr>
-    </p:bg>
-    <p:spTree>
-      <p:nvGrpSpPr>
-        <p:cNvPr id="1" name=""/>
-        <p:cNvGrpSpPr/>
-        <p:nvPr/>
-      </p:nvGrpSpPr>
-      <p:grpSpPr/>
-    </p:spTree>
-    <p:custDataLst>
-      <p:tags r:id="rId2"/>
-    </p:custDataLst>
-  </p:cSld>
-  <p:clrMapOvr>
-    <a:masterClrMapping/>
-  </p:clrMapOvr>
-</p:sld>
-</file>
-
-<file path=ppt/slides/slide18.xml><?xml version="1.0" encoding="utf-8"?>
-<p:sld xmlns:a="http://schemas.openxmlformats.org/drawingml/2006/main" xmlns:r="http://schemas.openxmlformats.org/officeDocument/2006/relationships" xmlns:p="http://schemas.openxmlformats.org/presentationml/2006/main">
-  <p:cSld>
-    <p:bg>
-      <p:bgPr>
-        <a:blipFill rotWithShape="1">
-          <a:blip r:embed="rId1"/>
-          <a:stretch>
-            <a:fillRect/>
-          </a:stretch>
-        </a:blipFill>
-        <a:effectLst/>
-      </p:bgPr>
-    </p:bg>
-    <p:spTree>
-      <p:nvGrpSpPr>
-        <p:cNvPr id="1" name=""/>
-        <p:cNvGrpSpPr/>
-        <p:nvPr/>
-      </p:nvGrpSpPr>
-      <p:grpSpPr/>
-    </p:spTree>
-    <p:custDataLst>
-      <p:tags r:id="rId2"/>
-    </p:custDataLst>
-  </p:cSld>
-  <p:clrMapOvr>
-    <a:masterClrMapping/>
-  </p:clrMapOvr>
-</p:sld>
-</file>
-
-<file path=ppt/slides/slide19.xml><?xml version="1.0" encoding="utf-8"?>
-<p:sld xmlns:a="http://schemas.openxmlformats.org/drawingml/2006/main" xmlns:r="http://schemas.openxmlformats.org/officeDocument/2006/relationships" xmlns:p="http://schemas.openxmlformats.org/presentationml/2006/main">
-  <p:cSld>
-    <p:bg>
-      <p:bgPr>
-        <a:blipFill rotWithShape="1">
-          <a:blip r:embed="rId1"/>
-          <a:stretch>
-            <a:fillRect/>
-          </a:stretch>
-        </a:blipFill>
-        <a:effectLst/>
-      </p:bgPr>
-    </p:bg>
-    <p:spTree>
-      <p:nvGrpSpPr>
-        <p:cNvPr id="1" name=""/>
-        <p:cNvGrpSpPr/>
-        <p:nvPr/>
-      </p:nvGrpSpPr>
-      <p:grpSpPr/>
-    </p:spTree>
-    <p:custDataLst>
-      <p:tags r:id="rId2"/>
-    </p:custDataLst>
-  </p:cSld>
-  <p:clrMapOvr>
-    <a:masterClrMapping/>
-  </p:clrMapOvr>
-</p:sld>
-</file>
-
 <file path=ppt/slides/slide2.xml><?xml version="1.0" encoding="utf-8"?>
 <p:sld xmlns:a="http://schemas.openxmlformats.org/drawingml/2006/main" xmlns:r="http://schemas.openxmlformats.org/officeDocument/2006/relationships" xmlns:p="http://schemas.openxmlformats.org/presentationml/2006/main">
   <p:cSld>
@@ -7540,38 +7308,6 @@
           </a:p>
         </p:txBody>
       </p:sp>
-    </p:spTree>
-    <p:custDataLst>
-      <p:tags r:id="rId2"/>
-    </p:custDataLst>
-  </p:cSld>
-  <p:clrMapOvr>
-    <a:masterClrMapping/>
-  </p:clrMapOvr>
-</p:sld>
-</file>
-
-<file path=ppt/slides/slide20.xml><?xml version="1.0" encoding="utf-8"?>
-<p:sld xmlns:a="http://schemas.openxmlformats.org/drawingml/2006/main" xmlns:r="http://schemas.openxmlformats.org/officeDocument/2006/relationships" xmlns:p="http://schemas.openxmlformats.org/presentationml/2006/main">
-  <p:cSld>
-    <p:bg>
-      <p:bgPr>
-        <a:blipFill rotWithShape="1">
-          <a:blip r:embed="rId1"/>
-          <a:stretch>
-            <a:fillRect/>
-          </a:stretch>
-        </a:blipFill>
-        <a:effectLst/>
-      </p:bgPr>
-    </p:bg>
-    <p:spTree>
-      <p:nvGrpSpPr>
-        <p:cNvPr id="1" name=""/>
-        <p:cNvGrpSpPr/>
-        <p:nvPr/>
-      </p:nvGrpSpPr>
-      <p:grpSpPr/>
     </p:spTree>
     <p:custDataLst>
       <p:tags r:id="rId2"/>
@@ -11050,78 +10786,6 @@
   <p:tag name="KSO_WM_UNIT_LAYERLEVEL" val="1"/>
   <p:tag name="KSO_WM_TAG_VERSION" val="1.0"/>
   <p:tag name="KSO_WM_BEAUTIFY_FLAG" val="#wm#"/>
-</p:tagLst>
-</file>
-
-<file path=ppt/tags/tag90.xml><?xml version="1.0" encoding="utf-8"?>
-<p:tagLst xmlns:p="http://schemas.openxmlformats.org/presentationml/2006/main">
-  <p:tag name="KSO_WM_BEAUTIFY_FLAG" val="#wm#"/>
-  <p:tag name="KSO_WM_TEMPLATE_CATEGORY" val="custom"/>
-  <p:tag name="KSO_WM_TEMPLATE_INDEX" val="20203858"/>
-  <p:tag name="KSO_WM_SPECIAL_SOURCE" val="bdnull"/>
-</p:tagLst>
-</file>
-
-<file path=ppt/tags/tag91.xml><?xml version="1.0" encoding="utf-8"?>
-<p:tagLst xmlns:p="http://schemas.openxmlformats.org/presentationml/2006/main">
-  <p:tag name="KSO_WM_BEAUTIFY_FLAG" val="#wm#"/>
-  <p:tag name="KSO_WM_TEMPLATE_CATEGORY" val="custom"/>
-  <p:tag name="KSO_WM_TEMPLATE_INDEX" val="20203858"/>
-  <p:tag name="KSO_WM_SPECIAL_SOURCE" val="bdnull"/>
-</p:tagLst>
-</file>
-
-<file path=ppt/tags/tag92.xml><?xml version="1.0" encoding="utf-8"?>
-<p:tagLst xmlns:p="http://schemas.openxmlformats.org/presentationml/2006/main">
-  <p:tag name="KSO_WM_BEAUTIFY_FLAG" val="#wm#"/>
-  <p:tag name="KSO_WM_TEMPLATE_CATEGORY" val="custom"/>
-  <p:tag name="KSO_WM_TEMPLATE_INDEX" val="20203858"/>
-  <p:tag name="KSO_WM_SPECIAL_SOURCE" val="bdnull"/>
-</p:tagLst>
-</file>
-
-<file path=ppt/tags/tag93.xml><?xml version="1.0" encoding="utf-8"?>
-<p:tagLst xmlns:p="http://schemas.openxmlformats.org/presentationml/2006/main">
-  <p:tag name="KSO_WM_BEAUTIFY_FLAG" val="#wm#"/>
-  <p:tag name="KSO_WM_TEMPLATE_CATEGORY" val="custom"/>
-  <p:tag name="KSO_WM_TEMPLATE_INDEX" val="20203858"/>
-  <p:tag name="KSO_WM_SPECIAL_SOURCE" val="bdnull"/>
-</p:tagLst>
-</file>
-
-<file path=ppt/tags/tag94.xml><?xml version="1.0" encoding="utf-8"?>
-<p:tagLst xmlns:p="http://schemas.openxmlformats.org/presentationml/2006/main">
-  <p:tag name="KSO_WM_BEAUTIFY_FLAG" val="#wm#"/>
-  <p:tag name="KSO_WM_TEMPLATE_CATEGORY" val="custom"/>
-  <p:tag name="KSO_WM_TEMPLATE_INDEX" val="20203858"/>
-  <p:tag name="KSO_WM_SPECIAL_SOURCE" val="bdnull"/>
-</p:tagLst>
-</file>
-
-<file path=ppt/tags/tag95.xml><?xml version="1.0" encoding="utf-8"?>
-<p:tagLst xmlns:p="http://schemas.openxmlformats.org/presentationml/2006/main">
-  <p:tag name="KSO_WM_BEAUTIFY_FLAG" val="#wm#"/>
-  <p:tag name="KSO_WM_TEMPLATE_CATEGORY" val="custom"/>
-  <p:tag name="KSO_WM_TEMPLATE_INDEX" val="20203858"/>
-  <p:tag name="KSO_WM_SPECIAL_SOURCE" val="bdnull"/>
-</p:tagLst>
-</file>
-
-<file path=ppt/tags/tag96.xml><?xml version="1.0" encoding="utf-8"?>
-<p:tagLst xmlns:p="http://schemas.openxmlformats.org/presentationml/2006/main">
-  <p:tag name="KSO_WM_BEAUTIFY_FLAG" val="#wm#"/>
-  <p:tag name="KSO_WM_TEMPLATE_CATEGORY" val="custom"/>
-  <p:tag name="KSO_WM_TEMPLATE_INDEX" val="20203858"/>
-  <p:tag name="KSO_WM_SPECIAL_SOURCE" val="bdnull"/>
-</p:tagLst>
-</file>
-
-<file path=ppt/tags/tag97.xml><?xml version="1.0" encoding="utf-8"?>
-<p:tagLst xmlns:p="http://schemas.openxmlformats.org/presentationml/2006/main">
-  <p:tag name="KSO_WM_BEAUTIFY_FLAG" val="#wm#"/>
-  <p:tag name="KSO_WM_TEMPLATE_CATEGORY" val="custom"/>
-  <p:tag name="KSO_WM_TEMPLATE_INDEX" val="20203858"/>
-  <p:tag name="KSO_WM_SPECIAL_SOURCE" val="bdnull"/>
 </p:tagLst>
 </file>
 

--- a/基础PPT/第8章：Java IO基础.pptx
+++ b/基础PPT/第8章：Java IO基础.pptx
@@ -14,12 +14,18 @@
     <p:sldId id="680" r:id="rId7"/>
     <p:sldId id="681" r:id="rId8"/>
     <p:sldId id="682" r:id="rId9"/>
-    <p:sldId id="683" r:id="rId10"/>
-    <p:sldId id="685" r:id="rId11"/>
+    <p:sldId id="697" r:id="rId10"/>
+    <p:sldId id="683" r:id="rId11"/>
     <p:sldId id="684" r:id="rId12"/>
-    <p:sldId id="686" r:id="rId13"/>
-    <p:sldId id="695" r:id="rId14"/>
-    <p:sldId id="662" r:id="rId15"/>
+    <p:sldId id="699" r:id="rId13"/>
+    <p:sldId id="700" r:id="rId14"/>
+    <p:sldId id="698" r:id="rId15"/>
+    <p:sldId id="685" r:id="rId16"/>
+    <p:sldId id="701" r:id="rId17"/>
+    <p:sldId id="702" r:id="rId18"/>
+    <p:sldId id="686" r:id="rId19"/>
+    <p:sldId id="695" r:id="rId20"/>
+    <p:sldId id="662" r:id="rId21"/>
   </p:sldIdLst>
   <p:sldSz cx="12192000" cy="6858000"/>
   <p:notesSz cx="6858000" cy="9144000"/>
@@ -6416,8 +6422,8 @@
         </p:nvSpPr>
         <p:spPr>
           <a:xfrm>
-            <a:off x="175260" y="764540"/>
-            <a:ext cx="11803380" cy="2553335"/>
+            <a:off x="271780" y="1129665"/>
+            <a:ext cx="11648440" cy="2799715"/>
           </a:xfrm>
           <a:prstGeom prst="rect">
             <a:avLst/>
@@ -6430,464 +6436,114 @@
           </a:bodyPr>
           <a:p>
             <a:r>
-              <a:rPr lang="en-US" altLang="zh-CN" sz="1600" dirty="0" err="1" smtClean="0">
-                <a:solidFill>
-                  <a:schemeClr val="tx1"/>
-                </a:solidFill>
-                <a:latin typeface="宋体" panose="02010600030101010101" pitchFamily="2" charset="-122"/>
-                <a:ea typeface="宋体" panose="02010600030101010101" pitchFamily="2" charset="-122"/>
-                <a:cs typeface="宋体" panose="02010600030101010101" pitchFamily="2" charset="-122"/>
-                <a:sym typeface="+mn-ea"/>
-              </a:rPr>
-              <a:t>RandomAccessFile</a:t>
-            </a:r>
-            <a:r>
-              <a:rPr lang="en-US" altLang="zh-CN" sz="1600" dirty="0" smtClean="0">
-                <a:solidFill>
-                  <a:schemeClr val="tx1"/>
-                </a:solidFill>
-                <a:latin typeface="宋体" panose="02010600030101010101" pitchFamily="2" charset="-122"/>
-                <a:ea typeface="宋体" panose="02010600030101010101" pitchFamily="2" charset="-122"/>
-                <a:cs typeface="宋体" panose="02010600030101010101" pitchFamily="2" charset="-122"/>
-                <a:sym typeface="+mn-ea"/>
-              </a:rPr>
-              <a:t> </a:t>
-            </a:r>
-            <a:r>
-              <a:rPr lang="zh-CN" altLang="en-US" sz="1600" dirty="0" smtClean="0">
-                <a:solidFill>
-                  <a:schemeClr val="tx1"/>
-                </a:solidFill>
-                <a:latin typeface="宋体" panose="02010600030101010101" pitchFamily="2" charset="-122"/>
-                <a:ea typeface="宋体" panose="02010600030101010101" pitchFamily="2" charset="-122"/>
-                <a:cs typeface="宋体" panose="02010600030101010101" pitchFamily="2" charset="-122"/>
-                <a:sym typeface="+mn-ea"/>
-              </a:rPr>
-              <a:t>类</a:t>
-            </a:r>
-            <a:endParaRPr lang="zh-CN" altLang="en-US" sz="1600" dirty="0" smtClean="0">
-              <a:solidFill>
-                <a:schemeClr val="tx1"/>
-              </a:solidFill>
-              <a:latin typeface="宋体" panose="02010600030101010101" pitchFamily="2" charset="-122"/>
-              <a:ea typeface="宋体" panose="02010600030101010101" pitchFamily="2" charset="-122"/>
-              <a:cs typeface="宋体" panose="02010600030101010101" pitchFamily="2" charset="-122"/>
-              <a:sym typeface="+mn-ea"/>
-            </a:endParaRPr>
-          </a:p>
-          <a:p>
-            <a:endParaRPr lang="zh-CN" altLang="en-US" sz="1600">
-              <a:solidFill>
-                <a:schemeClr val="tx1"/>
-              </a:solidFill>
-              <a:latin typeface="宋体" panose="02010600030101010101" pitchFamily="2" charset="-122"/>
-              <a:ea typeface="宋体" panose="02010600030101010101" pitchFamily="2" charset="-122"/>
-              <a:cs typeface="宋体" panose="02010600030101010101" pitchFamily="2" charset="-122"/>
-            </a:endParaRPr>
-          </a:p>
-          <a:p>
-            <a:r>
-              <a:rPr lang="zh-CN" altLang="en-US" sz="1600">
-                <a:solidFill>
-                  <a:schemeClr val="tx1"/>
-                </a:solidFill>
-                <a:latin typeface="宋体" panose="02010600030101010101" pitchFamily="2" charset="-122"/>
-                <a:ea typeface="宋体" panose="02010600030101010101" pitchFamily="2" charset="-122"/>
-                <a:cs typeface="宋体" panose="02010600030101010101" pitchFamily="2" charset="-122"/>
-              </a:rPr>
-              <a:t>Java提供了一个可以对文件随机访问的操作，访问包括读和写操作。基于指针形式读写文件数据</a:t>
-            </a:r>
-            <a:r>
-              <a:rPr lang="en-US" altLang="zh-CN" sz="1600">
-                <a:solidFill>
-                  <a:schemeClr val="tx1"/>
-                </a:solidFill>
-                <a:latin typeface="宋体" panose="02010600030101010101" pitchFamily="2" charset="-122"/>
-                <a:ea typeface="宋体" panose="02010600030101010101" pitchFamily="2" charset="-122"/>
-                <a:cs typeface="宋体" panose="02010600030101010101" pitchFamily="2" charset="-122"/>
-              </a:rPr>
-              <a:t>,该类名为RandomAccessFile。该类的读写是基于指针的操作。</a:t>
-            </a:r>
-            <a:endParaRPr lang="en-US" altLang="zh-CN" sz="1600">
-              <a:solidFill>
-                <a:schemeClr val="tx1"/>
-              </a:solidFill>
-              <a:latin typeface="宋体" panose="02010600030101010101" pitchFamily="2" charset="-122"/>
-              <a:ea typeface="宋体" panose="02010600030101010101" pitchFamily="2" charset="-122"/>
-              <a:cs typeface="宋体" panose="02010600030101010101" pitchFamily="2" charset="-122"/>
-            </a:endParaRPr>
-          </a:p>
-          <a:p>
-            <a:pPr indent="0">
-              <a:buFont typeface="Wingdings" panose="05000000000000000000" pitchFamily="2" charset="2"/>
-              <a:buNone/>
-            </a:pPr>
-            <a:r>
-              <a:rPr lang="en-US" altLang="zh-CN" sz="1600" dirty="0" err="1" smtClean="0">
-                <a:solidFill>
-                  <a:schemeClr val="tx1"/>
-                </a:solidFill>
-                <a:latin typeface="宋体" panose="02010600030101010101" pitchFamily="2" charset="-122"/>
-                <a:ea typeface="宋体" panose="02010600030101010101" pitchFamily="2" charset="-122"/>
-                <a:cs typeface="宋体" panose="02010600030101010101" pitchFamily="2" charset="-122"/>
-                <a:sym typeface="+mn-ea"/>
-              </a:rPr>
-              <a:t>RandomAccessFile</a:t>
-            </a:r>
-            <a:r>
-              <a:rPr lang="en-US" altLang="zh-CN" sz="1600" dirty="0" smtClean="0">
-                <a:solidFill>
-                  <a:schemeClr val="tx1"/>
-                </a:solidFill>
-                <a:latin typeface="宋体" panose="02010600030101010101" pitchFamily="2" charset="-122"/>
-                <a:ea typeface="宋体" panose="02010600030101010101" pitchFamily="2" charset="-122"/>
-                <a:cs typeface="宋体" panose="02010600030101010101" pitchFamily="2" charset="-122"/>
-                <a:sym typeface="+mn-ea"/>
-              </a:rPr>
-              <a:t> </a:t>
-            </a:r>
-            <a:r>
-              <a:rPr lang="zh-CN" altLang="en-US" sz="1600" dirty="0" smtClean="0">
-                <a:solidFill>
-                  <a:schemeClr val="tx1"/>
-                </a:solidFill>
-                <a:latin typeface="宋体" panose="02010600030101010101" pitchFamily="2" charset="-122"/>
-                <a:ea typeface="宋体" panose="02010600030101010101" pitchFamily="2" charset="-122"/>
-                <a:cs typeface="宋体" panose="02010600030101010101" pitchFamily="2" charset="-122"/>
-                <a:sym typeface="+mn-ea"/>
-              </a:rPr>
-              <a:t>类支持 </a:t>
-            </a:r>
-            <a:r>
-              <a:rPr lang="en-US" altLang="zh-CN" sz="1600" dirty="0" smtClean="0">
-                <a:solidFill>
-                  <a:schemeClr val="tx1"/>
-                </a:solidFill>
-                <a:latin typeface="宋体" panose="02010600030101010101" pitchFamily="2" charset="-122"/>
-                <a:ea typeface="宋体" panose="02010600030101010101" pitchFamily="2" charset="-122"/>
-                <a:cs typeface="宋体" panose="02010600030101010101" pitchFamily="2" charset="-122"/>
-                <a:sym typeface="+mn-ea"/>
-              </a:rPr>
-              <a:t>“</a:t>
-            </a:r>
-            <a:r>
-              <a:rPr lang="zh-CN" altLang="en-US" sz="1600" dirty="0" smtClean="0">
-                <a:solidFill>
-                  <a:srgbClr val="FF0000"/>
-                </a:solidFill>
-                <a:latin typeface="宋体" panose="02010600030101010101" pitchFamily="2" charset="-122"/>
-                <a:ea typeface="宋体" panose="02010600030101010101" pitchFamily="2" charset="-122"/>
-                <a:cs typeface="宋体" panose="02010600030101010101" pitchFamily="2" charset="-122"/>
-                <a:sym typeface="+mn-ea"/>
-              </a:rPr>
-              <a:t>随机访问</a:t>
-            </a:r>
-            <a:r>
-              <a:rPr lang="en-US" altLang="zh-CN" sz="1600" dirty="0" smtClean="0">
-                <a:solidFill>
-                  <a:schemeClr val="tx1"/>
-                </a:solidFill>
-                <a:latin typeface="宋体" panose="02010600030101010101" pitchFamily="2" charset="-122"/>
-                <a:ea typeface="宋体" panose="02010600030101010101" pitchFamily="2" charset="-122"/>
-                <a:cs typeface="宋体" panose="02010600030101010101" pitchFamily="2" charset="-122"/>
-                <a:sym typeface="+mn-ea"/>
-              </a:rPr>
-              <a:t>” </a:t>
-            </a:r>
-            <a:r>
-              <a:rPr lang="zh-CN" altLang="en-US" sz="1600" dirty="0" smtClean="0">
-                <a:solidFill>
-                  <a:schemeClr val="tx1"/>
-                </a:solidFill>
-                <a:latin typeface="宋体" panose="02010600030101010101" pitchFamily="2" charset="-122"/>
-                <a:ea typeface="宋体" panose="02010600030101010101" pitchFamily="2" charset="-122"/>
-                <a:cs typeface="宋体" panose="02010600030101010101" pitchFamily="2" charset="-122"/>
-                <a:sym typeface="+mn-ea"/>
-              </a:rPr>
-              <a:t>的方式，程序可以直接跳到文件的任意地方来读、写文件</a:t>
-            </a:r>
-            <a:endParaRPr lang="en-US" altLang="zh-CN" sz="1600" dirty="0" smtClean="0">
-              <a:solidFill>
-                <a:schemeClr val="tx1"/>
-              </a:solidFill>
-              <a:latin typeface="宋体" panose="02010600030101010101" pitchFamily="2" charset="-122"/>
-              <a:ea typeface="宋体" panose="02010600030101010101" pitchFamily="2" charset="-122"/>
-              <a:cs typeface="宋体" panose="02010600030101010101" pitchFamily="2" charset="-122"/>
-            </a:endParaRPr>
-          </a:p>
-          <a:p>
-            <a:pPr lvl="1" indent="0">
-              <a:buFont typeface="Wingdings" panose="05000000000000000000" pitchFamily="2" charset="2"/>
-              <a:buNone/>
-            </a:pPr>
-            <a:r>
-              <a:rPr lang="zh-CN" altLang="en-US" sz="1600" dirty="0" smtClean="0">
-                <a:solidFill>
-                  <a:schemeClr val="tx1"/>
-                </a:solidFill>
-                <a:latin typeface="宋体" panose="02010600030101010101" pitchFamily="2" charset="-122"/>
-                <a:ea typeface="宋体" panose="02010600030101010101" pitchFamily="2" charset="-122"/>
-                <a:cs typeface="宋体" panose="02010600030101010101" pitchFamily="2" charset="-122"/>
-                <a:sym typeface="+mn-ea"/>
-              </a:rPr>
-              <a:t>支持只访问文件的部分内容</a:t>
-            </a:r>
-            <a:endParaRPr lang="en-US" altLang="zh-CN" sz="1600" dirty="0" smtClean="0">
-              <a:solidFill>
-                <a:schemeClr val="tx1"/>
-              </a:solidFill>
-              <a:latin typeface="宋体" panose="02010600030101010101" pitchFamily="2" charset="-122"/>
-              <a:ea typeface="宋体" panose="02010600030101010101" pitchFamily="2" charset="-122"/>
-              <a:cs typeface="宋体" panose="02010600030101010101" pitchFamily="2" charset="-122"/>
-            </a:endParaRPr>
-          </a:p>
-          <a:p>
-            <a:pPr lvl="1" indent="0">
-              <a:buFont typeface="Wingdings" panose="05000000000000000000" pitchFamily="2" charset="2"/>
-              <a:buNone/>
-            </a:pPr>
-            <a:r>
-              <a:rPr lang="zh-CN" altLang="en-US" sz="1600" dirty="0" smtClean="0">
-                <a:solidFill>
-                  <a:schemeClr val="tx1"/>
-                </a:solidFill>
-                <a:latin typeface="宋体" panose="02010600030101010101" pitchFamily="2" charset="-122"/>
-                <a:ea typeface="宋体" panose="02010600030101010101" pitchFamily="2" charset="-122"/>
-                <a:cs typeface="宋体" panose="02010600030101010101" pitchFamily="2" charset="-122"/>
-                <a:sym typeface="+mn-ea"/>
-              </a:rPr>
-              <a:t>可以向已存在的文件后追加内容</a:t>
-            </a:r>
-            <a:endParaRPr lang="en-US" altLang="zh-CN" sz="1600" dirty="0" smtClean="0">
-              <a:solidFill>
-                <a:schemeClr val="tx1"/>
-              </a:solidFill>
-              <a:latin typeface="宋体" panose="02010600030101010101" pitchFamily="2" charset="-122"/>
-              <a:ea typeface="宋体" panose="02010600030101010101" pitchFamily="2" charset="-122"/>
-              <a:cs typeface="宋体" panose="02010600030101010101" pitchFamily="2" charset="-122"/>
-            </a:endParaRPr>
-          </a:p>
-          <a:p>
-            <a:pPr indent="0">
-              <a:buFont typeface="Wingdings" panose="05000000000000000000" pitchFamily="2" charset="2"/>
-              <a:buNone/>
-            </a:pPr>
-            <a:r>
-              <a:rPr lang="en-US" altLang="zh-CN" sz="1600" dirty="0" err="1" smtClean="0">
-                <a:solidFill>
-                  <a:schemeClr val="tx1"/>
-                </a:solidFill>
-                <a:latin typeface="宋体" panose="02010600030101010101" pitchFamily="2" charset="-122"/>
-                <a:ea typeface="宋体" panose="02010600030101010101" pitchFamily="2" charset="-122"/>
-                <a:cs typeface="宋体" panose="02010600030101010101" pitchFamily="2" charset="-122"/>
-                <a:sym typeface="+mn-ea"/>
-              </a:rPr>
-              <a:t>RandomAccessFile</a:t>
-            </a:r>
-            <a:r>
-              <a:rPr lang="en-US" altLang="zh-CN" sz="1600" dirty="0" smtClean="0">
-                <a:solidFill>
-                  <a:schemeClr val="tx1"/>
-                </a:solidFill>
-                <a:latin typeface="宋体" panose="02010600030101010101" pitchFamily="2" charset="-122"/>
-                <a:ea typeface="宋体" panose="02010600030101010101" pitchFamily="2" charset="-122"/>
-                <a:cs typeface="宋体" panose="02010600030101010101" pitchFamily="2" charset="-122"/>
-                <a:sym typeface="+mn-ea"/>
-              </a:rPr>
-              <a:t> </a:t>
-            </a:r>
-            <a:r>
-              <a:rPr lang="zh-CN" altLang="en-US" sz="1600" dirty="0" smtClean="0">
-                <a:solidFill>
-                  <a:schemeClr val="tx1"/>
-                </a:solidFill>
-                <a:latin typeface="宋体" panose="02010600030101010101" pitchFamily="2" charset="-122"/>
-                <a:ea typeface="宋体" panose="02010600030101010101" pitchFamily="2" charset="-122"/>
-                <a:cs typeface="宋体" panose="02010600030101010101" pitchFamily="2" charset="-122"/>
-                <a:sym typeface="+mn-ea"/>
-              </a:rPr>
-              <a:t>对象包含一个记录指针，用以标示当前读写处的位置。</a:t>
-            </a:r>
-            <a:r>
-              <a:rPr lang="en-US" altLang="zh-CN" sz="1600" dirty="0" err="1" smtClean="0">
-                <a:solidFill>
-                  <a:schemeClr val="tx1"/>
-                </a:solidFill>
-                <a:latin typeface="宋体" panose="02010600030101010101" pitchFamily="2" charset="-122"/>
-                <a:ea typeface="宋体" panose="02010600030101010101" pitchFamily="2" charset="-122"/>
-                <a:cs typeface="宋体" panose="02010600030101010101" pitchFamily="2" charset="-122"/>
-                <a:sym typeface="+mn-ea"/>
-              </a:rPr>
-              <a:t>RandomAccessFile</a:t>
-            </a:r>
-            <a:r>
-              <a:rPr lang="en-US" altLang="zh-CN" sz="1600" dirty="0" smtClean="0">
-                <a:solidFill>
-                  <a:schemeClr val="tx1"/>
-                </a:solidFill>
-                <a:latin typeface="宋体" panose="02010600030101010101" pitchFamily="2" charset="-122"/>
-                <a:ea typeface="宋体" panose="02010600030101010101" pitchFamily="2" charset="-122"/>
-                <a:cs typeface="宋体" panose="02010600030101010101" pitchFamily="2" charset="-122"/>
-                <a:sym typeface="+mn-ea"/>
-              </a:rPr>
-              <a:t> </a:t>
-            </a:r>
-            <a:r>
-              <a:rPr lang="zh-CN" altLang="en-US" sz="1600" dirty="0" smtClean="0">
-                <a:solidFill>
-                  <a:schemeClr val="tx1"/>
-                </a:solidFill>
-                <a:latin typeface="宋体" panose="02010600030101010101" pitchFamily="2" charset="-122"/>
-                <a:ea typeface="宋体" panose="02010600030101010101" pitchFamily="2" charset="-122"/>
-                <a:cs typeface="宋体" panose="02010600030101010101" pitchFamily="2" charset="-122"/>
-                <a:sym typeface="+mn-ea"/>
-              </a:rPr>
-              <a:t>类对象可以自由移动记录指针：</a:t>
-            </a:r>
-            <a:endParaRPr lang="en-US" altLang="zh-CN" sz="1600" dirty="0" smtClean="0">
-              <a:solidFill>
-                <a:schemeClr val="tx1"/>
-              </a:solidFill>
-              <a:latin typeface="宋体" panose="02010600030101010101" pitchFamily="2" charset="-122"/>
-              <a:ea typeface="宋体" panose="02010600030101010101" pitchFamily="2" charset="-122"/>
-              <a:cs typeface="宋体" panose="02010600030101010101" pitchFamily="2" charset="-122"/>
-            </a:endParaRPr>
-          </a:p>
-          <a:p>
-            <a:pPr lvl="1" indent="0">
-              <a:buFont typeface="Wingdings" panose="05000000000000000000" pitchFamily="2" charset="2"/>
-              <a:buNone/>
-            </a:pPr>
-            <a:r>
-              <a:rPr lang="en-US" altLang="zh-CN" sz="1600" dirty="0" smtClean="0">
-                <a:solidFill>
-                  <a:schemeClr val="tx1"/>
-                </a:solidFill>
-                <a:latin typeface="宋体" panose="02010600030101010101" pitchFamily="2" charset="-122"/>
-                <a:ea typeface="宋体" panose="02010600030101010101" pitchFamily="2" charset="-122"/>
-                <a:cs typeface="宋体" panose="02010600030101010101" pitchFamily="2" charset="-122"/>
-                <a:sym typeface="+mn-ea"/>
-              </a:rPr>
-              <a:t>long </a:t>
-            </a:r>
-            <a:r>
-              <a:rPr lang="en-US" altLang="zh-CN" sz="1600" dirty="0" err="1" smtClean="0">
-                <a:solidFill>
-                  <a:schemeClr val="tx1"/>
-                </a:solidFill>
-                <a:latin typeface="宋体" panose="02010600030101010101" pitchFamily="2" charset="-122"/>
-                <a:ea typeface="宋体" panose="02010600030101010101" pitchFamily="2" charset="-122"/>
-                <a:cs typeface="宋体" panose="02010600030101010101" pitchFamily="2" charset="-122"/>
-                <a:sym typeface="+mn-ea"/>
-              </a:rPr>
-              <a:t>getFilePointer</a:t>
-            </a:r>
-            <a:r>
-              <a:rPr lang="en-US" altLang="zh-CN" sz="1600" dirty="0" smtClean="0">
-                <a:solidFill>
-                  <a:schemeClr val="tx1"/>
-                </a:solidFill>
-                <a:latin typeface="宋体" panose="02010600030101010101" pitchFamily="2" charset="-122"/>
-                <a:ea typeface="宋体" panose="02010600030101010101" pitchFamily="2" charset="-122"/>
-                <a:cs typeface="宋体" panose="02010600030101010101" pitchFamily="2" charset="-122"/>
-                <a:sym typeface="+mn-ea"/>
-              </a:rPr>
-              <a:t>()</a:t>
-            </a:r>
-            <a:r>
-              <a:rPr lang="zh-CN" altLang="en-US" sz="1600" dirty="0" smtClean="0">
-                <a:solidFill>
-                  <a:schemeClr val="tx1"/>
-                </a:solidFill>
-                <a:latin typeface="宋体" panose="02010600030101010101" pitchFamily="2" charset="-122"/>
-                <a:ea typeface="宋体" panose="02010600030101010101" pitchFamily="2" charset="-122"/>
-                <a:cs typeface="宋体" panose="02010600030101010101" pitchFamily="2" charset="-122"/>
-                <a:sym typeface="+mn-ea"/>
-              </a:rPr>
-              <a:t>：获取文件记录指针的当前位置</a:t>
-            </a:r>
-            <a:endParaRPr lang="en-US" altLang="zh-CN" sz="1600" dirty="0" smtClean="0">
-              <a:solidFill>
-                <a:schemeClr val="tx1"/>
-              </a:solidFill>
-              <a:latin typeface="宋体" panose="02010600030101010101" pitchFamily="2" charset="-122"/>
-              <a:ea typeface="宋体" panose="02010600030101010101" pitchFamily="2" charset="-122"/>
-              <a:cs typeface="宋体" panose="02010600030101010101" pitchFamily="2" charset="-122"/>
-            </a:endParaRPr>
-          </a:p>
-          <a:p>
-            <a:pPr lvl="1" indent="0">
-              <a:buFont typeface="Wingdings" panose="05000000000000000000" pitchFamily="2" charset="2"/>
-              <a:buNone/>
-            </a:pPr>
-            <a:r>
-              <a:rPr lang="en-US" altLang="zh-CN" sz="1600" dirty="0" smtClean="0">
-                <a:solidFill>
-                  <a:schemeClr val="tx1"/>
-                </a:solidFill>
-                <a:latin typeface="宋体" panose="02010600030101010101" pitchFamily="2" charset="-122"/>
-                <a:ea typeface="宋体" panose="02010600030101010101" pitchFamily="2" charset="-122"/>
-                <a:cs typeface="宋体" panose="02010600030101010101" pitchFamily="2" charset="-122"/>
-                <a:sym typeface="+mn-ea"/>
-              </a:rPr>
-              <a:t>void seek(long pos)</a:t>
-            </a:r>
-            <a:r>
-              <a:rPr lang="zh-CN" altLang="en-US" sz="1600" dirty="0" smtClean="0">
-                <a:solidFill>
-                  <a:schemeClr val="tx1"/>
-                </a:solidFill>
-                <a:latin typeface="宋体" panose="02010600030101010101" pitchFamily="2" charset="-122"/>
-                <a:ea typeface="宋体" panose="02010600030101010101" pitchFamily="2" charset="-122"/>
-                <a:cs typeface="宋体" panose="02010600030101010101" pitchFamily="2" charset="-122"/>
-                <a:sym typeface="+mn-ea"/>
-              </a:rPr>
-              <a:t>：将文件记录指针定位到 </a:t>
-            </a:r>
-            <a:r>
-              <a:rPr lang="en-US" altLang="zh-CN" sz="1600" dirty="0" err="1" smtClean="0">
-                <a:solidFill>
-                  <a:schemeClr val="tx1"/>
-                </a:solidFill>
-                <a:latin typeface="宋体" panose="02010600030101010101" pitchFamily="2" charset="-122"/>
-                <a:ea typeface="宋体" panose="02010600030101010101" pitchFamily="2" charset="-122"/>
-                <a:cs typeface="宋体" panose="02010600030101010101" pitchFamily="2" charset="-122"/>
-                <a:sym typeface="+mn-ea"/>
-              </a:rPr>
-              <a:t>pos</a:t>
-            </a:r>
-            <a:r>
-              <a:rPr lang="en-US" altLang="zh-CN" sz="1600" dirty="0" smtClean="0">
-                <a:solidFill>
-                  <a:schemeClr val="tx1"/>
-                </a:solidFill>
-                <a:latin typeface="宋体" panose="02010600030101010101" pitchFamily="2" charset="-122"/>
-                <a:ea typeface="宋体" panose="02010600030101010101" pitchFamily="2" charset="-122"/>
-                <a:cs typeface="宋体" panose="02010600030101010101" pitchFamily="2" charset="-122"/>
-                <a:sym typeface="+mn-ea"/>
-              </a:rPr>
-              <a:t> </a:t>
-            </a:r>
-            <a:r>
-              <a:rPr lang="zh-CN" altLang="en-US" sz="1600" dirty="0" smtClean="0">
-                <a:solidFill>
-                  <a:schemeClr val="tx1"/>
-                </a:solidFill>
-                <a:latin typeface="宋体" panose="02010600030101010101" pitchFamily="2" charset="-122"/>
-                <a:ea typeface="宋体" panose="02010600030101010101" pitchFamily="2" charset="-122"/>
-                <a:cs typeface="宋体" panose="02010600030101010101" pitchFamily="2" charset="-122"/>
-                <a:sym typeface="+mn-ea"/>
-              </a:rPr>
-              <a:t>位置</a:t>
-            </a:r>
-            <a:endParaRPr lang="en-US" altLang="zh-CN" sz="1600" dirty="0" smtClean="0">
-              <a:solidFill>
-                <a:schemeClr val="tx1"/>
-              </a:solidFill>
-              <a:latin typeface="宋体" panose="02010600030101010101" pitchFamily="2" charset="-122"/>
-              <a:ea typeface="宋体" panose="02010600030101010101" pitchFamily="2" charset="-122"/>
-              <a:cs typeface="宋体" panose="02010600030101010101" pitchFamily="2" charset="-122"/>
-            </a:endParaRPr>
+              <a:rPr lang="zh-CN" altLang="en-US" sz="1600">
+                <a:latin typeface="宋体" panose="02010600030101010101" pitchFamily="2" charset="-122"/>
+                <a:ea typeface="宋体" panose="02010600030101010101" pitchFamily="2" charset="-122"/>
+                <a:cs typeface="宋体" panose="02010600030101010101" pitchFamily="2" charset="-122"/>
+              </a:rPr>
+              <a:t>FileWriter和FileReader是用来实现将字符读写到文件的IO类。</a:t>
+            </a:r>
+            <a:endParaRPr lang="zh-CN" altLang="en-US" sz="1600">
+              <a:latin typeface="宋体" panose="02010600030101010101" pitchFamily="2" charset="-122"/>
+              <a:ea typeface="宋体" panose="02010600030101010101" pitchFamily="2" charset="-122"/>
+              <a:cs typeface="宋体" panose="02010600030101010101" pitchFamily="2" charset="-122"/>
+            </a:endParaRPr>
+          </a:p>
+          <a:p>
+            <a:endParaRPr lang="zh-CN" altLang="en-US" sz="1600">
+              <a:latin typeface="宋体" panose="02010600030101010101" pitchFamily="2" charset="-122"/>
+              <a:ea typeface="宋体" panose="02010600030101010101" pitchFamily="2" charset="-122"/>
+              <a:cs typeface="宋体" panose="02010600030101010101" pitchFamily="2" charset="-122"/>
+            </a:endParaRPr>
+          </a:p>
+          <a:p>
+            <a:r>
+              <a:rPr lang="zh-CN" altLang="en-US" sz="1600">
+                <a:latin typeface="宋体" panose="02010600030101010101" pitchFamily="2" charset="-122"/>
+                <a:ea typeface="宋体" panose="02010600030101010101" pitchFamily="2" charset="-122"/>
+                <a:cs typeface="宋体" panose="02010600030101010101" pitchFamily="2" charset="-122"/>
+              </a:rPr>
+              <a:t>FileWriter 是用来方便的将字符数据写入文件的类，这个类的构造函数假设默认的字符编码方式和缓冲区大小的可被接受的，如果要改变指定编码和缓冲区大小可以用FileOutputStream来构造一个OutputStreamWriter来实现。</a:t>
+            </a:r>
+            <a:endParaRPr lang="zh-CN" altLang="en-US" sz="1600">
+              <a:latin typeface="宋体" panose="02010600030101010101" pitchFamily="2" charset="-122"/>
+              <a:ea typeface="宋体" panose="02010600030101010101" pitchFamily="2" charset="-122"/>
+              <a:cs typeface="宋体" panose="02010600030101010101" pitchFamily="2" charset="-122"/>
+            </a:endParaRPr>
+          </a:p>
+          <a:p>
+            <a:endParaRPr lang="zh-CN" altLang="en-US" sz="1600">
+              <a:latin typeface="宋体" panose="02010600030101010101" pitchFamily="2" charset="-122"/>
+              <a:ea typeface="宋体" panose="02010600030101010101" pitchFamily="2" charset="-122"/>
+              <a:cs typeface="宋体" panose="02010600030101010101" pitchFamily="2" charset="-122"/>
+            </a:endParaRPr>
+          </a:p>
+          <a:p>
+            <a:r>
+              <a:rPr lang="zh-CN" altLang="en-US" sz="1600">
+                <a:latin typeface="宋体" panose="02010600030101010101" pitchFamily="2" charset="-122"/>
+                <a:ea typeface="宋体" panose="02010600030101010101" pitchFamily="2" charset="-122"/>
+                <a:cs typeface="宋体" panose="02010600030101010101" pitchFamily="2" charset="-122"/>
+              </a:rPr>
+              <a:t>当文件没有找到时，一般是可以自动创建文件，但这也和平台有关，有的平台不允许创建文件。FileWriter是用来写字符流的，如果要写字节流数据，请使用FileOutputStream。</a:t>
+            </a:r>
+            <a:endParaRPr lang="zh-CN" altLang="en-US" sz="1600">
+              <a:latin typeface="宋体" panose="02010600030101010101" pitchFamily="2" charset="-122"/>
+              <a:ea typeface="宋体" panose="02010600030101010101" pitchFamily="2" charset="-122"/>
+              <a:cs typeface="宋体" panose="02010600030101010101" pitchFamily="2" charset="-122"/>
+            </a:endParaRPr>
+          </a:p>
+          <a:p>
+            <a:endParaRPr lang="zh-CN" altLang="en-US" sz="1600">
+              <a:latin typeface="宋体" panose="02010600030101010101" pitchFamily="2" charset="-122"/>
+              <a:ea typeface="宋体" panose="02010600030101010101" pitchFamily="2" charset="-122"/>
+              <a:cs typeface="宋体" panose="02010600030101010101" pitchFamily="2" charset="-122"/>
+            </a:endParaRPr>
+          </a:p>
+          <a:p>
+            <a:r>
+              <a:rPr lang="zh-CN" altLang="en-US" sz="1600">
+                <a:latin typeface="宋体" panose="02010600030101010101" pitchFamily="2" charset="-122"/>
+                <a:ea typeface="宋体" panose="02010600030101010101" pitchFamily="2" charset="-122"/>
+                <a:cs typeface="宋体" panose="02010600030101010101" pitchFamily="2" charset="-122"/>
+              </a:rPr>
+              <a:t>FileReader 用来方便的从文件中读出字符的类，默认编码和默认缓冲区大小假设是可以接受的。如果要改变默认编码和默认缓冲区大小可以用FileInputStream来构造InputStreamReader来实现。FileReader意味着是用来读字符的流，要实现读取字节流，请考虑使用FileInputStream。</a:t>
+            </a:r>
+            <a:endParaRPr lang="zh-CN" altLang="en-US" sz="1600">
+              <a:latin typeface="宋体" panose="02010600030101010101" pitchFamily="2" charset="-122"/>
+              <a:ea typeface="宋体" panose="02010600030101010101" pitchFamily="2" charset="-122"/>
+              <a:cs typeface="宋体" panose="02010600030101010101" pitchFamily="2" charset="-122"/>
+            </a:endParaRPr>
+          </a:p>
+        </p:txBody>
+      </p:sp>
+      <p:sp>
+        <p:nvSpPr>
+          <p:cNvPr id="6" name="文本框 5"/>
+          <p:cNvSpPr txBox="1"/>
+          <p:nvPr/>
+        </p:nvSpPr>
+        <p:spPr>
+          <a:xfrm>
+            <a:off x="184150" y="546100"/>
+            <a:ext cx="11736070" cy="583565"/>
+          </a:xfrm>
+          <a:prstGeom prst="rect">
+            <a:avLst/>
+          </a:prstGeom>
+          <a:noFill/>
+        </p:spPr>
+        <p:txBody>
+          <a:bodyPr wrap="square" rtlCol="0">
+            <a:spAutoFit/>
+          </a:bodyPr>
+          <a:p>
+            <a:pPr algn="ctr"/>
+            <a:r>
+              <a:rPr lang="zh-CN" sz="3200"/>
+              <a:t>FileWriter &amp; FileReader 字符流（低级）</a:t>
+            </a:r>
+            <a:endParaRPr lang="zh-CN" sz="3200"/>
           </a:p>
         </p:txBody>
       </p:sp>
@@ -6923,6 +6579,213 @@
         <p:nvPr/>
       </p:nvGrpSpPr>
       <p:grpSpPr/>
+      <p:sp>
+        <p:nvSpPr>
+          <p:cNvPr id="2" name="文本框 1"/>
+          <p:cNvSpPr txBox="1"/>
+          <p:nvPr/>
+        </p:nvSpPr>
+        <p:spPr>
+          <a:xfrm>
+            <a:off x="271780" y="1129665"/>
+            <a:ext cx="11648440" cy="5015865"/>
+          </a:xfrm>
+          <a:prstGeom prst="rect">
+            <a:avLst/>
+          </a:prstGeom>
+          <a:noFill/>
+        </p:spPr>
+        <p:txBody>
+          <a:bodyPr wrap="square" rtlCol="0">
+            <a:spAutoFit/>
+          </a:bodyPr>
+          <a:p>
+            <a:r>
+              <a:rPr lang="zh-CN" altLang="en-US" sz="1600">
+                <a:latin typeface="宋体" panose="02010600030101010101" pitchFamily="2" charset="-122"/>
+                <a:ea typeface="宋体" panose="02010600030101010101" pitchFamily="2" charset="-122"/>
+                <a:cs typeface="宋体" panose="02010600030101010101" pitchFamily="2" charset="-122"/>
+              </a:rPr>
+              <a:t>Java的对象序列化是将那些实现了Serializable接口的对象转化成一个字节序列，并能够在以后将这些字节序列完全恢复成原来的对象。简单来说序列化就是将对象转化成字节流，反序列化就是将字节流转化成对象。</a:t>
+            </a:r>
+            <a:endParaRPr lang="zh-CN" altLang="en-US" sz="1600">
+              <a:latin typeface="宋体" panose="02010600030101010101" pitchFamily="2" charset="-122"/>
+              <a:ea typeface="宋体" panose="02010600030101010101" pitchFamily="2" charset="-122"/>
+              <a:cs typeface="宋体" panose="02010600030101010101" pitchFamily="2" charset="-122"/>
+            </a:endParaRPr>
+          </a:p>
+          <a:p>
+            <a:endParaRPr lang="zh-CN" altLang="en-US" sz="1600">
+              <a:latin typeface="宋体" panose="02010600030101010101" pitchFamily="2" charset="-122"/>
+              <a:ea typeface="宋体" panose="02010600030101010101" pitchFamily="2" charset="-122"/>
+              <a:cs typeface="宋体" panose="02010600030101010101" pitchFamily="2" charset="-122"/>
+            </a:endParaRPr>
+          </a:p>
+          <a:p>
+            <a:r>
+              <a:rPr lang="zh-CN" altLang="en-US" sz="1600">
+                <a:latin typeface="宋体" panose="02010600030101010101" pitchFamily="2" charset="-122"/>
+                <a:ea typeface="宋体" panose="02010600030101010101" pitchFamily="2" charset="-122"/>
+                <a:cs typeface="宋体" panose="02010600030101010101" pitchFamily="2" charset="-122"/>
+              </a:rPr>
+              <a:t>对象必须在程序中显示的序列化（serialize）和反序列化（deserialize）。</a:t>
+            </a:r>
+            <a:endParaRPr lang="zh-CN" altLang="en-US" sz="1600">
+              <a:latin typeface="宋体" panose="02010600030101010101" pitchFamily="2" charset="-122"/>
+              <a:ea typeface="宋体" panose="02010600030101010101" pitchFamily="2" charset="-122"/>
+              <a:cs typeface="宋体" panose="02010600030101010101" pitchFamily="2" charset="-122"/>
+            </a:endParaRPr>
+          </a:p>
+          <a:p>
+            <a:endParaRPr lang="zh-CN" altLang="en-US" sz="1600">
+              <a:latin typeface="宋体" panose="02010600030101010101" pitchFamily="2" charset="-122"/>
+              <a:ea typeface="宋体" panose="02010600030101010101" pitchFamily="2" charset="-122"/>
+              <a:cs typeface="宋体" panose="02010600030101010101" pitchFamily="2" charset="-122"/>
+            </a:endParaRPr>
+          </a:p>
+          <a:p>
+            <a:r>
+              <a:rPr lang="zh-CN" altLang="en-US" sz="1600">
+                <a:latin typeface="宋体" panose="02010600030101010101" pitchFamily="2" charset="-122"/>
+                <a:ea typeface="宋体" panose="02010600030101010101" pitchFamily="2" charset="-122"/>
+                <a:cs typeface="宋体" panose="02010600030101010101" pitchFamily="2" charset="-122"/>
+              </a:rPr>
+              <a:t>序列化的作用</a:t>
+            </a:r>
+            <a:endParaRPr lang="zh-CN" altLang="en-US" sz="1600">
+              <a:latin typeface="宋体" panose="02010600030101010101" pitchFamily="2" charset="-122"/>
+              <a:ea typeface="宋体" panose="02010600030101010101" pitchFamily="2" charset="-122"/>
+              <a:cs typeface="宋体" panose="02010600030101010101" pitchFamily="2" charset="-122"/>
+            </a:endParaRPr>
+          </a:p>
+          <a:p>
+            <a:endParaRPr lang="zh-CN" altLang="en-US" sz="1600">
+              <a:latin typeface="宋体" panose="02010600030101010101" pitchFamily="2" charset="-122"/>
+              <a:ea typeface="宋体" panose="02010600030101010101" pitchFamily="2" charset="-122"/>
+              <a:cs typeface="宋体" panose="02010600030101010101" pitchFamily="2" charset="-122"/>
+            </a:endParaRPr>
+          </a:p>
+          <a:p>
+            <a:r>
+              <a:rPr lang="zh-CN" altLang="en-US" sz="1600">
+                <a:latin typeface="宋体" panose="02010600030101010101" pitchFamily="2" charset="-122"/>
+                <a:ea typeface="宋体" panose="02010600030101010101" pitchFamily="2" charset="-122"/>
+                <a:cs typeface="宋体" panose="02010600030101010101" pitchFamily="2" charset="-122"/>
+              </a:rPr>
+              <a:t>序列化的主要用途主要有两个，一个是对象持久化，另一个是跨网络的数据交换、远程过程调用。</a:t>
+            </a:r>
+            <a:endParaRPr lang="zh-CN" altLang="en-US" sz="1600">
+              <a:latin typeface="宋体" panose="02010600030101010101" pitchFamily="2" charset="-122"/>
+              <a:ea typeface="宋体" panose="02010600030101010101" pitchFamily="2" charset="-122"/>
+              <a:cs typeface="宋体" panose="02010600030101010101" pitchFamily="2" charset="-122"/>
+            </a:endParaRPr>
+          </a:p>
+          <a:p>
+            <a:endParaRPr lang="zh-CN" altLang="en-US" sz="1600">
+              <a:latin typeface="宋体" panose="02010600030101010101" pitchFamily="2" charset="-122"/>
+              <a:ea typeface="宋体" panose="02010600030101010101" pitchFamily="2" charset="-122"/>
+              <a:cs typeface="宋体" panose="02010600030101010101" pitchFamily="2" charset="-122"/>
+            </a:endParaRPr>
+          </a:p>
+          <a:p>
+            <a:r>
+              <a:rPr lang="zh-CN" altLang="en-US" sz="1600">
+                <a:latin typeface="宋体" panose="02010600030101010101" pitchFamily="2" charset="-122"/>
+                <a:ea typeface="宋体" panose="02010600030101010101" pitchFamily="2" charset="-122"/>
+                <a:cs typeface="宋体" panose="02010600030101010101" pitchFamily="2" charset="-122"/>
+              </a:rPr>
+              <a:t>对象持久化意味着一个对象的生存周期并不取决于程序是否正在执行，他可以生存与程序的调用之间。通过将一个序列化的对象写入磁盘，然后在重新调用程序时恢复该对象，就能够实现持久化的效果。</a:t>
+            </a:r>
+            <a:endParaRPr lang="zh-CN" altLang="en-US" sz="1600">
+              <a:latin typeface="宋体" panose="02010600030101010101" pitchFamily="2" charset="-122"/>
+              <a:ea typeface="宋体" panose="02010600030101010101" pitchFamily="2" charset="-122"/>
+              <a:cs typeface="宋体" panose="02010600030101010101" pitchFamily="2" charset="-122"/>
+            </a:endParaRPr>
+          </a:p>
+          <a:p>
+            <a:endParaRPr lang="zh-CN" altLang="en-US" sz="1600">
+              <a:latin typeface="宋体" panose="02010600030101010101" pitchFamily="2" charset="-122"/>
+              <a:ea typeface="宋体" panose="02010600030101010101" pitchFamily="2" charset="-122"/>
+              <a:cs typeface="宋体" panose="02010600030101010101" pitchFamily="2" charset="-122"/>
+            </a:endParaRPr>
+          </a:p>
+          <a:p>
+            <a:r>
+              <a:rPr lang="zh-CN" altLang="en-US" sz="1600">
+                <a:latin typeface="宋体" panose="02010600030101010101" pitchFamily="2" charset="-122"/>
+                <a:ea typeface="宋体" panose="02010600030101010101" pitchFamily="2" charset="-122"/>
+                <a:cs typeface="宋体" panose="02010600030101010101" pitchFamily="2" charset="-122"/>
+              </a:rPr>
+              <a:t>序列化能够弥补不同操作系统之间的差异，比如说可以在运行Windows系统的计算机上创建一个对象，然后将其序列化，通过网络将它发送给一台运行Linux系统的计算机，然后在那里准确的重新组装而不必担心数据在不同的机器上的表示会不同，也不必关心字节的顺序或者其他任何细节，使得对象在其他机器上就像在本地机器上一样。当向远程对象发送消息时，需要通过对象序列化来传输参数和返回值。</a:t>
+            </a:r>
+            <a:endParaRPr lang="zh-CN" altLang="en-US" sz="1600">
+              <a:latin typeface="宋体" panose="02010600030101010101" pitchFamily="2" charset="-122"/>
+              <a:ea typeface="宋体" panose="02010600030101010101" pitchFamily="2" charset="-122"/>
+              <a:cs typeface="宋体" panose="02010600030101010101" pitchFamily="2" charset="-122"/>
+            </a:endParaRPr>
+          </a:p>
+          <a:p>
+            <a:endParaRPr lang="zh-CN" altLang="en-US" sz="1600">
+              <a:latin typeface="宋体" panose="02010600030101010101" pitchFamily="2" charset="-122"/>
+              <a:ea typeface="宋体" panose="02010600030101010101" pitchFamily="2" charset="-122"/>
+              <a:cs typeface="宋体" panose="02010600030101010101" pitchFamily="2" charset="-122"/>
+            </a:endParaRPr>
+          </a:p>
+          <a:p>
+            <a:r>
+              <a:rPr lang="zh-CN" altLang="en-US" sz="1600">
+                <a:latin typeface="宋体" panose="02010600030101010101" pitchFamily="2" charset="-122"/>
+                <a:ea typeface="宋体" panose="02010600030101010101" pitchFamily="2" charset="-122"/>
+                <a:cs typeface="宋体" panose="02010600030101010101" pitchFamily="2" charset="-122"/>
+              </a:rPr>
+              <a:t>serialVersionUID适用于java序列化机制。简单来说，JAVA序列化的机制是通过判断类的serialVersionUID来验证的版本一致的。在进行反序列化时，JVM会把传来的字节流中的serialVersionUID于本地相应实体类的serialVersionUID进行比较。如果相同说明是一致的，可以进行反序列化，否则会出现反序列化版本一致的异常，即是InvalidCastException。</a:t>
+            </a:r>
+            <a:endParaRPr lang="zh-CN" altLang="en-US" sz="1600">
+              <a:latin typeface="宋体" panose="02010600030101010101" pitchFamily="2" charset="-122"/>
+              <a:ea typeface="宋体" panose="02010600030101010101" pitchFamily="2" charset="-122"/>
+              <a:cs typeface="宋体" panose="02010600030101010101" pitchFamily="2" charset="-122"/>
+            </a:endParaRPr>
+          </a:p>
+        </p:txBody>
+      </p:sp>
+      <p:sp>
+        <p:nvSpPr>
+          <p:cNvPr id="6" name="文本框 5"/>
+          <p:cNvSpPr txBox="1"/>
+          <p:nvPr/>
+        </p:nvSpPr>
+        <p:spPr>
+          <a:xfrm>
+            <a:off x="183515" y="546100"/>
+            <a:ext cx="11736070" cy="583565"/>
+          </a:xfrm>
+          <a:prstGeom prst="rect">
+            <a:avLst/>
+          </a:prstGeom>
+          <a:noFill/>
+        </p:spPr>
+        <p:txBody>
+          <a:bodyPr wrap="square" rtlCol="0">
+            <a:spAutoFit/>
+          </a:bodyPr>
+          <a:p>
+            <a:pPr algn="ctr"/>
+            <a:r>
+              <a:rPr lang="en-US" sz="3200"/>
+              <a:t>S</a:t>
+            </a:r>
+            <a:r>
+              <a:rPr sz="3200"/>
+              <a:t>erialize </a:t>
+            </a:r>
+            <a:r>
+              <a:rPr lang="zh-CN" sz="3200"/>
+              <a:t>接口</a:t>
+            </a:r>
+            <a:endParaRPr lang="zh-CN" sz="3200"/>
+          </a:p>
+        </p:txBody>
+      </p:sp>
     </p:spTree>
     <p:custDataLst>
       <p:tags r:id="rId2"/>
@@ -6935,6 +6798,1837 @@
 </file>
 
 <file path=ppt/slides/slide12.xml><?xml version="1.0" encoding="utf-8"?>
+<p:sld xmlns:a="http://schemas.openxmlformats.org/drawingml/2006/main" xmlns:r="http://schemas.openxmlformats.org/officeDocument/2006/relationships" xmlns:p="http://schemas.openxmlformats.org/presentationml/2006/main">
+  <p:cSld>
+    <p:bg>
+      <p:bgPr>
+        <a:blipFill rotWithShape="1">
+          <a:blip r:embed="rId1"/>
+          <a:stretch>
+            <a:fillRect/>
+          </a:stretch>
+        </a:blipFill>
+        <a:effectLst/>
+      </p:bgPr>
+    </p:bg>
+    <p:spTree>
+      <p:nvGrpSpPr>
+        <p:cNvPr id="1" name=""/>
+        <p:cNvGrpSpPr/>
+        <p:nvPr/>
+      </p:nvGrpSpPr>
+      <p:grpSpPr/>
+      <p:sp>
+        <p:nvSpPr>
+          <p:cNvPr id="2" name="文本框 1"/>
+          <p:cNvSpPr txBox="1"/>
+          <p:nvPr/>
+        </p:nvSpPr>
+        <p:spPr>
+          <a:xfrm>
+            <a:off x="271780" y="1129665"/>
+            <a:ext cx="11648440" cy="5507990"/>
+          </a:xfrm>
+          <a:prstGeom prst="rect">
+            <a:avLst/>
+          </a:prstGeom>
+          <a:noFill/>
+        </p:spPr>
+        <p:txBody>
+          <a:bodyPr wrap="square" rtlCol="0">
+            <a:spAutoFit/>
+          </a:bodyPr>
+          <a:p>
+            <a:r>
+              <a:rPr lang="zh-CN" altLang="en-US" sz="1600">
+                <a:latin typeface="宋体" panose="02010600030101010101" pitchFamily="2" charset="-122"/>
+                <a:ea typeface="宋体" panose="02010600030101010101" pitchFamily="2" charset="-122"/>
+                <a:cs typeface="宋体" panose="02010600030101010101" pitchFamily="2" charset="-122"/>
+              </a:rPr>
+              <a:t>Java对象的序列化和反序列化（对象流）</a:t>
+            </a:r>
+            <a:endParaRPr lang="zh-CN" altLang="en-US" sz="1600">
+              <a:latin typeface="宋体" panose="02010600030101010101" pitchFamily="2" charset="-122"/>
+              <a:ea typeface="宋体" panose="02010600030101010101" pitchFamily="2" charset="-122"/>
+              <a:cs typeface="宋体" panose="02010600030101010101" pitchFamily="2" charset="-122"/>
+            </a:endParaRPr>
+          </a:p>
+          <a:p>
+            <a:r>
+              <a:rPr lang="zh-CN" altLang="en-US" sz="1600">
+                <a:latin typeface="宋体" panose="02010600030101010101" pitchFamily="2" charset="-122"/>
+                <a:ea typeface="宋体" panose="02010600030101010101" pitchFamily="2" charset="-122"/>
+                <a:cs typeface="宋体" panose="02010600030101010101" pitchFamily="2" charset="-122"/>
+              </a:rPr>
+              <a:t>序列化和反序列化的概念</a:t>
+            </a:r>
+            <a:endParaRPr lang="zh-CN" altLang="en-US" sz="1600">
+              <a:latin typeface="宋体" panose="02010600030101010101" pitchFamily="2" charset="-122"/>
+              <a:ea typeface="宋体" panose="02010600030101010101" pitchFamily="2" charset="-122"/>
+              <a:cs typeface="宋体" panose="02010600030101010101" pitchFamily="2" charset="-122"/>
+            </a:endParaRPr>
+          </a:p>
+          <a:p>
+            <a:r>
+              <a:rPr lang="zh-CN" altLang="en-US" sz="1600">
+                <a:latin typeface="宋体" panose="02010600030101010101" pitchFamily="2" charset="-122"/>
+                <a:ea typeface="宋体" panose="02010600030101010101" pitchFamily="2" charset="-122"/>
+                <a:cs typeface="宋体" panose="02010600030101010101" pitchFamily="2" charset="-122"/>
+              </a:rPr>
+              <a:t>　　把对象转换为字节序列的过程称为对象的序列化。</a:t>
+            </a:r>
+            <a:endParaRPr lang="zh-CN" altLang="en-US" sz="1600">
+              <a:latin typeface="宋体" panose="02010600030101010101" pitchFamily="2" charset="-122"/>
+              <a:ea typeface="宋体" panose="02010600030101010101" pitchFamily="2" charset="-122"/>
+              <a:cs typeface="宋体" panose="02010600030101010101" pitchFamily="2" charset="-122"/>
+            </a:endParaRPr>
+          </a:p>
+          <a:p>
+            <a:r>
+              <a:rPr lang="zh-CN" altLang="en-US" sz="1600">
+                <a:latin typeface="宋体" panose="02010600030101010101" pitchFamily="2" charset="-122"/>
+                <a:ea typeface="宋体" panose="02010600030101010101" pitchFamily="2" charset="-122"/>
+                <a:cs typeface="宋体" panose="02010600030101010101" pitchFamily="2" charset="-122"/>
+              </a:rPr>
+              <a:t>　　把字节序列恢复为对象的过程称为对象的反序列化。</a:t>
+            </a:r>
+            <a:endParaRPr lang="zh-CN" altLang="en-US" sz="1600">
+              <a:latin typeface="宋体" panose="02010600030101010101" pitchFamily="2" charset="-122"/>
+              <a:ea typeface="宋体" panose="02010600030101010101" pitchFamily="2" charset="-122"/>
+              <a:cs typeface="宋体" panose="02010600030101010101" pitchFamily="2" charset="-122"/>
+            </a:endParaRPr>
+          </a:p>
+          <a:p>
+            <a:r>
+              <a:rPr lang="zh-CN" altLang="en-US" sz="1600">
+                <a:latin typeface="宋体" panose="02010600030101010101" pitchFamily="2" charset="-122"/>
+                <a:ea typeface="宋体" panose="02010600030101010101" pitchFamily="2" charset="-122"/>
+                <a:cs typeface="宋体" panose="02010600030101010101" pitchFamily="2" charset="-122"/>
+              </a:rPr>
+              <a:t>　　对象的序列化主要有两种用途：</a:t>
+            </a:r>
+            <a:endParaRPr lang="zh-CN" altLang="en-US" sz="1600">
+              <a:latin typeface="宋体" panose="02010600030101010101" pitchFamily="2" charset="-122"/>
+              <a:ea typeface="宋体" panose="02010600030101010101" pitchFamily="2" charset="-122"/>
+              <a:cs typeface="宋体" panose="02010600030101010101" pitchFamily="2" charset="-122"/>
+            </a:endParaRPr>
+          </a:p>
+          <a:p>
+            <a:r>
+              <a:rPr lang="zh-CN" altLang="en-US" sz="1600">
+                <a:latin typeface="宋体" panose="02010600030101010101" pitchFamily="2" charset="-122"/>
+                <a:ea typeface="宋体" panose="02010600030101010101" pitchFamily="2" charset="-122"/>
+                <a:cs typeface="宋体" panose="02010600030101010101" pitchFamily="2" charset="-122"/>
+              </a:rPr>
+              <a:t>　　1） 对象持久化：把对象的字节序列永久地保存到硬盘上，通常存放在一个文件中；</a:t>
+            </a:r>
+            <a:endParaRPr lang="zh-CN" altLang="en-US" sz="1600">
+              <a:latin typeface="宋体" panose="02010600030101010101" pitchFamily="2" charset="-122"/>
+              <a:ea typeface="宋体" panose="02010600030101010101" pitchFamily="2" charset="-122"/>
+              <a:cs typeface="宋体" panose="02010600030101010101" pitchFamily="2" charset="-122"/>
+            </a:endParaRPr>
+          </a:p>
+          <a:p>
+            <a:r>
+              <a:rPr lang="zh-CN" altLang="en-US" sz="1600">
+                <a:latin typeface="宋体" panose="02010600030101010101" pitchFamily="2" charset="-122"/>
+                <a:ea typeface="宋体" panose="02010600030101010101" pitchFamily="2" charset="-122"/>
+                <a:cs typeface="宋体" panose="02010600030101010101" pitchFamily="2" charset="-122"/>
+              </a:rPr>
+              <a:t>　　2） 网络传输对象：在网络上传送对象的字节序列。可以通过序列化把主机A进程上的对象序列化为二进制序列，传输到主机B上的进程从序列中重构出该对象。</a:t>
+            </a:r>
+            <a:endParaRPr lang="zh-CN" altLang="en-US" sz="1600">
+              <a:latin typeface="宋体" panose="02010600030101010101" pitchFamily="2" charset="-122"/>
+              <a:ea typeface="宋体" panose="02010600030101010101" pitchFamily="2" charset="-122"/>
+              <a:cs typeface="宋体" panose="02010600030101010101" pitchFamily="2" charset="-122"/>
+            </a:endParaRPr>
+          </a:p>
+          <a:p>
+            <a:endParaRPr lang="zh-CN" altLang="en-US" sz="1600">
+              <a:latin typeface="宋体" panose="02010600030101010101" pitchFamily="2" charset="-122"/>
+              <a:ea typeface="宋体" panose="02010600030101010101" pitchFamily="2" charset="-122"/>
+              <a:cs typeface="宋体" panose="02010600030101010101" pitchFamily="2" charset="-122"/>
+            </a:endParaRPr>
+          </a:p>
+          <a:p>
+            <a:r>
+              <a:rPr lang="zh-CN" altLang="en-US" sz="1600">
+                <a:latin typeface="宋体" panose="02010600030101010101" pitchFamily="2" charset="-122"/>
+                <a:ea typeface="宋体" panose="02010600030101010101" pitchFamily="2" charset="-122"/>
+                <a:cs typeface="宋体" panose="02010600030101010101" pitchFamily="2" charset="-122"/>
+              </a:rPr>
+              <a:t>　　在很多应用中，需要对某些对象进行序列化，让它们离开内存空间，入住物理硬盘，以便长期保存。比如最常见的是Web服务器中的Session对象，当有 10万用户并发访问，就有可能出现10万个Session对象，内存可能吃不消，于是Web容器就会把一些seesion先序列化到硬盘中，等要用了，再把保存在硬盘中的对象还原到内存中。</a:t>
+            </a:r>
+            <a:endParaRPr lang="zh-CN" altLang="en-US" sz="1600">
+              <a:latin typeface="宋体" panose="02010600030101010101" pitchFamily="2" charset="-122"/>
+              <a:ea typeface="宋体" panose="02010600030101010101" pitchFamily="2" charset="-122"/>
+              <a:cs typeface="宋体" panose="02010600030101010101" pitchFamily="2" charset="-122"/>
+            </a:endParaRPr>
+          </a:p>
+          <a:p>
+            <a:endParaRPr lang="zh-CN" altLang="en-US" sz="1600">
+              <a:latin typeface="宋体" panose="02010600030101010101" pitchFamily="2" charset="-122"/>
+              <a:ea typeface="宋体" panose="02010600030101010101" pitchFamily="2" charset="-122"/>
+              <a:cs typeface="宋体" panose="02010600030101010101" pitchFamily="2" charset="-122"/>
+            </a:endParaRPr>
+          </a:p>
+          <a:p>
+            <a:r>
+              <a:rPr lang="zh-CN" altLang="en-US" sz="1600">
+                <a:latin typeface="宋体" panose="02010600030101010101" pitchFamily="2" charset="-122"/>
+                <a:ea typeface="宋体" panose="02010600030101010101" pitchFamily="2" charset="-122"/>
+                <a:cs typeface="宋体" panose="02010600030101010101" pitchFamily="2" charset="-122"/>
+              </a:rPr>
+              <a:t>　　当两个进程在进行远程通信时，彼此可以发送各种类型的数据。无论是何种类型的数据，都会以二进制序列的形式在网络上传送。发送方需要把这个Java对象转换为字节序列，才能在网络上传送；接收方则需要把字节序列再恢复为Java对象。</a:t>
+            </a:r>
+            <a:endParaRPr lang="zh-CN" altLang="en-US" sz="1600">
+              <a:latin typeface="宋体" panose="02010600030101010101" pitchFamily="2" charset="-122"/>
+              <a:ea typeface="宋体" panose="02010600030101010101" pitchFamily="2" charset="-122"/>
+              <a:cs typeface="宋体" panose="02010600030101010101" pitchFamily="2" charset="-122"/>
+            </a:endParaRPr>
+          </a:p>
+          <a:p>
+            <a:endParaRPr lang="zh-CN" altLang="en-US" sz="1600">
+              <a:latin typeface="宋体" panose="02010600030101010101" pitchFamily="2" charset="-122"/>
+              <a:ea typeface="宋体" panose="02010600030101010101" pitchFamily="2" charset="-122"/>
+              <a:cs typeface="宋体" panose="02010600030101010101" pitchFamily="2" charset="-122"/>
+            </a:endParaRPr>
+          </a:p>
+          <a:p>
+            <a:r>
+              <a:rPr lang="zh-CN" altLang="en-US" sz="1600" dirty="0">
+                <a:latin typeface="宋体" panose="02010600030101010101" pitchFamily="2" charset="-122"/>
+                <a:ea typeface="宋体" panose="02010600030101010101" pitchFamily="2" charset="-122"/>
+                <a:cs typeface="宋体" panose="02010600030101010101" pitchFamily="2" charset="-122"/>
+                <a:sym typeface="+mn-ea"/>
+              </a:rPr>
+              <a:t>反序列化的时候,OIS会根据当前类型的版本做不同操作,若反序列化的对象的版本与当前类的版本一致,但是当前类已经发生了变化时,则采用兼容模式:</a:t>
+            </a:r>
+            <a:endParaRPr lang="zh-CN" altLang="en-US" sz="1600" dirty="0">
+              <a:latin typeface="宋体" panose="02010600030101010101" pitchFamily="2" charset="-122"/>
+              <a:ea typeface="宋体" panose="02010600030101010101" pitchFamily="2" charset="-122"/>
+              <a:cs typeface="宋体" panose="02010600030101010101" pitchFamily="2" charset="-122"/>
+            </a:endParaRPr>
+          </a:p>
+          <a:p>
+            <a:r>
+              <a:rPr lang="zh-CN" altLang="en-US" sz="1600" dirty="0">
+                <a:latin typeface="宋体" panose="02010600030101010101" pitchFamily="2" charset="-122"/>
+                <a:ea typeface="宋体" panose="02010600030101010101" pitchFamily="2" charset="-122"/>
+                <a:cs typeface="宋体" panose="02010600030101010101" pitchFamily="2" charset="-122"/>
+                <a:sym typeface="+mn-ea"/>
+              </a:rPr>
+              <a:t>以前类里有的属性,现在还有的则还原该属性.</a:t>
+            </a:r>
+            <a:endParaRPr lang="zh-CN" altLang="en-US" sz="1600" dirty="0">
+              <a:latin typeface="宋体" panose="02010600030101010101" pitchFamily="2" charset="-122"/>
+              <a:ea typeface="宋体" panose="02010600030101010101" pitchFamily="2" charset="-122"/>
+              <a:cs typeface="宋体" panose="02010600030101010101" pitchFamily="2" charset="-122"/>
+            </a:endParaRPr>
+          </a:p>
+          <a:p>
+            <a:r>
+              <a:rPr lang="zh-CN" altLang="en-US" sz="1600" dirty="0">
+                <a:latin typeface="宋体" panose="02010600030101010101" pitchFamily="2" charset="-122"/>
+                <a:ea typeface="宋体" panose="02010600030101010101" pitchFamily="2" charset="-122"/>
+                <a:cs typeface="宋体" panose="02010600030101010101" pitchFamily="2" charset="-122"/>
+                <a:sym typeface="+mn-ea"/>
+              </a:rPr>
+              <a:t>以前类里有的属性,现在没有的则忽略.</a:t>
+            </a:r>
+            <a:endParaRPr lang="zh-CN" altLang="en-US" sz="1600" dirty="0">
+              <a:latin typeface="宋体" panose="02010600030101010101" pitchFamily="2" charset="-122"/>
+              <a:ea typeface="宋体" panose="02010600030101010101" pitchFamily="2" charset="-122"/>
+              <a:cs typeface="宋体" panose="02010600030101010101" pitchFamily="2" charset="-122"/>
+            </a:endParaRPr>
+          </a:p>
+          <a:p>
+            <a:r>
+              <a:rPr lang="zh-CN" altLang="en-US" sz="1600" dirty="0">
+                <a:latin typeface="宋体" panose="02010600030101010101" pitchFamily="2" charset="-122"/>
+                <a:ea typeface="宋体" panose="02010600030101010101" pitchFamily="2" charset="-122"/>
+                <a:cs typeface="宋体" panose="02010600030101010101" pitchFamily="2" charset="-122"/>
+                <a:sym typeface="+mn-ea"/>
+              </a:rPr>
+              <a:t>以前类里没有的属性,现在又有的则使用现在该属性的默认值</a:t>
+            </a:r>
+            <a:endParaRPr lang="zh-CN" altLang="en-US" sz="1600" dirty="0">
+              <a:latin typeface="宋体" panose="02010600030101010101" pitchFamily="2" charset="-122"/>
+              <a:ea typeface="宋体" panose="02010600030101010101" pitchFamily="2" charset="-122"/>
+              <a:cs typeface="宋体" panose="02010600030101010101" pitchFamily="2" charset="-122"/>
+            </a:endParaRPr>
+          </a:p>
+          <a:p>
+            <a:r>
+              <a:rPr lang="zh-CN" altLang="en-US" sz="1600" dirty="0">
+                <a:latin typeface="宋体" panose="02010600030101010101" pitchFamily="2" charset="-122"/>
+                <a:ea typeface="宋体" panose="02010600030101010101" pitchFamily="2" charset="-122"/>
+                <a:cs typeface="宋体" panose="02010600030101010101" pitchFamily="2" charset="-122"/>
+                <a:sym typeface="+mn-ea"/>
+              </a:rPr>
+              <a:t>若版本号不一致,则直接抛出不能反序列化的异常.</a:t>
+            </a:r>
+            <a:endParaRPr lang="zh-CN" altLang="en-US" sz="1600">
+              <a:latin typeface="宋体" panose="02010600030101010101" pitchFamily="2" charset="-122"/>
+              <a:ea typeface="宋体" panose="02010600030101010101" pitchFamily="2" charset="-122"/>
+              <a:cs typeface="宋体" panose="02010600030101010101" pitchFamily="2" charset="-122"/>
+            </a:endParaRPr>
+          </a:p>
+        </p:txBody>
+      </p:sp>
+      <p:sp>
+        <p:nvSpPr>
+          <p:cNvPr id="6" name="文本框 5"/>
+          <p:cNvSpPr txBox="1"/>
+          <p:nvPr/>
+        </p:nvSpPr>
+        <p:spPr>
+          <a:xfrm>
+            <a:off x="183515" y="546100"/>
+            <a:ext cx="11736070" cy="583565"/>
+          </a:xfrm>
+          <a:prstGeom prst="rect">
+            <a:avLst/>
+          </a:prstGeom>
+          <a:noFill/>
+        </p:spPr>
+        <p:txBody>
+          <a:bodyPr wrap="square" rtlCol="0">
+            <a:spAutoFit/>
+          </a:bodyPr>
+          <a:p>
+            <a:pPr algn="ctr"/>
+            <a:r>
+              <a:rPr lang="en-US" altLang="zh-CN" sz="3200">
+                <a:sym typeface="+mn-ea"/>
+              </a:rPr>
+              <a:t>Object</a:t>
+            </a:r>
+            <a:r>
+              <a:rPr lang="zh-CN" sz="3200">
+                <a:sym typeface="+mn-ea"/>
+              </a:rPr>
+              <a:t>InputStream &amp; </a:t>
+            </a:r>
+            <a:r>
+              <a:rPr lang="en-US" altLang="zh-CN" sz="3200">
+                <a:sym typeface="+mn-ea"/>
+              </a:rPr>
+              <a:t>Object</a:t>
+            </a:r>
+            <a:r>
+              <a:rPr lang="zh-CN" sz="3200">
+                <a:sym typeface="+mn-ea"/>
+              </a:rPr>
+              <a:t>OutputStream </a:t>
+            </a:r>
+            <a:r>
+              <a:rPr lang="zh-CN" sz="3200"/>
+              <a:t>对象流（高级）</a:t>
+            </a:r>
+            <a:endParaRPr lang="zh-CN" sz="3200"/>
+          </a:p>
+        </p:txBody>
+      </p:sp>
+    </p:spTree>
+    <p:custDataLst>
+      <p:tags r:id="rId2"/>
+    </p:custDataLst>
+  </p:cSld>
+  <p:clrMapOvr>
+    <a:masterClrMapping/>
+  </p:clrMapOvr>
+</p:sld>
+</file>
+
+<file path=ppt/slides/slide13.xml><?xml version="1.0" encoding="utf-8"?>
+<p:sld xmlns:a="http://schemas.openxmlformats.org/drawingml/2006/main" xmlns:r="http://schemas.openxmlformats.org/officeDocument/2006/relationships" xmlns:p="http://schemas.openxmlformats.org/presentationml/2006/main">
+  <p:cSld>
+    <p:bg>
+      <p:bgPr>
+        <a:blipFill rotWithShape="1">
+          <a:blip r:embed="rId1"/>
+          <a:stretch>
+            <a:fillRect/>
+          </a:stretch>
+        </a:blipFill>
+        <a:effectLst/>
+      </p:bgPr>
+    </p:bg>
+    <p:spTree>
+      <p:nvGrpSpPr>
+        <p:cNvPr id="1" name=""/>
+        <p:cNvGrpSpPr/>
+        <p:nvPr/>
+      </p:nvGrpSpPr>
+      <p:grpSpPr/>
+      <p:sp>
+        <p:nvSpPr>
+          <p:cNvPr id="2" name="文本框 1"/>
+          <p:cNvSpPr txBox="1"/>
+          <p:nvPr/>
+        </p:nvSpPr>
+        <p:spPr>
+          <a:xfrm>
+            <a:off x="212725" y="1214755"/>
+            <a:ext cx="11767185" cy="3291840"/>
+          </a:xfrm>
+          <a:prstGeom prst="rect">
+            <a:avLst/>
+          </a:prstGeom>
+          <a:noFill/>
+        </p:spPr>
+        <p:txBody>
+          <a:bodyPr wrap="square" rtlCol="0">
+            <a:spAutoFit/>
+          </a:bodyPr>
+          <a:p>
+            <a:r>
+              <a:rPr lang="zh-CN" altLang="en-US" sz="1600">
+                <a:latin typeface="宋体" panose="02010600030101010101" pitchFamily="2" charset="-122"/>
+                <a:ea typeface="宋体" panose="02010600030101010101" pitchFamily="2" charset="-122"/>
+                <a:cs typeface="宋体" panose="02010600030101010101" pitchFamily="2" charset="-122"/>
+              </a:rPr>
+              <a:t>BufferedReader和BufferedWriter是带有默认缓冲区的字符输入输出流，其效率相较于没有缓冲区要高（</a:t>
+            </a:r>
+            <a:r>
+              <a:rPr lang="zh-CN" altLang="en-US" sz="1600">
+                <a:solidFill>
+                  <a:srgbClr val="FF0000"/>
+                </a:solidFill>
+                <a:latin typeface="宋体" panose="02010600030101010101" pitchFamily="2" charset="-122"/>
+                <a:ea typeface="宋体" panose="02010600030101010101" pitchFamily="2" charset="-122"/>
+                <a:cs typeface="宋体" panose="02010600030101010101" pitchFamily="2" charset="-122"/>
+              </a:rPr>
+              <a:t>加快读写效率</a:t>
+            </a:r>
+            <a:r>
+              <a:rPr lang="zh-CN" altLang="en-US" sz="1600">
+                <a:latin typeface="宋体" panose="02010600030101010101" pitchFamily="2" charset="-122"/>
+                <a:ea typeface="宋体" panose="02010600030101010101" pitchFamily="2" charset="-122"/>
+                <a:cs typeface="宋体" panose="02010600030101010101" pitchFamily="2" charset="-122"/>
+              </a:rPr>
+              <a:t>）：</a:t>
+            </a:r>
+            <a:endParaRPr lang="zh-CN" altLang="en-US" sz="1600">
+              <a:latin typeface="宋体" panose="02010600030101010101" pitchFamily="2" charset="-122"/>
+              <a:ea typeface="宋体" panose="02010600030101010101" pitchFamily="2" charset="-122"/>
+              <a:cs typeface="宋体" panose="02010600030101010101" pitchFamily="2" charset="-122"/>
+            </a:endParaRPr>
+          </a:p>
+          <a:p>
+            <a:r>
+              <a:rPr lang="zh-CN" altLang="en-US" sz="1600">
+                <a:latin typeface="宋体" panose="02010600030101010101" pitchFamily="2" charset="-122"/>
+                <a:ea typeface="宋体" panose="02010600030101010101" pitchFamily="2" charset="-122"/>
+                <a:cs typeface="宋体" panose="02010600030101010101" pitchFamily="2" charset="-122"/>
+              </a:rPr>
+              <a:t>java.io.BufferedReader和java.io.BufferedWriter类各拥有8192字符的缓冲区。当BufferedReader在读取文本文件时，会先尽量从文件中读入字符数据并置入缓冲区，而之后若使用read()方法，会先从缓冲区中进行读取。如果缓冲区数据不足，才会再从文件中读取，使用BufferedWriter时，写入的数据并不会先输出到目的地，而是先存储至缓冲区中。如果缓冲区中的数据满了，才会一次对目的地进行写出。</a:t>
+            </a:r>
+            <a:endParaRPr lang="zh-CN" altLang="en-US" sz="1600">
+              <a:latin typeface="宋体" panose="02010600030101010101" pitchFamily="2" charset="-122"/>
+              <a:ea typeface="宋体" panose="02010600030101010101" pitchFamily="2" charset="-122"/>
+              <a:cs typeface="宋体" panose="02010600030101010101" pitchFamily="2" charset="-122"/>
+            </a:endParaRPr>
+          </a:p>
+          <a:p>
+            <a:endParaRPr lang="zh-CN" altLang="en-US" sz="1600">
+              <a:latin typeface="宋体" panose="02010600030101010101" pitchFamily="2" charset="-122"/>
+              <a:ea typeface="宋体" panose="02010600030101010101" pitchFamily="2" charset="-122"/>
+              <a:cs typeface="宋体" panose="02010600030101010101" pitchFamily="2" charset="-122"/>
+            </a:endParaRPr>
+          </a:p>
+          <a:p>
+            <a:endParaRPr lang="zh-CN" altLang="en-US" sz="1600">
+              <a:latin typeface="宋体" panose="02010600030101010101" pitchFamily="2" charset="-122"/>
+              <a:ea typeface="宋体" panose="02010600030101010101" pitchFamily="2" charset="-122"/>
+              <a:cs typeface="宋体" panose="02010600030101010101" pitchFamily="2" charset="-122"/>
+            </a:endParaRPr>
+          </a:p>
+          <a:p>
+            <a:r>
+              <a:rPr lang="zh-CN" altLang="en-US" sz="1600">
+                <a:latin typeface="宋体" panose="02010600030101010101" pitchFamily="2" charset="-122"/>
+                <a:ea typeface="宋体" panose="02010600030101010101" pitchFamily="2" charset="-122"/>
+                <a:cs typeface="宋体" panose="02010600030101010101" pitchFamily="2" charset="-122"/>
+              </a:rPr>
+              <a:t>流关闭顺序：</a:t>
+            </a:r>
+            <a:endParaRPr lang="zh-CN" altLang="en-US" sz="1600">
+              <a:latin typeface="宋体" panose="02010600030101010101" pitchFamily="2" charset="-122"/>
+              <a:ea typeface="宋体" panose="02010600030101010101" pitchFamily="2" charset="-122"/>
+              <a:cs typeface="宋体" panose="02010600030101010101" pitchFamily="2" charset="-122"/>
+            </a:endParaRPr>
+          </a:p>
+          <a:p>
+            <a:r>
+              <a:rPr lang="zh-CN" altLang="en-US" sz="1600">
+                <a:latin typeface="宋体" panose="02010600030101010101" pitchFamily="2" charset="-122"/>
+                <a:ea typeface="宋体" panose="02010600030101010101" pitchFamily="2" charset="-122"/>
+                <a:cs typeface="宋体" panose="02010600030101010101" pitchFamily="2" charset="-122"/>
+              </a:rPr>
+              <a:t>一般情况下是：</a:t>
+            </a:r>
+            <a:r>
+              <a:rPr lang="zh-CN" altLang="en-US" sz="1600">
+                <a:solidFill>
+                  <a:srgbClr val="FF0000"/>
+                </a:solidFill>
+                <a:latin typeface="宋体" panose="02010600030101010101" pitchFamily="2" charset="-122"/>
+                <a:ea typeface="宋体" panose="02010600030101010101" pitchFamily="2" charset="-122"/>
+                <a:cs typeface="宋体" panose="02010600030101010101" pitchFamily="2" charset="-122"/>
+              </a:rPr>
+              <a:t>先打开的后关闭，后打开的先关闭</a:t>
+            </a:r>
+            <a:endParaRPr lang="zh-CN" altLang="en-US" sz="1600">
+              <a:solidFill>
+                <a:srgbClr val="FF0000"/>
+              </a:solidFill>
+              <a:latin typeface="宋体" panose="02010600030101010101" pitchFamily="2" charset="-122"/>
+              <a:ea typeface="宋体" panose="02010600030101010101" pitchFamily="2" charset="-122"/>
+              <a:cs typeface="宋体" panose="02010600030101010101" pitchFamily="2" charset="-122"/>
+            </a:endParaRPr>
+          </a:p>
+          <a:p>
+            <a:r>
+              <a:rPr lang="zh-CN" altLang="en-US" sz="1600">
+                <a:latin typeface="宋体" panose="02010600030101010101" pitchFamily="2" charset="-122"/>
+                <a:ea typeface="宋体" panose="02010600030101010101" pitchFamily="2" charset="-122"/>
+                <a:cs typeface="宋体" panose="02010600030101010101" pitchFamily="2" charset="-122"/>
+              </a:rPr>
+              <a:t>另一种情况：看依赖关系，如果流a依赖流b，应该先关闭流a，再关闭流b</a:t>
+            </a:r>
+            <a:endParaRPr lang="zh-CN" altLang="en-US" sz="1600">
+              <a:latin typeface="宋体" panose="02010600030101010101" pitchFamily="2" charset="-122"/>
+              <a:ea typeface="宋体" panose="02010600030101010101" pitchFamily="2" charset="-122"/>
+              <a:cs typeface="宋体" panose="02010600030101010101" pitchFamily="2" charset="-122"/>
+            </a:endParaRPr>
+          </a:p>
+          <a:p>
+            <a:r>
+              <a:rPr lang="zh-CN" altLang="en-US" sz="1600">
+                <a:latin typeface="宋体" panose="02010600030101010101" pitchFamily="2" charset="-122"/>
+                <a:ea typeface="宋体" panose="02010600030101010101" pitchFamily="2" charset="-122"/>
+                <a:cs typeface="宋体" panose="02010600030101010101" pitchFamily="2" charset="-122"/>
+              </a:rPr>
+              <a:t>例如处理流a依赖节点流b，应该先关闭处理流a，再关闭节点流b</a:t>
+            </a:r>
+            <a:endParaRPr lang="zh-CN" altLang="en-US" sz="1600">
+              <a:latin typeface="宋体" panose="02010600030101010101" pitchFamily="2" charset="-122"/>
+              <a:ea typeface="宋体" panose="02010600030101010101" pitchFamily="2" charset="-122"/>
+              <a:cs typeface="宋体" panose="02010600030101010101" pitchFamily="2" charset="-122"/>
+            </a:endParaRPr>
+          </a:p>
+          <a:p>
+            <a:r>
+              <a:rPr lang="zh-CN" altLang="en-US" sz="1600">
+                <a:latin typeface="宋体" panose="02010600030101010101" pitchFamily="2" charset="-122"/>
+                <a:ea typeface="宋体" panose="02010600030101010101" pitchFamily="2" charset="-122"/>
+                <a:cs typeface="宋体" panose="02010600030101010101" pitchFamily="2" charset="-122"/>
+              </a:rPr>
+              <a:t>当然</a:t>
+            </a:r>
+            <a:r>
+              <a:rPr lang="zh-CN" altLang="en-US" sz="1600">
+                <a:solidFill>
+                  <a:srgbClr val="FF0000"/>
+                </a:solidFill>
+                <a:latin typeface="宋体" panose="02010600030101010101" pitchFamily="2" charset="-122"/>
+                <a:ea typeface="宋体" panose="02010600030101010101" pitchFamily="2" charset="-122"/>
+                <a:cs typeface="宋体" panose="02010600030101010101" pitchFamily="2" charset="-122"/>
+              </a:rPr>
+              <a:t>完全可以只关闭处理流，不用关闭节点流</a:t>
+            </a:r>
+            <a:r>
+              <a:rPr lang="zh-CN" altLang="en-US" sz="1600">
+                <a:latin typeface="宋体" panose="02010600030101010101" pitchFamily="2" charset="-122"/>
+                <a:ea typeface="宋体" panose="02010600030101010101" pitchFamily="2" charset="-122"/>
+                <a:cs typeface="宋体" panose="02010600030101010101" pitchFamily="2" charset="-122"/>
+              </a:rPr>
+              <a:t>。处理流关闭的时候，会调用其处理的节点流的关闭方法</a:t>
+            </a:r>
+            <a:endParaRPr lang="zh-CN" altLang="en-US" sz="1600">
+              <a:latin typeface="宋体" panose="02010600030101010101" pitchFamily="2" charset="-122"/>
+              <a:ea typeface="宋体" panose="02010600030101010101" pitchFamily="2" charset="-122"/>
+              <a:cs typeface="宋体" panose="02010600030101010101" pitchFamily="2" charset="-122"/>
+            </a:endParaRPr>
+          </a:p>
+          <a:p>
+            <a:r>
+              <a:rPr lang="zh-CN" altLang="en-US" sz="1600">
+                <a:latin typeface="宋体" panose="02010600030101010101" pitchFamily="2" charset="-122"/>
+                <a:ea typeface="宋体" panose="02010600030101010101" pitchFamily="2" charset="-122"/>
+                <a:cs typeface="宋体" panose="02010600030101010101" pitchFamily="2" charset="-122"/>
+              </a:rPr>
+              <a:t>如果将节点流关闭以后再关闭处理流，会抛出IO异常</a:t>
+            </a:r>
+            <a:endParaRPr lang="zh-CN" altLang="en-US" sz="1600">
+              <a:latin typeface="宋体" panose="02010600030101010101" pitchFamily="2" charset="-122"/>
+              <a:ea typeface="宋体" panose="02010600030101010101" pitchFamily="2" charset="-122"/>
+              <a:cs typeface="宋体" panose="02010600030101010101" pitchFamily="2" charset="-122"/>
+            </a:endParaRPr>
+          </a:p>
+        </p:txBody>
+      </p:sp>
+      <p:sp>
+        <p:nvSpPr>
+          <p:cNvPr id="6" name="文本框 5"/>
+          <p:cNvSpPr txBox="1"/>
+          <p:nvPr/>
+        </p:nvSpPr>
+        <p:spPr>
+          <a:xfrm>
+            <a:off x="183515" y="546100"/>
+            <a:ext cx="11736070" cy="583565"/>
+          </a:xfrm>
+          <a:prstGeom prst="rect">
+            <a:avLst/>
+          </a:prstGeom>
+          <a:noFill/>
+        </p:spPr>
+        <p:txBody>
+          <a:bodyPr wrap="square" rtlCol="0">
+            <a:spAutoFit/>
+          </a:bodyPr>
+          <a:p>
+            <a:pPr algn="ctr"/>
+            <a:r>
+              <a:rPr lang="zh-CN" sz="3200">
+                <a:sym typeface="+mn-ea"/>
+              </a:rPr>
+              <a:t>BufferedReader </a:t>
+            </a:r>
+            <a:r>
+              <a:rPr lang="zh-CN" sz="3200">
+                <a:sym typeface="+mn-ea"/>
+              </a:rPr>
+              <a:t>&amp; </a:t>
+            </a:r>
+            <a:r>
+              <a:rPr lang="zh-CN" sz="3200">
+                <a:sym typeface="+mn-ea"/>
+              </a:rPr>
+              <a:t>BufferedWriter 缓冲字符流</a:t>
+            </a:r>
+            <a:r>
+              <a:rPr lang="zh-CN" sz="3200"/>
+              <a:t>（高级）</a:t>
+            </a:r>
+            <a:endParaRPr lang="zh-CN" sz="3200"/>
+          </a:p>
+        </p:txBody>
+      </p:sp>
+    </p:spTree>
+    <p:custDataLst>
+      <p:tags r:id="rId2"/>
+    </p:custDataLst>
+  </p:cSld>
+  <p:clrMapOvr>
+    <a:masterClrMapping/>
+  </p:clrMapOvr>
+</p:sld>
+</file>
+
+<file path=ppt/slides/slide14.xml><?xml version="1.0" encoding="utf-8"?>
+<p:sld xmlns:a="http://schemas.openxmlformats.org/drawingml/2006/main" xmlns:r="http://schemas.openxmlformats.org/officeDocument/2006/relationships" xmlns:p="http://schemas.openxmlformats.org/presentationml/2006/main">
+  <p:cSld>
+    <p:bg>
+      <p:bgPr>
+        <a:blipFill rotWithShape="1">
+          <a:blip r:embed="rId1"/>
+          <a:stretch>
+            <a:fillRect/>
+          </a:stretch>
+        </a:blipFill>
+        <a:effectLst/>
+      </p:bgPr>
+    </p:bg>
+    <p:spTree>
+      <p:nvGrpSpPr>
+        <p:cNvPr id="1" name=""/>
+        <p:cNvGrpSpPr/>
+        <p:nvPr/>
+      </p:nvGrpSpPr>
+      <p:grpSpPr/>
+      <p:sp>
+        <p:nvSpPr>
+          <p:cNvPr id="2" name="文本框 1"/>
+          <p:cNvSpPr txBox="1"/>
+          <p:nvPr/>
+        </p:nvSpPr>
+        <p:spPr>
+          <a:xfrm>
+            <a:off x="212725" y="1214755"/>
+            <a:ext cx="11767185" cy="4276725"/>
+          </a:xfrm>
+          <a:prstGeom prst="rect">
+            <a:avLst/>
+          </a:prstGeom>
+          <a:noFill/>
+        </p:spPr>
+        <p:txBody>
+          <a:bodyPr wrap="square" rtlCol="0">
+            <a:spAutoFit/>
+          </a:bodyPr>
+          <a:p>
+            <a:r>
+              <a:rPr lang="zh-CN" altLang="en-US" sz="1600">
+                <a:latin typeface="宋体" panose="02010600030101010101" pitchFamily="2" charset="-122"/>
+                <a:ea typeface="宋体" panose="02010600030101010101" pitchFamily="2" charset="-122"/>
+                <a:cs typeface="宋体" panose="02010600030101010101" pitchFamily="2" charset="-122"/>
+              </a:rPr>
+              <a:t>java.io.PrintWriter 具有自动行刷新的缓冲字符输出流，特点是可以按行写出字符串，并且可以</a:t>
+            </a:r>
+            <a:r>
+              <a:rPr lang="zh-CN" altLang="en-US" sz="1600" b="1">
+                <a:solidFill>
+                  <a:srgbClr val="FF0000"/>
+                </a:solidFill>
+                <a:latin typeface="宋体" panose="02010600030101010101" pitchFamily="2" charset="-122"/>
+                <a:ea typeface="宋体" panose="02010600030101010101" pitchFamily="2" charset="-122"/>
+                <a:cs typeface="宋体" panose="02010600030101010101" pitchFamily="2" charset="-122"/>
+              </a:rPr>
+              <a:t>自动行刷新</a:t>
+            </a:r>
+            <a:r>
+              <a:rPr lang="zh-CN" altLang="en-US" sz="1600">
+                <a:latin typeface="宋体" panose="02010600030101010101" pitchFamily="2" charset="-122"/>
+                <a:ea typeface="宋体" panose="02010600030101010101" pitchFamily="2" charset="-122"/>
+                <a:cs typeface="宋体" panose="02010600030101010101" pitchFamily="2" charset="-122"/>
+              </a:rPr>
+              <a:t>。</a:t>
+            </a:r>
+            <a:endParaRPr lang="zh-CN" altLang="en-US" sz="1600">
+              <a:latin typeface="宋体" panose="02010600030101010101" pitchFamily="2" charset="-122"/>
+              <a:ea typeface="宋体" panose="02010600030101010101" pitchFamily="2" charset="-122"/>
+              <a:cs typeface="宋体" panose="02010600030101010101" pitchFamily="2" charset="-122"/>
+            </a:endParaRPr>
+          </a:p>
+          <a:p>
+            <a:endParaRPr lang="zh-CN" altLang="en-US" sz="1600">
+              <a:latin typeface="宋体" panose="02010600030101010101" pitchFamily="2" charset="-122"/>
+              <a:ea typeface="宋体" panose="02010600030101010101" pitchFamily="2" charset="-122"/>
+              <a:cs typeface="宋体" panose="02010600030101010101" pitchFamily="2" charset="-122"/>
+            </a:endParaRPr>
+          </a:p>
+          <a:p>
+            <a:r>
+              <a:rPr lang="zh-CN" altLang="en-US" sz="1600">
+                <a:latin typeface="宋体" panose="02010600030101010101" pitchFamily="2" charset="-122"/>
+                <a:ea typeface="宋体" panose="02010600030101010101" pitchFamily="2" charset="-122"/>
+                <a:cs typeface="宋体" panose="02010600030101010101" pitchFamily="2" charset="-122"/>
+              </a:rPr>
+              <a:t>java.io.BufferedWriter是缓冲字符输出流，内部有缓冲区可以进行块写操作提供效率，而PrintWriter就是通过连接它实现的缓冲功能（PW的很多构造方法内部自动连接它）。</a:t>
+            </a:r>
+            <a:endParaRPr lang="zh-CN" altLang="en-US" sz="1600">
+              <a:latin typeface="宋体" panose="02010600030101010101" pitchFamily="2" charset="-122"/>
+              <a:ea typeface="宋体" panose="02010600030101010101" pitchFamily="2" charset="-122"/>
+              <a:cs typeface="宋体" panose="02010600030101010101" pitchFamily="2" charset="-122"/>
+            </a:endParaRPr>
+          </a:p>
+          <a:p>
+            <a:endParaRPr lang="zh-CN" altLang="en-US" sz="1600">
+              <a:latin typeface="宋体" panose="02010600030101010101" pitchFamily="2" charset="-122"/>
+              <a:ea typeface="宋体" panose="02010600030101010101" pitchFamily="2" charset="-122"/>
+              <a:cs typeface="宋体" panose="02010600030101010101" pitchFamily="2" charset="-122"/>
+            </a:endParaRPr>
+          </a:p>
+          <a:p>
+            <a:r>
+              <a:rPr lang="zh-CN" altLang="en-US" sz="1600">
+                <a:latin typeface="宋体" panose="02010600030101010101" pitchFamily="2" charset="-122"/>
+                <a:ea typeface="宋体" panose="02010600030101010101" pitchFamily="2" charset="-122"/>
+                <a:cs typeface="宋体" panose="02010600030101010101" pitchFamily="2" charset="-122"/>
+              </a:rPr>
+              <a:t>PrintWriter创建时如果有参数true时，会有行刷新。PrintWriter调用println()方法有行刷新。</a:t>
+            </a:r>
+            <a:endParaRPr lang="zh-CN" altLang="en-US" sz="1600">
+              <a:latin typeface="宋体" panose="02010600030101010101" pitchFamily="2" charset="-122"/>
+              <a:ea typeface="宋体" panose="02010600030101010101" pitchFamily="2" charset="-122"/>
+              <a:cs typeface="宋体" panose="02010600030101010101" pitchFamily="2" charset="-122"/>
+            </a:endParaRPr>
+          </a:p>
+          <a:p>
+            <a:endParaRPr lang="zh-CN" altLang="en-US" sz="1600">
+              <a:latin typeface="宋体" panose="02010600030101010101" pitchFamily="2" charset="-122"/>
+              <a:ea typeface="宋体" panose="02010600030101010101" pitchFamily="2" charset="-122"/>
+              <a:cs typeface="宋体" panose="02010600030101010101" pitchFamily="2" charset="-122"/>
+            </a:endParaRPr>
+          </a:p>
+          <a:p>
+            <a:r>
+              <a:rPr lang="zh-CN" altLang="en-US" sz="1600">
+                <a:latin typeface="宋体" panose="02010600030101010101" pitchFamily="2" charset="-122"/>
+                <a:ea typeface="宋体" panose="02010600030101010101" pitchFamily="2" charset="-122"/>
+                <a:cs typeface="宋体" panose="02010600030101010101" pitchFamily="2" charset="-122"/>
+              </a:rPr>
+              <a:t>当创建PW时第一个参数为一个流时，</a:t>
+            </a:r>
+            <a:endParaRPr lang="zh-CN" altLang="en-US" sz="1600">
+              <a:latin typeface="宋体" panose="02010600030101010101" pitchFamily="2" charset="-122"/>
+              <a:ea typeface="宋体" panose="02010600030101010101" pitchFamily="2" charset="-122"/>
+              <a:cs typeface="宋体" panose="02010600030101010101" pitchFamily="2" charset="-122"/>
+            </a:endParaRPr>
+          </a:p>
+          <a:p>
+            <a:r>
+              <a:rPr lang="zh-CN" altLang="en-US" sz="1600">
+                <a:latin typeface="宋体" panose="02010600030101010101" pitchFamily="2" charset="-122"/>
+                <a:ea typeface="宋体" panose="02010600030101010101" pitchFamily="2" charset="-122"/>
+                <a:cs typeface="宋体" panose="02010600030101010101" pitchFamily="2" charset="-122"/>
+              </a:rPr>
+              <a:t>* 那么久可以再传入一个boolean值类型的参数，</a:t>
+            </a:r>
+            <a:endParaRPr lang="zh-CN" altLang="en-US" sz="1600">
+              <a:latin typeface="宋体" panose="02010600030101010101" pitchFamily="2" charset="-122"/>
+              <a:ea typeface="宋体" panose="02010600030101010101" pitchFamily="2" charset="-122"/>
+              <a:cs typeface="宋体" panose="02010600030101010101" pitchFamily="2" charset="-122"/>
+            </a:endParaRPr>
+          </a:p>
+          <a:p>
+            <a:r>
+              <a:rPr lang="zh-CN" altLang="en-US" sz="1600">
+                <a:latin typeface="宋体" panose="02010600030101010101" pitchFamily="2" charset="-122"/>
+                <a:ea typeface="宋体" panose="02010600030101010101" pitchFamily="2" charset="-122"/>
+                <a:cs typeface="宋体" panose="02010600030101010101" pitchFamily="2" charset="-122"/>
+              </a:rPr>
+              <a:t>* 若该值为true，那么当前PW久具有自动行刷新的功能，</a:t>
+            </a:r>
+            <a:endParaRPr lang="zh-CN" altLang="en-US" sz="1600">
+              <a:latin typeface="宋体" panose="02010600030101010101" pitchFamily="2" charset="-122"/>
+              <a:ea typeface="宋体" panose="02010600030101010101" pitchFamily="2" charset="-122"/>
+              <a:cs typeface="宋体" panose="02010600030101010101" pitchFamily="2" charset="-122"/>
+            </a:endParaRPr>
+          </a:p>
+          <a:p>
+            <a:r>
+              <a:rPr lang="zh-CN" altLang="en-US" sz="1600">
+                <a:latin typeface="宋体" panose="02010600030101010101" pitchFamily="2" charset="-122"/>
+                <a:ea typeface="宋体" panose="02010600030101010101" pitchFamily="2" charset="-122"/>
+                <a:cs typeface="宋体" panose="02010600030101010101" pitchFamily="2" charset="-122"/>
+              </a:rPr>
+              <a:t>* 即：每当使用println方法写出一行字符串后就会自动调用flush</a:t>
+            </a:r>
+            <a:endParaRPr lang="zh-CN" altLang="en-US" sz="1600">
+              <a:latin typeface="宋体" panose="02010600030101010101" pitchFamily="2" charset="-122"/>
+              <a:ea typeface="宋体" panose="02010600030101010101" pitchFamily="2" charset="-122"/>
+              <a:cs typeface="宋体" panose="02010600030101010101" pitchFamily="2" charset="-122"/>
+            </a:endParaRPr>
+          </a:p>
+          <a:p>
+            <a:r>
+              <a:rPr lang="zh-CN" altLang="en-US" sz="1600">
+                <a:latin typeface="宋体" panose="02010600030101010101" pitchFamily="2" charset="-122"/>
+                <a:ea typeface="宋体" panose="02010600030101010101" pitchFamily="2" charset="-122"/>
+                <a:cs typeface="宋体" panose="02010600030101010101" pitchFamily="2" charset="-122"/>
+              </a:rPr>
+              <a:t>* 注：使用自动行刷新可以提高写出数据的即时性，</a:t>
+            </a:r>
+            <a:endParaRPr lang="zh-CN" altLang="en-US" sz="1600">
+              <a:latin typeface="宋体" panose="02010600030101010101" pitchFamily="2" charset="-122"/>
+              <a:ea typeface="宋体" panose="02010600030101010101" pitchFamily="2" charset="-122"/>
+              <a:cs typeface="宋体" panose="02010600030101010101" pitchFamily="2" charset="-122"/>
+            </a:endParaRPr>
+          </a:p>
+          <a:p>
+            <a:r>
+              <a:rPr lang="zh-CN" altLang="en-US" sz="1600">
+                <a:latin typeface="宋体" panose="02010600030101010101" pitchFamily="2" charset="-122"/>
+                <a:ea typeface="宋体" panose="02010600030101010101" pitchFamily="2" charset="-122"/>
+                <a:cs typeface="宋体" panose="02010600030101010101" pitchFamily="2" charset="-122"/>
+              </a:rPr>
+              <a:t>* 但是由于会提高写出次数，必然会导致写效率降低。</a:t>
+            </a:r>
+            <a:endParaRPr lang="zh-CN" altLang="en-US" sz="1600">
+              <a:latin typeface="宋体" panose="02010600030101010101" pitchFamily="2" charset="-122"/>
+              <a:ea typeface="宋体" panose="02010600030101010101" pitchFamily="2" charset="-122"/>
+              <a:cs typeface="宋体" panose="02010600030101010101" pitchFamily="2" charset="-122"/>
+            </a:endParaRPr>
+          </a:p>
+          <a:p>
+            <a:endParaRPr lang="zh-CN" altLang="en-US" sz="1600">
+              <a:latin typeface="宋体" panose="02010600030101010101" pitchFamily="2" charset="-122"/>
+              <a:ea typeface="宋体" panose="02010600030101010101" pitchFamily="2" charset="-122"/>
+              <a:cs typeface="宋体" panose="02010600030101010101" pitchFamily="2" charset="-122"/>
+            </a:endParaRPr>
+          </a:p>
+          <a:p>
+            <a:r>
+              <a:rPr lang="zh-CN" altLang="en-US" sz="1600">
+                <a:latin typeface="宋体" panose="02010600030101010101" pitchFamily="2" charset="-122"/>
+                <a:ea typeface="宋体" panose="02010600030101010101" pitchFamily="2" charset="-122"/>
+                <a:cs typeface="宋体" panose="02010600030101010101" pitchFamily="2" charset="-122"/>
+                <a:sym typeface="+mn-ea"/>
+              </a:rPr>
+              <a:t>flush() 方法的作用：</a:t>
+            </a:r>
+            <a:r>
+              <a:rPr lang="zh-CN" altLang="en-US" sz="1600">
+                <a:latin typeface="宋体" panose="02010600030101010101" pitchFamily="2" charset="-122"/>
+                <a:ea typeface="宋体" panose="02010600030101010101" pitchFamily="2" charset="-122"/>
+                <a:cs typeface="宋体" panose="02010600030101010101" pitchFamily="2" charset="-122"/>
+              </a:rPr>
+              <a:t>将缓冲区的数据强制输出，用于清空缓冲区，若直接调用close()方法，则可能会丢失缓冲区的数据。所以通俗来讲它起到的是刷新的作用。</a:t>
+            </a:r>
+            <a:endParaRPr lang="zh-CN" altLang="en-US" sz="1600">
+              <a:latin typeface="宋体" panose="02010600030101010101" pitchFamily="2" charset="-122"/>
+              <a:ea typeface="宋体" panose="02010600030101010101" pitchFamily="2" charset="-122"/>
+              <a:cs typeface="宋体" panose="02010600030101010101" pitchFamily="2" charset="-122"/>
+            </a:endParaRPr>
+          </a:p>
+          <a:p>
+            <a:r>
+              <a:rPr lang="zh-CN" altLang="en-US" sz="1600">
+                <a:latin typeface="宋体" panose="02010600030101010101" pitchFamily="2" charset="-122"/>
+                <a:ea typeface="宋体" panose="02010600030101010101" pitchFamily="2" charset="-122"/>
+                <a:cs typeface="宋体" panose="02010600030101010101" pitchFamily="2" charset="-122"/>
+              </a:rPr>
+              <a:t>		</a:t>
+            </a:r>
+            <a:endParaRPr lang="zh-CN" altLang="en-US" sz="1600">
+              <a:latin typeface="宋体" panose="02010600030101010101" pitchFamily="2" charset="-122"/>
+              <a:ea typeface="宋体" panose="02010600030101010101" pitchFamily="2" charset="-122"/>
+              <a:cs typeface="宋体" panose="02010600030101010101" pitchFamily="2" charset="-122"/>
+            </a:endParaRPr>
+          </a:p>
+        </p:txBody>
+      </p:sp>
+      <p:sp>
+        <p:nvSpPr>
+          <p:cNvPr id="6" name="文本框 5"/>
+          <p:cNvSpPr txBox="1"/>
+          <p:nvPr/>
+        </p:nvSpPr>
+        <p:spPr>
+          <a:xfrm>
+            <a:off x="183515" y="546100"/>
+            <a:ext cx="11736070" cy="583565"/>
+          </a:xfrm>
+          <a:prstGeom prst="rect">
+            <a:avLst/>
+          </a:prstGeom>
+          <a:noFill/>
+        </p:spPr>
+        <p:txBody>
+          <a:bodyPr wrap="square" rtlCol="0">
+            <a:spAutoFit/>
+          </a:bodyPr>
+          <a:p>
+            <a:pPr algn="ctr"/>
+            <a:r>
+              <a:rPr lang="zh-CN" sz="3200">
+                <a:sym typeface="+mn-ea"/>
+              </a:rPr>
+              <a:t>PrintWriter 打印流</a:t>
+            </a:r>
+            <a:r>
+              <a:rPr lang="zh-CN" sz="3200"/>
+              <a:t>（高级）</a:t>
+            </a:r>
+            <a:endParaRPr lang="zh-CN" sz="3200"/>
+          </a:p>
+        </p:txBody>
+      </p:sp>
+    </p:spTree>
+    <p:custDataLst>
+      <p:tags r:id="rId2"/>
+    </p:custDataLst>
+  </p:cSld>
+  <p:clrMapOvr>
+    <a:masterClrMapping/>
+  </p:clrMapOvr>
+</p:sld>
+</file>
+
+<file path=ppt/slides/slide15.xml><?xml version="1.0" encoding="utf-8"?>
+<p:sld xmlns:a="http://schemas.openxmlformats.org/drawingml/2006/main" xmlns:r="http://schemas.openxmlformats.org/officeDocument/2006/relationships" xmlns:p="http://schemas.openxmlformats.org/presentationml/2006/main">
+  <p:cSld>
+    <p:bg>
+      <p:bgPr>
+        <a:blipFill rotWithShape="1">
+          <a:blip r:embed="rId1"/>
+          <a:stretch>
+            <a:fillRect/>
+          </a:stretch>
+        </a:blipFill>
+        <a:effectLst/>
+      </p:bgPr>
+    </p:bg>
+    <p:spTree>
+      <p:nvGrpSpPr>
+        <p:cNvPr id="1" name=""/>
+        <p:cNvGrpSpPr/>
+        <p:nvPr/>
+      </p:nvGrpSpPr>
+      <p:grpSpPr/>
+      <p:sp>
+        <p:nvSpPr>
+          <p:cNvPr id="2" name="文本框 1"/>
+          <p:cNvSpPr txBox="1"/>
+          <p:nvPr/>
+        </p:nvSpPr>
+        <p:spPr>
+          <a:xfrm>
+            <a:off x="212725" y="1214755"/>
+            <a:ext cx="11767185" cy="3784600"/>
+          </a:xfrm>
+          <a:prstGeom prst="rect">
+            <a:avLst/>
+          </a:prstGeom>
+          <a:noFill/>
+        </p:spPr>
+        <p:txBody>
+          <a:bodyPr wrap="square" rtlCol="0">
+            <a:spAutoFit/>
+          </a:bodyPr>
+          <a:p>
+            <a:r>
+              <a:rPr lang="zh-CN" altLang="en-US" sz="2000">
+                <a:latin typeface="宋体" panose="02010600030101010101" pitchFamily="2" charset="-122"/>
+                <a:ea typeface="宋体" panose="02010600030101010101" pitchFamily="2" charset="-122"/>
+                <a:cs typeface="宋体" panose="02010600030101010101" pitchFamily="2" charset="-122"/>
+              </a:rPr>
+              <a:t>PrintWriter的print、println方法可以接受任意类型的参数，而BufferedWriter的write方法只能接受字符、字符数组和字符串；</a:t>
+            </a:r>
+            <a:endParaRPr lang="zh-CN" altLang="en-US" sz="2000">
+              <a:latin typeface="宋体" panose="02010600030101010101" pitchFamily="2" charset="-122"/>
+              <a:ea typeface="宋体" panose="02010600030101010101" pitchFamily="2" charset="-122"/>
+              <a:cs typeface="宋体" panose="02010600030101010101" pitchFamily="2" charset="-122"/>
+            </a:endParaRPr>
+          </a:p>
+          <a:p>
+            <a:endParaRPr lang="zh-CN" altLang="en-US" sz="2000">
+              <a:latin typeface="宋体" panose="02010600030101010101" pitchFamily="2" charset="-122"/>
+              <a:ea typeface="宋体" panose="02010600030101010101" pitchFamily="2" charset="-122"/>
+              <a:cs typeface="宋体" panose="02010600030101010101" pitchFamily="2" charset="-122"/>
+            </a:endParaRPr>
+          </a:p>
+          <a:p>
+            <a:r>
+              <a:rPr lang="zh-CN" altLang="en-US" sz="2000">
+                <a:latin typeface="宋体" panose="02010600030101010101" pitchFamily="2" charset="-122"/>
+                <a:ea typeface="宋体" panose="02010600030101010101" pitchFamily="2" charset="-122"/>
+                <a:cs typeface="宋体" panose="02010600030101010101" pitchFamily="2" charset="-122"/>
+              </a:rPr>
+              <a:t>PrintWriter的println方法自动添加换行，BufferedWriter需要显示调用newLine方法；</a:t>
+            </a:r>
+            <a:endParaRPr lang="zh-CN" altLang="en-US" sz="2000">
+              <a:latin typeface="宋体" panose="02010600030101010101" pitchFamily="2" charset="-122"/>
+              <a:ea typeface="宋体" panose="02010600030101010101" pitchFamily="2" charset="-122"/>
+              <a:cs typeface="宋体" panose="02010600030101010101" pitchFamily="2" charset="-122"/>
+            </a:endParaRPr>
+          </a:p>
+          <a:p>
+            <a:endParaRPr lang="zh-CN" altLang="en-US" sz="2000">
+              <a:latin typeface="宋体" panose="02010600030101010101" pitchFamily="2" charset="-122"/>
+              <a:ea typeface="宋体" panose="02010600030101010101" pitchFamily="2" charset="-122"/>
+              <a:cs typeface="宋体" panose="02010600030101010101" pitchFamily="2" charset="-122"/>
+            </a:endParaRPr>
+          </a:p>
+          <a:p>
+            <a:r>
+              <a:rPr lang="zh-CN" altLang="en-US" sz="2000">
+                <a:latin typeface="宋体" panose="02010600030101010101" pitchFamily="2" charset="-122"/>
+                <a:ea typeface="宋体" panose="02010600030101010101" pitchFamily="2" charset="-122"/>
+                <a:cs typeface="宋体" panose="02010600030101010101" pitchFamily="2" charset="-122"/>
+              </a:rPr>
+              <a:t>PrintWriter的方法不会抛异常，若关心异常，需要调用checkError方法看是否有异常发生；</a:t>
+            </a:r>
+            <a:endParaRPr lang="zh-CN" altLang="en-US" sz="2000">
+              <a:latin typeface="宋体" panose="02010600030101010101" pitchFamily="2" charset="-122"/>
+              <a:ea typeface="宋体" panose="02010600030101010101" pitchFamily="2" charset="-122"/>
+              <a:cs typeface="宋体" panose="02010600030101010101" pitchFamily="2" charset="-122"/>
+            </a:endParaRPr>
+          </a:p>
+          <a:p>
+            <a:endParaRPr lang="zh-CN" altLang="en-US" sz="2000">
+              <a:latin typeface="宋体" panose="02010600030101010101" pitchFamily="2" charset="-122"/>
+              <a:ea typeface="宋体" panose="02010600030101010101" pitchFamily="2" charset="-122"/>
+              <a:cs typeface="宋体" panose="02010600030101010101" pitchFamily="2" charset="-122"/>
+            </a:endParaRPr>
+          </a:p>
+          <a:p>
+            <a:r>
+              <a:rPr lang="zh-CN" altLang="en-US" sz="2000">
+                <a:latin typeface="宋体" panose="02010600030101010101" pitchFamily="2" charset="-122"/>
+                <a:ea typeface="宋体" panose="02010600030101010101" pitchFamily="2" charset="-122"/>
+                <a:cs typeface="宋体" panose="02010600030101010101" pitchFamily="2" charset="-122"/>
+              </a:rPr>
+              <a:t>PrintWriter构造方法可指定参数，实现自动刷新缓存（autoflush）；</a:t>
+            </a:r>
+            <a:endParaRPr lang="zh-CN" altLang="en-US" sz="2000">
+              <a:latin typeface="宋体" panose="02010600030101010101" pitchFamily="2" charset="-122"/>
+              <a:ea typeface="宋体" panose="02010600030101010101" pitchFamily="2" charset="-122"/>
+              <a:cs typeface="宋体" panose="02010600030101010101" pitchFamily="2" charset="-122"/>
+            </a:endParaRPr>
+          </a:p>
+          <a:p>
+            <a:endParaRPr lang="zh-CN" altLang="en-US" sz="2000">
+              <a:latin typeface="宋体" panose="02010600030101010101" pitchFamily="2" charset="-122"/>
+              <a:ea typeface="宋体" panose="02010600030101010101" pitchFamily="2" charset="-122"/>
+              <a:cs typeface="宋体" panose="02010600030101010101" pitchFamily="2" charset="-122"/>
+            </a:endParaRPr>
+          </a:p>
+          <a:p>
+            <a:r>
+              <a:rPr lang="zh-CN" altLang="en-US" sz="2000">
+                <a:latin typeface="宋体" panose="02010600030101010101" pitchFamily="2" charset="-122"/>
+                <a:ea typeface="宋体" panose="02010600030101010101" pitchFamily="2" charset="-122"/>
+                <a:cs typeface="宋体" panose="02010600030101010101" pitchFamily="2" charset="-122"/>
+              </a:rPr>
+              <a:t>PrintWriter的构造方法更广</a:t>
+            </a:r>
+            <a:endParaRPr lang="zh-CN" altLang="en-US" sz="2000">
+              <a:latin typeface="宋体" panose="02010600030101010101" pitchFamily="2" charset="-122"/>
+              <a:ea typeface="宋体" panose="02010600030101010101" pitchFamily="2" charset="-122"/>
+              <a:cs typeface="宋体" panose="02010600030101010101" pitchFamily="2" charset="-122"/>
+            </a:endParaRPr>
+          </a:p>
+          <a:p>
+            <a:endParaRPr lang="zh-CN" altLang="en-US" sz="2000">
+              <a:latin typeface="宋体" panose="02010600030101010101" pitchFamily="2" charset="-122"/>
+              <a:ea typeface="宋体" panose="02010600030101010101" pitchFamily="2" charset="-122"/>
+              <a:cs typeface="宋体" panose="02010600030101010101" pitchFamily="2" charset="-122"/>
+            </a:endParaRPr>
+          </a:p>
+          <a:p>
+            <a:r>
+              <a:rPr lang="zh-CN" altLang="en-US" sz="2000">
+                <a:latin typeface="宋体" panose="02010600030101010101" pitchFamily="2" charset="-122"/>
+                <a:ea typeface="宋体" panose="02010600030101010101" pitchFamily="2" charset="-122"/>
+                <a:cs typeface="宋体" panose="02010600030101010101" pitchFamily="2" charset="-122"/>
+              </a:rPr>
+              <a:t>PrintWriter提供println()方法可以写不同平台的换行符，而BufferedWriter可以任意设定缓冲大小</a:t>
+            </a:r>
+            <a:endParaRPr lang="zh-CN" altLang="en-US" sz="2000">
+              <a:latin typeface="宋体" panose="02010600030101010101" pitchFamily="2" charset="-122"/>
+              <a:ea typeface="宋体" panose="02010600030101010101" pitchFamily="2" charset="-122"/>
+              <a:cs typeface="宋体" panose="02010600030101010101" pitchFamily="2" charset="-122"/>
+            </a:endParaRPr>
+          </a:p>
+        </p:txBody>
+      </p:sp>
+      <p:sp>
+        <p:nvSpPr>
+          <p:cNvPr id="6" name="文本框 5"/>
+          <p:cNvSpPr txBox="1"/>
+          <p:nvPr/>
+        </p:nvSpPr>
+        <p:spPr>
+          <a:xfrm>
+            <a:off x="183515" y="546100"/>
+            <a:ext cx="11736070" cy="583565"/>
+          </a:xfrm>
+          <a:prstGeom prst="rect">
+            <a:avLst/>
+          </a:prstGeom>
+          <a:noFill/>
+        </p:spPr>
+        <p:txBody>
+          <a:bodyPr wrap="square" rtlCol="0">
+            <a:spAutoFit/>
+          </a:bodyPr>
+          <a:p>
+            <a:pPr algn="ctr"/>
+            <a:r>
+              <a:rPr lang="zh-CN" sz="3200">
+                <a:sym typeface="+mn-ea"/>
+              </a:rPr>
+              <a:t>BufferedWriter与PrintWriter的区别</a:t>
+            </a:r>
+            <a:endParaRPr lang="zh-CN" sz="3200"/>
+          </a:p>
+        </p:txBody>
+      </p:sp>
+    </p:spTree>
+    <p:custDataLst>
+      <p:tags r:id="rId2"/>
+    </p:custDataLst>
+  </p:cSld>
+  <p:clrMapOvr>
+    <a:masterClrMapping/>
+  </p:clrMapOvr>
+</p:sld>
+</file>
+
+<file path=ppt/slides/slide16.xml><?xml version="1.0" encoding="utf-8"?>
+<p:sld xmlns:a="http://schemas.openxmlformats.org/drawingml/2006/main" xmlns:r="http://schemas.openxmlformats.org/officeDocument/2006/relationships" xmlns:p="http://schemas.openxmlformats.org/presentationml/2006/main">
+  <p:cSld>
+    <p:bg>
+      <p:bgPr>
+        <a:blipFill rotWithShape="1">
+          <a:blip r:embed="rId1"/>
+          <a:stretch>
+            <a:fillRect/>
+          </a:stretch>
+        </a:blipFill>
+        <a:effectLst/>
+      </p:bgPr>
+    </p:bg>
+    <p:spTree>
+      <p:nvGrpSpPr>
+        <p:cNvPr id="1" name=""/>
+        <p:cNvGrpSpPr/>
+        <p:nvPr/>
+      </p:nvGrpSpPr>
+      <p:grpSpPr/>
+      <p:sp>
+        <p:nvSpPr>
+          <p:cNvPr id="2" name="文本框 1"/>
+          <p:cNvSpPr txBox="1"/>
+          <p:nvPr/>
+        </p:nvSpPr>
+        <p:spPr>
+          <a:xfrm>
+            <a:off x="194310" y="1212215"/>
+            <a:ext cx="11803380" cy="2061210"/>
+          </a:xfrm>
+          <a:prstGeom prst="rect">
+            <a:avLst/>
+          </a:prstGeom>
+          <a:noFill/>
+        </p:spPr>
+        <p:txBody>
+          <a:bodyPr wrap="square" rtlCol="0">
+            <a:spAutoFit/>
+          </a:bodyPr>
+          <a:p>
+            <a:r>
+              <a:rPr lang="zh-CN" altLang="en-US" sz="1600">
+                <a:solidFill>
+                  <a:schemeClr val="tx1"/>
+                </a:solidFill>
+                <a:latin typeface="宋体" panose="02010600030101010101" pitchFamily="2" charset="-122"/>
+                <a:ea typeface="宋体" panose="02010600030101010101" pitchFamily="2" charset="-122"/>
+                <a:cs typeface="宋体" panose="02010600030101010101" pitchFamily="2" charset="-122"/>
+              </a:rPr>
+              <a:t>Java提供了一个可以对文件随机访问的操作，访问包括读和写操作。基于指针形式读写文件数据</a:t>
+            </a:r>
+            <a:r>
+              <a:rPr lang="en-US" altLang="zh-CN" sz="1600">
+                <a:solidFill>
+                  <a:schemeClr val="tx1"/>
+                </a:solidFill>
+                <a:latin typeface="宋体" panose="02010600030101010101" pitchFamily="2" charset="-122"/>
+                <a:ea typeface="宋体" panose="02010600030101010101" pitchFamily="2" charset="-122"/>
+                <a:cs typeface="宋体" panose="02010600030101010101" pitchFamily="2" charset="-122"/>
+              </a:rPr>
+              <a:t>,该类名为RandomAccessFile。该类的读写是基于指针的操作。</a:t>
+            </a:r>
+            <a:endParaRPr lang="en-US" altLang="zh-CN" sz="1600">
+              <a:solidFill>
+                <a:schemeClr val="tx1"/>
+              </a:solidFill>
+              <a:latin typeface="宋体" panose="02010600030101010101" pitchFamily="2" charset="-122"/>
+              <a:ea typeface="宋体" panose="02010600030101010101" pitchFamily="2" charset="-122"/>
+              <a:cs typeface="宋体" panose="02010600030101010101" pitchFamily="2" charset="-122"/>
+            </a:endParaRPr>
+          </a:p>
+          <a:p>
+            <a:pPr indent="0">
+              <a:buFont typeface="Wingdings" panose="05000000000000000000" pitchFamily="2" charset="2"/>
+              <a:buNone/>
+            </a:pPr>
+            <a:r>
+              <a:rPr lang="en-US" altLang="zh-CN" sz="1600" dirty="0" err="1" smtClean="0">
+                <a:solidFill>
+                  <a:schemeClr val="tx1"/>
+                </a:solidFill>
+                <a:latin typeface="宋体" panose="02010600030101010101" pitchFamily="2" charset="-122"/>
+                <a:ea typeface="宋体" panose="02010600030101010101" pitchFamily="2" charset="-122"/>
+                <a:cs typeface="宋体" panose="02010600030101010101" pitchFamily="2" charset="-122"/>
+                <a:sym typeface="+mn-ea"/>
+              </a:rPr>
+              <a:t>RandomAccessFile</a:t>
+            </a:r>
+            <a:r>
+              <a:rPr lang="en-US" altLang="zh-CN" sz="1600" dirty="0" smtClean="0">
+                <a:solidFill>
+                  <a:schemeClr val="tx1"/>
+                </a:solidFill>
+                <a:latin typeface="宋体" panose="02010600030101010101" pitchFamily="2" charset="-122"/>
+                <a:ea typeface="宋体" panose="02010600030101010101" pitchFamily="2" charset="-122"/>
+                <a:cs typeface="宋体" panose="02010600030101010101" pitchFamily="2" charset="-122"/>
+                <a:sym typeface="+mn-ea"/>
+              </a:rPr>
+              <a:t> </a:t>
+            </a:r>
+            <a:r>
+              <a:rPr lang="zh-CN" altLang="en-US" sz="1600" dirty="0" smtClean="0">
+                <a:solidFill>
+                  <a:schemeClr val="tx1"/>
+                </a:solidFill>
+                <a:latin typeface="宋体" panose="02010600030101010101" pitchFamily="2" charset="-122"/>
+                <a:ea typeface="宋体" panose="02010600030101010101" pitchFamily="2" charset="-122"/>
+                <a:cs typeface="宋体" panose="02010600030101010101" pitchFamily="2" charset="-122"/>
+                <a:sym typeface="+mn-ea"/>
+              </a:rPr>
+              <a:t>类支持 </a:t>
+            </a:r>
+            <a:r>
+              <a:rPr lang="en-US" altLang="zh-CN" sz="1600" dirty="0" smtClean="0">
+                <a:solidFill>
+                  <a:schemeClr val="tx1"/>
+                </a:solidFill>
+                <a:latin typeface="宋体" panose="02010600030101010101" pitchFamily="2" charset="-122"/>
+                <a:ea typeface="宋体" panose="02010600030101010101" pitchFamily="2" charset="-122"/>
+                <a:cs typeface="宋体" panose="02010600030101010101" pitchFamily="2" charset="-122"/>
+                <a:sym typeface="+mn-ea"/>
+              </a:rPr>
+              <a:t>“</a:t>
+            </a:r>
+            <a:r>
+              <a:rPr lang="zh-CN" altLang="en-US" sz="1600" dirty="0" smtClean="0">
+                <a:solidFill>
+                  <a:srgbClr val="FF0000"/>
+                </a:solidFill>
+                <a:latin typeface="宋体" panose="02010600030101010101" pitchFamily="2" charset="-122"/>
+                <a:ea typeface="宋体" panose="02010600030101010101" pitchFamily="2" charset="-122"/>
+                <a:cs typeface="宋体" panose="02010600030101010101" pitchFamily="2" charset="-122"/>
+                <a:sym typeface="+mn-ea"/>
+              </a:rPr>
+              <a:t>随机访问</a:t>
+            </a:r>
+            <a:r>
+              <a:rPr lang="en-US" altLang="zh-CN" sz="1600" dirty="0" smtClean="0">
+                <a:solidFill>
+                  <a:schemeClr val="tx1"/>
+                </a:solidFill>
+                <a:latin typeface="宋体" panose="02010600030101010101" pitchFamily="2" charset="-122"/>
+                <a:ea typeface="宋体" panose="02010600030101010101" pitchFamily="2" charset="-122"/>
+                <a:cs typeface="宋体" panose="02010600030101010101" pitchFamily="2" charset="-122"/>
+                <a:sym typeface="+mn-ea"/>
+              </a:rPr>
+              <a:t>” </a:t>
+            </a:r>
+            <a:r>
+              <a:rPr lang="zh-CN" altLang="en-US" sz="1600" dirty="0" smtClean="0">
+                <a:solidFill>
+                  <a:schemeClr val="tx1"/>
+                </a:solidFill>
+                <a:latin typeface="宋体" panose="02010600030101010101" pitchFamily="2" charset="-122"/>
+                <a:ea typeface="宋体" panose="02010600030101010101" pitchFamily="2" charset="-122"/>
+                <a:cs typeface="宋体" panose="02010600030101010101" pitchFamily="2" charset="-122"/>
+                <a:sym typeface="+mn-ea"/>
+              </a:rPr>
+              <a:t>的方式，程序可以直接跳到文件的任意地方来读、写文件</a:t>
+            </a:r>
+            <a:endParaRPr lang="en-US" altLang="zh-CN" sz="1600" dirty="0" smtClean="0">
+              <a:solidFill>
+                <a:schemeClr val="tx1"/>
+              </a:solidFill>
+              <a:latin typeface="宋体" panose="02010600030101010101" pitchFamily="2" charset="-122"/>
+              <a:ea typeface="宋体" panose="02010600030101010101" pitchFamily="2" charset="-122"/>
+              <a:cs typeface="宋体" panose="02010600030101010101" pitchFamily="2" charset="-122"/>
+            </a:endParaRPr>
+          </a:p>
+          <a:p>
+            <a:pPr lvl="1" indent="0">
+              <a:buFont typeface="Wingdings" panose="05000000000000000000" pitchFamily="2" charset="2"/>
+              <a:buNone/>
+            </a:pPr>
+            <a:r>
+              <a:rPr lang="zh-CN" altLang="en-US" sz="1600" dirty="0" smtClean="0">
+                <a:solidFill>
+                  <a:schemeClr val="tx1"/>
+                </a:solidFill>
+                <a:latin typeface="宋体" panose="02010600030101010101" pitchFamily="2" charset="-122"/>
+                <a:ea typeface="宋体" panose="02010600030101010101" pitchFamily="2" charset="-122"/>
+                <a:cs typeface="宋体" panose="02010600030101010101" pitchFamily="2" charset="-122"/>
+                <a:sym typeface="+mn-ea"/>
+              </a:rPr>
+              <a:t>支持只访问文件的部分内容</a:t>
+            </a:r>
+            <a:endParaRPr lang="en-US" altLang="zh-CN" sz="1600" dirty="0" smtClean="0">
+              <a:solidFill>
+                <a:schemeClr val="tx1"/>
+              </a:solidFill>
+              <a:latin typeface="宋体" panose="02010600030101010101" pitchFamily="2" charset="-122"/>
+              <a:ea typeface="宋体" panose="02010600030101010101" pitchFamily="2" charset="-122"/>
+              <a:cs typeface="宋体" panose="02010600030101010101" pitchFamily="2" charset="-122"/>
+            </a:endParaRPr>
+          </a:p>
+          <a:p>
+            <a:pPr lvl="1" indent="0">
+              <a:buFont typeface="Wingdings" panose="05000000000000000000" pitchFamily="2" charset="2"/>
+              <a:buNone/>
+            </a:pPr>
+            <a:r>
+              <a:rPr lang="zh-CN" altLang="en-US" sz="1600" dirty="0" smtClean="0">
+                <a:solidFill>
+                  <a:schemeClr val="tx1"/>
+                </a:solidFill>
+                <a:latin typeface="宋体" panose="02010600030101010101" pitchFamily="2" charset="-122"/>
+                <a:ea typeface="宋体" panose="02010600030101010101" pitchFamily="2" charset="-122"/>
+                <a:cs typeface="宋体" panose="02010600030101010101" pitchFamily="2" charset="-122"/>
+                <a:sym typeface="+mn-ea"/>
+              </a:rPr>
+              <a:t>可以向已存在的文件后追加内容</a:t>
+            </a:r>
+            <a:endParaRPr lang="en-US" altLang="zh-CN" sz="1600" dirty="0" smtClean="0">
+              <a:solidFill>
+                <a:schemeClr val="tx1"/>
+              </a:solidFill>
+              <a:latin typeface="宋体" panose="02010600030101010101" pitchFamily="2" charset="-122"/>
+              <a:ea typeface="宋体" panose="02010600030101010101" pitchFamily="2" charset="-122"/>
+              <a:cs typeface="宋体" panose="02010600030101010101" pitchFamily="2" charset="-122"/>
+            </a:endParaRPr>
+          </a:p>
+          <a:p>
+            <a:pPr indent="0">
+              <a:buFont typeface="Wingdings" panose="05000000000000000000" pitchFamily="2" charset="2"/>
+              <a:buNone/>
+            </a:pPr>
+            <a:r>
+              <a:rPr lang="en-US" altLang="zh-CN" sz="1600" dirty="0" err="1" smtClean="0">
+                <a:solidFill>
+                  <a:schemeClr val="tx1"/>
+                </a:solidFill>
+                <a:latin typeface="宋体" panose="02010600030101010101" pitchFamily="2" charset="-122"/>
+                <a:ea typeface="宋体" panose="02010600030101010101" pitchFamily="2" charset="-122"/>
+                <a:cs typeface="宋体" panose="02010600030101010101" pitchFamily="2" charset="-122"/>
+                <a:sym typeface="+mn-ea"/>
+              </a:rPr>
+              <a:t>RandomAccessFile</a:t>
+            </a:r>
+            <a:r>
+              <a:rPr lang="en-US" altLang="zh-CN" sz="1600" dirty="0" smtClean="0">
+                <a:solidFill>
+                  <a:schemeClr val="tx1"/>
+                </a:solidFill>
+                <a:latin typeface="宋体" panose="02010600030101010101" pitchFamily="2" charset="-122"/>
+                <a:ea typeface="宋体" panose="02010600030101010101" pitchFamily="2" charset="-122"/>
+                <a:cs typeface="宋体" panose="02010600030101010101" pitchFamily="2" charset="-122"/>
+                <a:sym typeface="+mn-ea"/>
+              </a:rPr>
+              <a:t> </a:t>
+            </a:r>
+            <a:r>
+              <a:rPr lang="zh-CN" altLang="en-US" sz="1600" dirty="0" smtClean="0">
+                <a:solidFill>
+                  <a:schemeClr val="tx1"/>
+                </a:solidFill>
+                <a:latin typeface="宋体" panose="02010600030101010101" pitchFamily="2" charset="-122"/>
+                <a:ea typeface="宋体" panose="02010600030101010101" pitchFamily="2" charset="-122"/>
+                <a:cs typeface="宋体" panose="02010600030101010101" pitchFamily="2" charset="-122"/>
+                <a:sym typeface="+mn-ea"/>
+              </a:rPr>
+              <a:t>对象包含一个记录指针，用以标示当前读写处的位置。</a:t>
+            </a:r>
+            <a:r>
+              <a:rPr lang="en-US" altLang="zh-CN" sz="1600" dirty="0" err="1" smtClean="0">
+                <a:solidFill>
+                  <a:schemeClr val="tx1"/>
+                </a:solidFill>
+                <a:latin typeface="宋体" panose="02010600030101010101" pitchFamily="2" charset="-122"/>
+                <a:ea typeface="宋体" panose="02010600030101010101" pitchFamily="2" charset="-122"/>
+                <a:cs typeface="宋体" panose="02010600030101010101" pitchFamily="2" charset="-122"/>
+                <a:sym typeface="+mn-ea"/>
+              </a:rPr>
+              <a:t>RandomAccessFile</a:t>
+            </a:r>
+            <a:r>
+              <a:rPr lang="en-US" altLang="zh-CN" sz="1600" dirty="0" smtClean="0">
+                <a:solidFill>
+                  <a:schemeClr val="tx1"/>
+                </a:solidFill>
+                <a:latin typeface="宋体" panose="02010600030101010101" pitchFamily="2" charset="-122"/>
+                <a:ea typeface="宋体" panose="02010600030101010101" pitchFamily="2" charset="-122"/>
+                <a:cs typeface="宋体" panose="02010600030101010101" pitchFamily="2" charset="-122"/>
+                <a:sym typeface="+mn-ea"/>
+              </a:rPr>
+              <a:t> </a:t>
+            </a:r>
+            <a:r>
+              <a:rPr lang="zh-CN" altLang="en-US" sz="1600" dirty="0" smtClean="0">
+                <a:solidFill>
+                  <a:schemeClr val="tx1"/>
+                </a:solidFill>
+                <a:latin typeface="宋体" panose="02010600030101010101" pitchFamily="2" charset="-122"/>
+                <a:ea typeface="宋体" panose="02010600030101010101" pitchFamily="2" charset="-122"/>
+                <a:cs typeface="宋体" panose="02010600030101010101" pitchFamily="2" charset="-122"/>
+                <a:sym typeface="+mn-ea"/>
+              </a:rPr>
+              <a:t>类对象可以自由移动记录指针：</a:t>
+            </a:r>
+            <a:endParaRPr lang="en-US" altLang="zh-CN" sz="1600" dirty="0" smtClean="0">
+              <a:solidFill>
+                <a:schemeClr val="tx1"/>
+              </a:solidFill>
+              <a:latin typeface="宋体" panose="02010600030101010101" pitchFamily="2" charset="-122"/>
+              <a:ea typeface="宋体" panose="02010600030101010101" pitchFamily="2" charset="-122"/>
+              <a:cs typeface="宋体" panose="02010600030101010101" pitchFamily="2" charset="-122"/>
+            </a:endParaRPr>
+          </a:p>
+          <a:p>
+            <a:pPr lvl="1" indent="0">
+              <a:buFont typeface="Wingdings" panose="05000000000000000000" pitchFamily="2" charset="2"/>
+              <a:buNone/>
+            </a:pPr>
+            <a:r>
+              <a:rPr lang="en-US" altLang="zh-CN" sz="1600" dirty="0" smtClean="0">
+                <a:solidFill>
+                  <a:schemeClr val="tx1"/>
+                </a:solidFill>
+                <a:latin typeface="宋体" panose="02010600030101010101" pitchFamily="2" charset="-122"/>
+                <a:ea typeface="宋体" panose="02010600030101010101" pitchFamily="2" charset="-122"/>
+                <a:cs typeface="宋体" panose="02010600030101010101" pitchFamily="2" charset="-122"/>
+                <a:sym typeface="+mn-ea"/>
+              </a:rPr>
+              <a:t>long </a:t>
+            </a:r>
+            <a:r>
+              <a:rPr lang="en-US" altLang="zh-CN" sz="1600" dirty="0" err="1" smtClean="0">
+                <a:solidFill>
+                  <a:schemeClr val="tx1"/>
+                </a:solidFill>
+                <a:latin typeface="宋体" panose="02010600030101010101" pitchFamily="2" charset="-122"/>
+                <a:ea typeface="宋体" panose="02010600030101010101" pitchFamily="2" charset="-122"/>
+                <a:cs typeface="宋体" panose="02010600030101010101" pitchFamily="2" charset="-122"/>
+                <a:sym typeface="+mn-ea"/>
+              </a:rPr>
+              <a:t>getFilePointer</a:t>
+            </a:r>
+            <a:r>
+              <a:rPr lang="en-US" altLang="zh-CN" sz="1600" dirty="0" smtClean="0">
+                <a:solidFill>
+                  <a:schemeClr val="tx1"/>
+                </a:solidFill>
+                <a:latin typeface="宋体" panose="02010600030101010101" pitchFamily="2" charset="-122"/>
+                <a:ea typeface="宋体" panose="02010600030101010101" pitchFamily="2" charset="-122"/>
+                <a:cs typeface="宋体" panose="02010600030101010101" pitchFamily="2" charset="-122"/>
+                <a:sym typeface="+mn-ea"/>
+              </a:rPr>
+              <a:t>()</a:t>
+            </a:r>
+            <a:r>
+              <a:rPr lang="zh-CN" altLang="en-US" sz="1600" dirty="0" smtClean="0">
+                <a:solidFill>
+                  <a:schemeClr val="tx1"/>
+                </a:solidFill>
+                <a:latin typeface="宋体" panose="02010600030101010101" pitchFamily="2" charset="-122"/>
+                <a:ea typeface="宋体" panose="02010600030101010101" pitchFamily="2" charset="-122"/>
+                <a:cs typeface="宋体" panose="02010600030101010101" pitchFamily="2" charset="-122"/>
+                <a:sym typeface="+mn-ea"/>
+              </a:rPr>
+              <a:t>：获取文件记录指针的当前位置</a:t>
+            </a:r>
+            <a:endParaRPr lang="en-US" altLang="zh-CN" sz="1600" dirty="0" smtClean="0">
+              <a:solidFill>
+                <a:schemeClr val="tx1"/>
+              </a:solidFill>
+              <a:latin typeface="宋体" panose="02010600030101010101" pitchFamily="2" charset="-122"/>
+              <a:ea typeface="宋体" panose="02010600030101010101" pitchFamily="2" charset="-122"/>
+              <a:cs typeface="宋体" panose="02010600030101010101" pitchFamily="2" charset="-122"/>
+            </a:endParaRPr>
+          </a:p>
+          <a:p>
+            <a:pPr lvl="1" indent="0">
+              <a:buFont typeface="Wingdings" panose="05000000000000000000" pitchFamily="2" charset="2"/>
+              <a:buNone/>
+            </a:pPr>
+            <a:r>
+              <a:rPr lang="en-US" altLang="zh-CN" sz="1600" dirty="0" smtClean="0">
+                <a:solidFill>
+                  <a:schemeClr val="tx1"/>
+                </a:solidFill>
+                <a:latin typeface="宋体" panose="02010600030101010101" pitchFamily="2" charset="-122"/>
+                <a:ea typeface="宋体" panose="02010600030101010101" pitchFamily="2" charset="-122"/>
+                <a:cs typeface="宋体" panose="02010600030101010101" pitchFamily="2" charset="-122"/>
+                <a:sym typeface="+mn-ea"/>
+              </a:rPr>
+              <a:t>void seek(long pos)</a:t>
+            </a:r>
+            <a:r>
+              <a:rPr lang="zh-CN" altLang="en-US" sz="1600" dirty="0" smtClean="0">
+                <a:solidFill>
+                  <a:schemeClr val="tx1"/>
+                </a:solidFill>
+                <a:latin typeface="宋体" panose="02010600030101010101" pitchFamily="2" charset="-122"/>
+                <a:ea typeface="宋体" panose="02010600030101010101" pitchFamily="2" charset="-122"/>
+                <a:cs typeface="宋体" panose="02010600030101010101" pitchFamily="2" charset="-122"/>
+                <a:sym typeface="+mn-ea"/>
+              </a:rPr>
+              <a:t>：将文件记录指针定位到 </a:t>
+            </a:r>
+            <a:r>
+              <a:rPr lang="en-US" altLang="zh-CN" sz="1600" dirty="0" err="1" smtClean="0">
+                <a:solidFill>
+                  <a:schemeClr val="tx1"/>
+                </a:solidFill>
+                <a:latin typeface="宋体" panose="02010600030101010101" pitchFamily="2" charset="-122"/>
+                <a:ea typeface="宋体" panose="02010600030101010101" pitchFamily="2" charset="-122"/>
+                <a:cs typeface="宋体" panose="02010600030101010101" pitchFamily="2" charset="-122"/>
+                <a:sym typeface="+mn-ea"/>
+              </a:rPr>
+              <a:t>pos</a:t>
+            </a:r>
+            <a:r>
+              <a:rPr lang="en-US" altLang="zh-CN" sz="1600" dirty="0" smtClean="0">
+                <a:solidFill>
+                  <a:schemeClr val="tx1"/>
+                </a:solidFill>
+                <a:latin typeface="宋体" panose="02010600030101010101" pitchFamily="2" charset="-122"/>
+                <a:ea typeface="宋体" panose="02010600030101010101" pitchFamily="2" charset="-122"/>
+                <a:cs typeface="宋体" panose="02010600030101010101" pitchFamily="2" charset="-122"/>
+                <a:sym typeface="+mn-ea"/>
+              </a:rPr>
+              <a:t> </a:t>
+            </a:r>
+            <a:r>
+              <a:rPr lang="zh-CN" altLang="en-US" sz="1600" dirty="0" smtClean="0">
+                <a:solidFill>
+                  <a:schemeClr val="tx1"/>
+                </a:solidFill>
+                <a:latin typeface="宋体" panose="02010600030101010101" pitchFamily="2" charset="-122"/>
+                <a:ea typeface="宋体" panose="02010600030101010101" pitchFamily="2" charset="-122"/>
+                <a:cs typeface="宋体" panose="02010600030101010101" pitchFamily="2" charset="-122"/>
+                <a:sym typeface="+mn-ea"/>
+              </a:rPr>
+              <a:t>位置</a:t>
+            </a:r>
+            <a:endParaRPr lang="en-US" altLang="zh-CN" sz="1600" dirty="0" smtClean="0">
+              <a:solidFill>
+                <a:schemeClr val="tx1"/>
+              </a:solidFill>
+              <a:latin typeface="宋体" panose="02010600030101010101" pitchFamily="2" charset="-122"/>
+              <a:ea typeface="宋体" panose="02010600030101010101" pitchFamily="2" charset="-122"/>
+              <a:cs typeface="宋体" panose="02010600030101010101" pitchFamily="2" charset="-122"/>
+            </a:endParaRPr>
+          </a:p>
+        </p:txBody>
+      </p:sp>
+      <p:sp>
+        <p:nvSpPr>
+          <p:cNvPr id="3" name="文本框 2"/>
+          <p:cNvSpPr txBox="1"/>
+          <p:nvPr/>
+        </p:nvSpPr>
+        <p:spPr>
+          <a:xfrm>
+            <a:off x="194310" y="628650"/>
+            <a:ext cx="11736070" cy="583565"/>
+          </a:xfrm>
+          <a:prstGeom prst="rect">
+            <a:avLst/>
+          </a:prstGeom>
+          <a:noFill/>
+        </p:spPr>
+        <p:txBody>
+          <a:bodyPr wrap="square" rtlCol="0">
+            <a:spAutoFit/>
+          </a:bodyPr>
+          <a:p>
+            <a:pPr algn="ctr"/>
+            <a:r>
+              <a:rPr lang="zh-CN" sz="3200">
+                <a:sym typeface="+mn-ea"/>
+              </a:rPr>
+              <a:t>RandomAccessFile 类</a:t>
+            </a:r>
+            <a:endParaRPr lang="zh-CN" sz="3200"/>
+          </a:p>
+        </p:txBody>
+      </p:sp>
+    </p:spTree>
+    <p:custDataLst>
+      <p:tags r:id="rId2"/>
+    </p:custDataLst>
+  </p:cSld>
+  <p:clrMapOvr>
+    <a:masterClrMapping/>
+  </p:clrMapOvr>
+</p:sld>
+</file>
+
+<file path=ppt/slides/slide17.xml><?xml version="1.0" encoding="utf-8"?>
+<p:sld xmlns:a="http://schemas.openxmlformats.org/drawingml/2006/main" xmlns:r="http://schemas.openxmlformats.org/officeDocument/2006/relationships" xmlns:p="http://schemas.openxmlformats.org/presentationml/2006/main">
+  <p:cSld>
+    <p:bg>
+      <p:bgPr>
+        <a:blipFill rotWithShape="1">
+          <a:blip r:embed="rId1"/>
+          <a:stretch>
+            <a:fillRect/>
+          </a:stretch>
+        </a:blipFill>
+        <a:effectLst/>
+      </p:bgPr>
+    </p:bg>
+    <p:spTree>
+      <p:nvGrpSpPr>
+        <p:cNvPr id="1" name=""/>
+        <p:cNvGrpSpPr/>
+        <p:nvPr/>
+      </p:nvGrpSpPr>
+      <p:grpSpPr/>
+      <p:sp>
+        <p:nvSpPr>
+          <p:cNvPr id="2" name="文本框 1"/>
+          <p:cNvSpPr txBox="1"/>
+          <p:nvPr/>
+        </p:nvSpPr>
+        <p:spPr>
+          <a:xfrm>
+            <a:off x="198755" y="1293495"/>
+            <a:ext cx="11795125" cy="2584450"/>
+          </a:xfrm>
+          <a:prstGeom prst="rect">
+            <a:avLst/>
+          </a:prstGeom>
+          <a:noFill/>
+        </p:spPr>
+        <p:txBody>
+          <a:bodyPr wrap="square" rtlCol="0">
+            <a:spAutoFit/>
+          </a:bodyPr>
+          <a:p>
+            <a:r>
+              <a:rPr lang="zh-CN" altLang="en-US">
+                <a:latin typeface="宋体" panose="02010600030101010101" pitchFamily="2" charset="-122"/>
+                <a:ea typeface="宋体" panose="02010600030101010101" pitchFamily="2" charset="-122"/>
+                <a:cs typeface="宋体" panose="02010600030101010101" pitchFamily="2" charset="-122"/>
+              </a:rPr>
+              <a:t>一般情况下是：先打开的后关闭，后打开的先关闭</a:t>
+            </a:r>
+            <a:endParaRPr lang="zh-CN" altLang="en-US">
+              <a:latin typeface="宋体" panose="02010600030101010101" pitchFamily="2" charset="-122"/>
+              <a:ea typeface="宋体" panose="02010600030101010101" pitchFamily="2" charset="-122"/>
+              <a:cs typeface="宋体" panose="02010600030101010101" pitchFamily="2" charset="-122"/>
+            </a:endParaRPr>
+          </a:p>
+          <a:p>
+            <a:endParaRPr lang="zh-CN" altLang="en-US">
+              <a:latin typeface="宋体" panose="02010600030101010101" pitchFamily="2" charset="-122"/>
+              <a:ea typeface="宋体" panose="02010600030101010101" pitchFamily="2" charset="-122"/>
+              <a:cs typeface="宋体" panose="02010600030101010101" pitchFamily="2" charset="-122"/>
+            </a:endParaRPr>
+          </a:p>
+          <a:p>
+            <a:r>
+              <a:rPr lang="zh-CN" altLang="en-US">
+                <a:latin typeface="宋体" panose="02010600030101010101" pitchFamily="2" charset="-122"/>
+                <a:ea typeface="宋体" panose="02010600030101010101" pitchFamily="2" charset="-122"/>
+                <a:cs typeface="宋体" panose="02010600030101010101" pitchFamily="2" charset="-122"/>
+              </a:rPr>
+              <a:t>另一种情况：看依赖关系，如果流a依赖流b，应该先关闭流a，再关闭流b</a:t>
+            </a:r>
+            <a:endParaRPr lang="zh-CN" altLang="en-US">
+              <a:latin typeface="宋体" panose="02010600030101010101" pitchFamily="2" charset="-122"/>
+              <a:ea typeface="宋体" panose="02010600030101010101" pitchFamily="2" charset="-122"/>
+              <a:cs typeface="宋体" panose="02010600030101010101" pitchFamily="2" charset="-122"/>
+            </a:endParaRPr>
+          </a:p>
+          <a:p>
+            <a:endParaRPr lang="zh-CN" altLang="en-US">
+              <a:latin typeface="宋体" panose="02010600030101010101" pitchFamily="2" charset="-122"/>
+              <a:ea typeface="宋体" panose="02010600030101010101" pitchFamily="2" charset="-122"/>
+              <a:cs typeface="宋体" panose="02010600030101010101" pitchFamily="2" charset="-122"/>
+            </a:endParaRPr>
+          </a:p>
+          <a:p>
+            <a:r>
+              <a:rPr lang="zh-CN" altLang="en-US">
+                <a:latin typeface="宋体" panose="02010600030101010101" pitchFamily="2" charset="-122"/>
+                <a:ea typeface="宋体" panose="02010600030101010101" pitchFamily="2" charset="-122"/>
+                <a:cs typeface="宋体" panose="02010600030101010101" pitchFamily="2" charset="-122"/>
+              </a:rPr>
+              <a:t>例如处理流a依赖节点流b，应该先关闭处理流a，再关闭节点流b</a:t>
+            </a:r>
+            <a:endParaRPr lang="zh-CN" altLang="en-US">
+              <a:latin typeface="宋体" panose="02010600030101010101" pitchFamily="2" charset="-122"/>
+              <a:ea typeface="宋体" panose="02010600030101010101" pitchFamily="2" charset="-122"/>
+              <a:cs typeface="宋体" panose="02010600030101010101" pitchFamily="2" charset="-122"/>
+            </a:endParaRPr>
+          </a:p>
+          <a:p>
+            <a:endParaRPr lang="zh-CN" altLang="en-US">
+              <a:latin typeface="宋体" panose="02010600030101010101" pitchFamily="2" charset="-122"/>
+              <a:ea typeface="宋体" panose="02010600030101010101" pitchFamily="2" charset="-122"/>
+              <a:cs typeface="宋体" panose="02010600030101010101" pitchFamily="2" charset="-122"/>
+            </a:endParaRPr>
+          </a:p>
+          <a:p>
+            <a:r>
+              <a:rPr lang="zh-CN" altLang="en-US">
+                <a:latin typeface="宋体" panose="02010600030101010101" pitchFamily="2" charset="-122"/>
+                <a:ea typeface="宋体" panose="02010600030101010101" pitchFamily="2" charset="-122"/>
+                <a:cs typeface="宋体" panose="02010600030101010101" pitchFamily="2" charset="-122"/>
+              </a:rPr>
+              <a:t>当然完全可以只关闭处理流，不用关闭节点流。处理流关闭的时候，会调用其处理的节点流的关闭方法</a:t>
+            </a:r>
+            <a:endParaRPr lang="zh-CN" altLang="en-US">
+              <a:latin typeface="宋体" panose="02010600030101010101" pitchFamily="2" charset="-122"/>
+              <a:ea typeface="宋体" panose="02010600030101010101" pitchFamily="2" charset="-122"/>
+              <a:cs typeface="宋体" panose="02010600030101010101" pitchFamily="2" charset="-122"/>
+            </a:endParaRPr>
+          </a:p>
+          <a:p>
+            <a:endParaRPr lang="zh-CN" altLang="en-US">
+              <a:latin typeface="宋体" panose="02010600030101010101" pitchFamily="2" charset="-122"/>
+              <a:ea typeface="宋体" panose="02010600030101010101" pitchFamily="2" charset="-122"/>
+              <a:cs typeface="宋体" panose="02010600030101010101" pitchFamily="2" charset="-122"/>
+            </a:endParaRPr>
+          </a:p>
+          <a:p>
+            <a:r>
+              <a:rPr lang="zh-CN" altLang="en-US">
+                <a:latin typeface="宋体" panose="02010600030101010101" pitchFamily="2" charset="-122"/>
+                <a:ea typeface="宋体" panose="02010600030101010101" pitchFamily="2" charset="-122"/>
+                <a:cs typeface="宋体" panose="02010600030101010101" pitchFamily="2" charset="-122"/>
+              </a:rPr>
+              <a:t>如果将节点流关闭以后再关闭处理流，会抛出IO异常</a:t>
+            </a:r>
+            <a:endParaRPr lang="zh-CN" altLang="en-US">
+              <a:latin typeface="宋体" panose="02010600030101010101" pitchFamily="2" charset="-122"/>
+              <a:ea typeface="宋体" panose="02010600030101010101" pitchFamily="2" charset="-122"/>
+              <a:cs typeface="宋体" panose="02010600030101010101" pitchFamily="2" charset="-122"/>
+            </a:endParaRPr>
+          </a:p>
+        </p:txBody>
+      </p:sp>
+      <p:sp>
+        <p:nvSpPr>
+          <p:cNvPr id="3" name="文本框 2"/>
+          <p:cNvSpPr txBox="1"/>
+          <p:nvPr/>
+        </p:nvSpPr>
+        <p:spPr>
+          <a:xfrm>
+            <a:off x="194310" y="628650"/>
+            <a:ext cx="11736070" cy="583565"/>
+          </a:xfrm>
+          <a:prstGeom prst="rect">
+            <a:avLst/>
+          </a:prstGeom>
+          <a:noFill/>
+        </p:spPr>
+        <p:txBody>
+          <a:bodyPr wrap="square" rtlCol="0">
+            <a:spAutoFit/>
+          </a:bodyPr>
+          <a:p>
+            <a:pPr algn="ctr"/>
+            <a:r>
+              <a:rPr lang="zh-CN" altLang="en-US" sz="3200"/>
+              <a:t>流关闭顺序</a:t>
+            </a:r>
+            <a:endParaRPr lang="zh-CN" altLang="en-US" sz="3200"/>
+          </a:p>
+        </p:txBody>
+      </p:sp>
+    </p:spTree>
+    <p:custDataLst>
+      <p:tags r:id="rId2"/>
+    </p:custDataLst>
+  </p:cSld>
+  <p:clrMapOvr>
+    <a:masterClrMapping/>
+  </p:clrMapOvr>
+</p:sld>
+</file>
+
+<file path=ppt/slides/slide18.xml><?xml version="1.0" encoding="utf-8"?>
 <p:sld xmlns:a="http://schemas.openxmlformats.org/drawingml/2006/main" xmlns:r="http://schemas.openxmlformats.org/officeDocument/2006/relationships" xmlns:p="http://schemas.openxmlformats.org/presentationml/2006/main">
   <p:cSld>
     <p:bg>
@@ -6995,8 +8689,8 @@
         </p:nvSpPr>
         <p:spPr>
           <a:xfrm>
-            <a:off x="4283075" y="546100"/>
-            <a:ext cx="3825240" cy="583565"/>
+            <a:off x="381635" y="546100"/>
+            <a:ext cx="11369040" cy="583565"/>
           </a:xfrm>
           <a:prstGeom prst="rect">
             <a:avLst/>
@@ -7008,9 +8702,10 @@
             <a:spAutoFit/>
           </a:bodyPr>
           <a:p>
+            <a:pPr algn="ctr"/>
             <a:r>
               <a:rPr lang="zh-CN" altLang="en-US" sz="3200"/>
-              <a:t>Java File类</a:t>
+              <a:t>Java 文件系统</a:t>
             </a:r>
             <a:endParaRPr lang="zh-CN" altLang="en-US" sz="3200"/>
           </a:p>
@@ -7024,8 +8719,8 @@
         </p:nvSpPr>
         <p:spPr>
           <a:xfrm>
-            <a:off x="381000" y="1103630"/>
-            <a:ext cx="11430000" cy="5262245"/>
+            <a:off x="232410" y="1103630"/>
+            <a:ext cx="11697970" cy="5262245"/>
           </a:xfrm>
           <a:prstGeom prst="rect">
             <a:avLst/>
@@ -7882,7 +9577,7 @@
         </p:nvSpPr>
         <p:spPr>
           <a:xfrm>
-            <a:off x="389890" y="901065"/>
+            <a:off x="390525" y="1329055"/>
             <a:ext cx="11411585" cy="3538220"/>
           </a:xfrm>
           <a:prstGeom prst="rect">
@@ -8223,8 +9918,8 @@
         </p:nvSpPr>
         <p:spPr>
           <a:xfrm>
-            <a:off x="5020310" y="546100"/>
-            <a:ext cx="3088005" cy="583565"/>
+            <a:off x="183515" y="717550"/>
+            <a:ext cx="11736070" cy="583565"/>
           </a:xfrm>
           <a:prstGeom prst="rect">
             <a:avLst/>
@@ -8236,6 +9931,7 @@
             <a:spAutoFit/>
           </a:bodyPr>
           <a:p>
+            <a:pPr algn="ctr"/>
             <a:r>
               <a:rPr lang="en-US" altLang="zh-CN" sz="3200"/>
               <a:t>IO </a:t>
@@ -8296,8 +9992,410 @@
         </p:blipFill>
         <p:spPr>
           <a:xfrm>
-            <a:off x="2926080" y="182880"/>
+            <a:off x="90170" y="133350"/>
             <a:ext cx="6922770" cy="6591300"/>
+          </a:xfrm>
+          <a:prstGeom prst="rect">
+            <a:avLst/>
+          </a:prstGeom>
+        </p:spPr>
+      </p:pic>
+      <p:sp>
+        <p:nvSpPr>
+          <p:cNvPr id="3" name="圆柱形 2"/>
+          <p:cNvSpPr/>
+          <p:nvPr/>
+        </p:nvSpPr>
+        <p:spPr>
+          <a:xfrm>
+            <a:off x="7384415" y="1283335"/>
+            <a:ext cx="636905" cy="836295"/>
+          </a:xfrm>
+          <a:prstGeom prst="can">
+            <a:avLst/>
+          </a:prstGeom>
+        </p:spPr>
+        <p:style>
+          <a:lnRef idx="2">
+            <a:schemeClr val="accent1">
+              <a:shade val="50000"/>
+            </a:schemeClr>
+          </a:lnRef>
+          <a:fillRef idx="1">
+            <a:schemeClr val="accent1"/>
+          </a:fillRef>
+          <a:effectRef idx="0">
+            <a:schemeClr val="accent1"/>
+          </a:effectRef>
+          <a:fontRef idx="minor">
+            <a:schemeClr val="lt1"/>
+          </a:fontRef>
+        </p:style>
+        <p:txBody>
+          <a:bodyPr rtlCol="0" anchor="ctr"/>
+          <a:p>
+            <a:pPr algn="ctr"/>
+            <a:endParaRPr lang="zh-CN" altLang="en-US"/>
+          </a:p>
+        </p:txBody>
+      </p:sp>
+      <p:sp>
+        <p:nvSpPr>
+          <p:cNvPr id="4" name="圆柱形 3"/>
+          <p:cNvSpPr/>
+          <p:nvPr/>
+        </p:nvSpPr>
+        <p:spPr>
+          <a:xfrm>
+            <a:off x="10917555" y="1283335"/>
+            <a:ext cx="636905" cy="836295"/>
+          </a:xfrm>
+          <a:prstGeom prst="can">
+            <a:avLst/>
+          </a:prstGeom>
+        </p:spPr>
+        <p:style>
+          <a:lnRef idx="2">
+            <a:schemeClr val="accent1">
+              <a:shade val="50000"/>
+            </a:schemeClr>
+          </a:lnRef>
+          <a:fillRef idx="1">
+            <a:schemeClr val="accent1"/>
+          </a:fillRef>
+          <a:effectRef idx="0">
+            <a:schemeClr val="accent1"/>
+          </a:effectRef>
+          <a:fontRef idx="minor">
+            <a:schemeClr val="lt1"/>
+          </a:fontRef>
+        </p:style>
+        <p:txBody>
+          <a:bodyPr rtlCol="0" anchor="ctr"/>
+          <a:p>
+            <a:pPr algn="ctr"/>
+            <a:endParaRPr lang="zh-CN" altLang="en-US"/>
+          </a:p>
+        </p:txBody>
+      </p:sp>
+      <p:sp>
+        <p:nvSpPr>
+          <p:cNvPr id="5" name="流程图: 多文档 4"/>
+          <p:cNvSpPr/>
+          <p:nvPr/>
+        </p:nvSpPr>
+        <p:spPr>
+          <a:xfrm>
+            <a:off x="9114790" y="1343660"/>
+            <a:ext cx="696595" cy="775970"/>
+          </a:xfrm>
+          <a:prstGeom prst="flowChartMultidocument">
+            <a:avLst/>
+          </a:prstGeom>
+          <a:solidFill>
+            <a:srgbClr val="FFC000"/>
+          </a:solidFill>
+        </p:spPr>
+        <p:style>
+          <a:lnRef idx="2">
+            <a:schemeClr val="accent1">
+              <a:shade val="50000"/>
+            </a:schemeClr>
+          </a:lnRef>
+          <a:fillRef idx="1">
+            <a:schemeClr val="accent1"/>
+          </a:fillRef>
+          <a:effectRef idx="0">
+            <a:schemeClr val="accent1"/>
+          </a:effectRef>
+          <a:fontRef idx="minor">
+            <a:schemeClr val="lt1"/>
+          </a:fontRef>
+        </p:style>
+        <p:txBody>
+          <a:bodyPr rtlCol="0" anchor="ctr"/>
+          <a:p>
+            <a:pPr algn="ctr"/>
+            <a:endParaRPr lang="zh-CN" altLang="en-US"/>
+          </a:p>
+        </p:txBody>
+      </p:sp>
+      <p:sp>
+        <p:nvSpPr>
+          <p:cNvPr id="6" name="右箭头 5"/>
+          <p:cNvSpPr/>
+          <p:nvPr/>
+        </p:nvSpPr>
+        <p:spPr>
+          <a:xfrm>
+            <a:off x="8194040" y="1472565"/>
+            <a:ext cx="815975" cy="457835"/>
+          </a:xfrm>
+          <a:prstGeom prst="rightArrow">
+            <a:avLst/>
+          </a:prstGeom>
+        </p:spPr>
+        <p:style>
+          <a:lnRef idx="2">
+            <a:schemeClr val="accent1">
+              <a:shade val="50000"/>
+            </a:schemeClr>
+          </a:lnRef>
+          <a:fillRef idx="1">
+            <a:schemeClr val="accent1"/>
+          </a:fillRef>
+          <a:effectRef idx="0">
+            <a:schemeClr val="accent1"/>
+          </a:effectRef>
+          <a:fontRef idx="minor">
+            <a:schemeClr val="lt1"/>
+          </a:fontRef>
+        </p:style>
+        <p:txBody>
+          <a:bodyPr rtlCol="0" anchor="ctr"/>
+          <a:p>
+            <a:pPr algn="ctr"/>
+            <a:endParaRPr lang="zh-CN" altLang="en-US"/>
+          </a:p>
+        </p:txBody>
+      </p:sp>
+      <p:sp>
+        <p:nvSpPr>
+          <p:cNvPr id="7" name="右箭头 6"/>
+          <p:cNvSpPr/>
+          <p:nvPr/>
+        </p:nvSpPr>
+        <p:spPr>
+          <a:xfrm>
+            <a:off x="9951085" y="1472565"/>
+            <a:ext cx="815975" cy="457835"/>
+          </a:xfrm>
+          <a:prstGeom prst="rightArrow">
+            <a:avLst/>
+          </a:prstGeom>
+        </p:spPr>
+        <p:style>
+          <a:lnRef idx="2">
+            <a:schemeClr val="accent1">
+              <a:shade val="50000"/>
+            </a:schemeClr>
+          </a:lnRef>
+          <a:fillRef idx="1">
+            <a:schemeClr val="accent1"/>
+          </a:fillRef>
+          <a:effectRef idx="0">
+            <a:schemeClr val="accent1"/>
+          </a:effectRef>
+          <a:fontRef idx="minor">
+            <a:schemeClr val="lt1"/>
+          </a:fontRef>
+        </p:style>
+        <p:txBody>
+          <a:bodyPr rtlCol="0" anchor="ctr"/>
+          <a:p>
+            <a:pPr algn="ctr"/>
+            <a:endParaRPr lang="zh-CN" altLang="en-US"/>
+          </a:p>
+        </p:txBody>
+      </p:sp>
+      <p:sp>
+        <p:nvSpPr>
+          <p:cNvPr id="8" name="文本框 7"/>
+          <p:cNvSpPr txBox="1"/>
+          <p:nvPr/>
+        </p:nvSpPr>
+        <p:spPr>
+          <a:xfrm>
+            <a:off x="7945755" y="915035"/>
+            <a:ext cx="1739900" cy="368300"/>
+          </a:xfrm>
+          <a:prstGeom prst="rect">
+            <a:avLst/>
+          </a:prstGeom>
+          <a:noFill/>
+        </p:spPr>
+        <p:txBody>
+          <a:bodyPr wrap="square" rtlCol="0">
+            <a:spAutoFit/>
+          </a:bodyPr>
+          <a:p>
+            <a:r>
+              <a:rPr lang="en-US" altLang="zh-CN" b="1">
+                <a:solidFill>
+                  <a:srgbClr val="FF0000"/>
+                </a:solidFill>
+              </a:rPr>
+              <a:t>Input/Reader</a:t>
+            </a:r>
+            <a:endParaRPr lang="en-US" altLang="zh-CN" b="1">
+              <a:solidFill>
+                <a:srgbClr val="FF0000"/>
+              </a:solidFill>
+            </a:endParaRPr>
+          </a:p>
+        </p:txBody>
+      </p:sp>
+      <p:sp>
+        <p:nvSpPr>
+          <p:cNvPr id="9" name="文本框 8"/>
+          <p:cNvSpPr txBox="1"/>
+          <p:nvPr/>
+        </p:nvSpPr>
+        <p:spPr>
+          <a:xfrm>
+            <a:off x="9811385" y="915035"/>
+            <a:ext cx="2138680" cy="368300"/>
+          </a:xfrm>
+          <a:prstGeom prst="rect">
+            <a:avLst/>
+          </a:prstGeom>
+          <a:noFill/>
+        </p:spPr>
+        <p:txBody>
+          <a:bodyPr wrap="square" rtlCol="0">
+            <a:spAutoFit/>
+          </a:bodyPr>
+          <a:p>
+            <a:r>
+              <a:rPr lang="en-US" altLang="zh-CN" b="1">
+                <a:solidFill>
+                  <a:srgbClr val="FF0000"/>
+                </a:solidFill>
+              </a:rPr>
+              <a:t>Output/Writer</a:t>
+            </a:r>
+            <a:endParaRPr lang="en-US" altLang="zh-CN" b="1">
+              <a:solidFill>
+                <a:srgbClr val="FF0000"/>
+              </a:solidFill>
+            </a:endParaRPr>
+          </a:p>
+        </p:txBody>
+      </p:sp>
+      <p:sp>
+        <p:nvSpPr>
+          <p:cNvPr id="11" name="文本框 10"/>
+          <p:cNvSpPr txBox="1"/>
+          <p:nvPr/>
+        </p:nvSpPr>
+        <p:spPr>
+          <a:xfrm>
+            <a:off x="7384415" y="2179320"/>
+            <a:ext cx="1115695" cy="368300"/>
+          </a:xfrm>
+          <a:prstGeom prst="rect">
+            <a:avLst/>
+          </a:prstGeom>
+          <a:noFill/>
+        </p:spPr>
+        <p:txBody>
+          <a:bodyPr wrap="square" rtlCol="0">
+            <a:spAutoFit/>
+          </a:bodyPr>
+          <a:p>
+            <a:r>
+              <a:rPr lang="en-US" altLang="zh-CN" b="1">
+                <a:solidFill>
+                  <a:srgbClr val="FFC000"/>
+                </a:solidFill>
+              </a:rPr>
+              <a:t>srcFile</a:t>
+            </a:r>
+            <a:endParaRPr lang="en-US" altLang="zh-CN" b="1">
+              <a:solidFill>
+                <a:srgbClr val="FFC000"/>
+              </a:solidFill>
+            </a:endParaRPr>
+          </a:p>
+        </p:txBody>
+      </p:sp>
+      <p:sp>
+        <p:nvSpPr>
+          <p:cNvPr id="12" name="文本框 11"/>
+          <p:cNvSpPr txBox="1"/>
+          <p:nvPr/>
+        </p:nvSpPr>
+        <p:spPr>
+          <a:xfrm>
+            <a:off x="10756900" y="2176780"/>
+            <a:ext cx="1183640" cy="368300"/>
+          </a:xfrm>
+          <a:prstGeom prst="rect">
+            <a:avLst/>
+          </a:prstGeom>
+          <a:noFill/>
+        </p:spPr>
+        <p:txBody>
+          <a:bodyPr wrap="square" rtlCol="0">
+            <a:spAutoFit/>
+          </a:bodyPr>
+          <a:p>
+            <a:r>
+              <a:rPr lang="en-US" altLang="zh-CN" b="1">
+                <a:solidFill>
+                  <a:srgbClr val="FFC000"/>
+                </a:solidFill>
+              </a:rPr>
+              <a:t>destFile</a:t>
+            </a:r>
+            <a:endParaRPr lang="en-US" altLang="zh-CN" b="1">
+              <a:solidFill>
+                <a:srgbClr val="FFC000"/>
+              </a:solidFill>
+            </a:endParaRPr>
+          </a:p>
+        </p:txBody>
+      </p:sp>
+    </p:spTree>
+    <p:custDataLst>
+      <p:tags r:id="rId3"/>
+    </p:custDataLst>
+  </p:cSld>
+  <p:clrMapOvr>
+    <a:masterClrMapping/>
+  </p:clrMapOvr>
+</p:sld>
+</file>
+
+<file path=ppt/slides/slide7.xml><?xml version="1.0" encoding="utf-8"?>
+<p:sld xmlns:a="http://schemas.openxmlformats.org/drawingml/2006/main" xmlns:r="http://schemas.openxmlformats.org/officeDocument/2006/relationships" xmlns:p="http://schemas.openxmlformats.org/presentationml/2006/main">
+  <p:cSld>
+    <p:bg>
+      <p:bgPr>
+        <a:blipFill rotWithShape="1">
+          <a:blip r:embed="rId1"/>
+          <a:stretch>
+            <a:fillRect/>
+          </a:stretch>
+        </a:blipFill>
+        <a:effectLst/>
+      </p:bgPr>
+    </p:bg>
+    <p:spTree>
+      <p:nvGrpSpPr>
+        <p:cNvPr id="1" name=""/>
+        <p:cNvGrpSpPr/>
+        <p:nvPr/>
+      </p:nvGrpSpPr>
+      <p:grpSpPr/>
+      <p:pic>
+        <p:nvPicPr>
+          <p:cNvPr id="14" name="图片 13"/>
+          <p:cNvPicPr>
+            <a:picLocks noChangeAspect="1"/>
+          </p:cNvPicPr>
+          <p:nvPr/>
+        </p:nvPicPr>
+        <p:blipFill>
+          <a:blip r:embed="rId2"/>
+          <a:stretch>
+            <a:fillRect/>
+          </a:stretch>
+        </p:blipFill>
+        <p:spPr>
+          <a:xfrm>
+            <a:off x="753745" y="730885"/>
+            <a:ext cx="10276205" cy="6046470"/>
           </a:xfrm>
           <a:prstGeom prst="rect">
             <a:avLst/>
@@ -8315,7 +10413,7 @@
 </p:sld>
 </file>
 
-<file path=ppt/slides/slide7.xml><?xml version="1.0" encoding="utf-8"?>
+<file path=ppt/slides/slide8.xml><?xml version="1.0" encoding="utf-8"?>
 <p:sld xmlns:a="http://schemas.openxmlformats.org/drawingml/2006/main" xmlns:r="http://schemas.openxmlformats.org/officeDocument/2006/relationships" xmlns:p="http://schemas.openxmlformats.org/presentationml/2006/main">
   <p:cSld>
     <p:bg>
@@ -8457,7 +10555,18 @@
                 <a:ea typeface="宋体" panose="02010600030101010101" pitchFamily="2" charset="-122"/>
                 <a:cs typeface="宋体" panose="02010600030101010101" pitchFamily="2" charset="-122"/>
               </a:rPr>
-              <a:t>         FileReader</a:t>
+              <a:t>         </a:t>
+            </a:r>
+            <a:r>
+              <a:rPr lang="zh-CN" altLang="en-US" sz="1600" b="1">
+                <a:solidFill>
+                  <a:schemeClr val="accent1"/>
+                </a:solidFill>
+                <a:latin typeface="宋体" panose="02010600030101010101" pitchFamily="2" charset="-122"/>
+                <a:ea typeface="宋体" panose="02010600030101010101" pitchFamily="2" charset="-122"/>
+                <a:cs typeface="宋体" panose="02010600030101010101" pitchFamily="2" charset="-122"/>
+              </a:rPr>
+              <a:t>FileReader</a:t>
             </a:r>
             <a:endParaRPr lang="zh-CN" altLang="en-US" sz="1600">
               <a:latin typeface="宋体" panose="02010600030101010101" pitchFamily="2" charset="-122"/>
@@ -8626,7 +10735,18 @@
                 <a:ea typeface="宋体" panose="02010600030101010101" pitchFamily="2" charset="-122"/>
                 <a:cs typeface="宋体" panose="02010600030101010101" pitchFamily="2" charset="-122"/>
               </a:rPr>
-              <a:t>        FileWriter</a:t>
+              <a:t>        </a:t>
+            </a:r>
+            <a:r>
+              <a:rPr lang="zh-CN" altLang="en-US" sz="1600" b="1">
+                <a:solidFill>
+                  <a:schemeClr val="accent1"/>
+                </a:solidFill>
+                <a:latin typeface="宋体" panose="02010600030101010101" pitchFamily="2" charset="-122"/>
+                <a:ea typeface="宋体" panose="02010600030101010101" pitchFamily="2" charset="-122"/>
+                <a:cs typeface="宋体" panose="02010600030101010101" pitchFamily="2" charset="-122"/>
+              </a:rPr>
+              <a:t>FileWriter</a:t>
             </a:r>
             <a:endParaRPr lang="zh-CN" altLang="en-US" sz="1600">
               <a:latin typeface="宋体" panose="02010600030101010101" pitchFamily="2" charset="-122"/>
@@ -8843,7 +10963,19 @@
                 <a:cs typeface="宋体" panose="02010600030101010101" pitchFamily="2" charset="-122"/>
                 <a:sym typeface="+mn-ea"/>
               </a:rPr>
-              <a:t>        FileInputStream</a:t>
+              <a:t>        </a:t>
+            </a:r>
+            <a:r>
+              <a:rPr lang="zh-CN" altLang="en-US" sz="1600" b="1">
+                <a:solidFill>
+                  <a:schemeClr val="accent1"/>
+                </a:solidFill>
+                <a:latin typeface="宋体" panose="02010600030101010101" pitchFamily="2" charset="-122"/>
+                <a:ea typeface="宋体" panose="02010600030101010101" pitchFamily="2" charset="-122"/>
+                <a:cs typeface="宋体" panose="02010600030101010101" pitchFamily="2" charset="-122"/>
+                <a:sym typeface="+mn-ea"/>
+              </a:rPr>
+              <a:t>FileInputStream</a:t>
             </a:r>
             <a:endParaRPr lang="zh-CN" altLang="en-US" sz="1600">
               <a:latin typeface="宋体" panose="02010600030101010101" pitchFamily="2" charset="-122"/>
@@ -9008,7 +11140,19 @@
                 <a:cs typeface="宋体" panose="02010600030101010101" pitchFamily="2" charset="-122"/>
                 <a:sym typeface="+mn-ea"/>
               </a:rPr>
-              <a:t>        FileOutputStream</a:t>
+              <a:t>        </a:t>
+            </a:r>
+            <a:r>
+              <a:rPr lang="zh-CN" altLang="en-US" sz="1600" b="1">
+                <a:solidFill>
+                  <a:schemeClr val="accent1"/>
+                </a:solidFill>
+                <a:latin typeface="宋体" panose="02010600030101010101" pitchFamily="2" charset="-122"/>
+                <a:ea typeface="宋体" panose="02010600030101010101" pitchFamily="2" charset="-122"/>
+                <a:cs typeface="宋体" panose="02010600030101010101" pitchFamily="2" charset="-122"/>
+                <a:sym typeface="+mn-ea"/>
+              </a:rPr>
+              <a:t>FileOutputStream</a:t>
             </a:r>
             <a:endParaRPr lang="zh-CN" altLang="en-US" sz="1600">
               <a:latin typeface="宋体" panose="02010600030101010101" pitchFamily="2" charset="-122"/>
@@ -9072,265 +11216,25 @@
                 <a:cs typeface="宋体" panose="02010600030101010101" pitchFamily="2" charset="-122"/>
                 <a:sym typeface="+mn-ea"/>
               </a:rPr>
-              <a:t>         DataOutputStream</a:t>
-            </a:r>
-            <a:endParaRPr lang="zh-CN" altLang="en-US" sz="1600">
-              <a:latin typeface="宋体" panose="02010600030101010101" pitchFamily="2" charset="-122"/>
-              <a:ea typeface="宋体" panose="02010600030101010101" pitchFamily="2" charset="-122"/>
-              <a:cs typeface="宋体" panose="02010600030101010101" pitchFamily="2" charset="-122"/>
-            </a:endParaRPr>
-          </a:p>
-          <a:p>
-            <a:r>
-              <a:rPr lang="zh-CN" altLang="en-US" sz="1600">
-                <a:latin typeface="宋体" panose="02010600030101010101" pitchFamily="2" charset="-122"/>
-                <a:ea typeface="宋体" panose="02010600030101010101" pitchFamily="2" charset="-122"/>
-                <a:cs typeface="宋体" panose="02010600030101010101" pitchFamily="2" charset="-122"/>
-                <a:sym typeface="+mn-ea"/>
-              </a:rPr>
-              <a:t>         BufferedOutputStream</a:t>
+              <a:t>        DataOutputStream</a:t>
+            </a:r>
+            <a:endParaRPr lang="zh-CN" altLang="en-US" sz="1600">
+              <a:latin typeface="宋体" panose="02010600030101010101" pitchFamily="2" charset="-122"/>
+              <a:ea typeface="宋体" panose="02010600030101010101" pitchFamily="2" charset="-122"/>
+              <a:cs typeface="宋体" panose="02010600030101010101" pitchFamily="2" charset="-122"/>
+            </a:endParaRPr>
+          </a:p>
+          <a:p>
+            <a:r>
+              <a:rPr lang="zh-CN" altLang="en-US" sz="1600">
+                <a:latin typeface="宋体" panose="02010600030101010101" pitchFamily="2" charset="-122"/>
+                <a:ea typeface="宋体" panose="02010600030101010101" pitchFamily="2" charset="-122"/>
+                <a:cs typeface="宋体" panose="02010600030101010101" pitchFamily="2" charset="-122"/>
+                <a:sym typeface="+mn-ea"/>
+              </a:rPr>
+              <a:t>        BufferedOutputStream</a:t>
             </a:r>
             <a:endParaRPr lang="zh-CN" altLang="en-US" sz="1600"/>
-          </a:p>
-        </p:txBody>
-      </p:sp>
-    </p:spTree>
-    <p:custDataLst>
-      <p:tags r:id="rId2"/>
-    </p:custDataLst>
-  </p:cSld>
-  <p:clrMapOvr>
-    <a:masterClrMapping/>
-  </p:clrMapOvr>
-</p:sld>
-</file>
-
-<file path=ppt/slides/slide8.xml><?xml version="1.0" encoding="utf-8"?>
-<p:sld xmlns:a="http://schemas.openxmlformats.org/drawingml/2006/main" xmlns:r="http://schemas.openxmlformats.org/officeDocument/2006/relationships" xmlns:p="http://schemas.openxmlformats.org/presentationml/2006/main">
-  <p:cSld>
-    <p:bg>
-      <p:bgPr>
-        <a:blipFill rotWithShape="1">
-          <a:blip r:embed="rId1"/>
-          <a:stretch>
-            <a:fillRect/>
-          </a:stretch>
-        </a:blipFill>
-        <a:effectLst/>
-      </p:bgPr>
-    </p:bg>
-    <p:spTree>
-      <p:nvGrpSpPr>
-        <p:cNvPr id="1" name=""/>
-        <p:cNvGrpSpPr/>
-        <p:nvPr/>
-      </p:nvGrpSpPr>
-      <p:grpSpPr/>
-      <p:sp>
-        <p:nvSpPr>
-          <p:cNvPr id="2" name="文本框 1"/>
-          <p:cNvSpPr txBox="1"/>
-          <p:nvPr/>
-        </p:nvSpPr>
-        <p:spPr>
-          <a:xfrm>
-            <a:off x="211455" y="846455"/>
-            <a:ext cx="11767185" cy="3291840"/>
-          </a:xfrm>
-          <a:prstGeom prst="rect">
-            <a:avLst/>
-          </a:prstGeom>
-          <a:noFill/>
-        </p:spPr>
-        <p:txBody>
-          <a:bodyPr wrap="square" rtlCol="0">
-            <a:spAutoFit/>
-          </a:bodyPr>
-          <a:p>
-            <a:r>
-              <a:rPr lang="zh-CN" altLang="en-US" sz="1600">
-                <a:latin typeface="宋体" panose="02010600030101010101" pitchFamily="2" charset="-122"/>
-                <a:ea typeface="宋体" panose="02010600030101010101" pitchFamily="2" charset="-122"/>
-                <a:cs typeface="宋体" panose="02010600030101010101" pitchFamily="2" charset="-122"/>
-              </a:rPr>
-              <a:t>BufferedReader和BufferedWriter是带有默认缓冲区的字符输入输出流，其效率相较于没有缓冲区要高（</a:t>
-            </a:r>
-            <a:r>
-              <a:rPr lang="zh-CN" altLang="en-US" sz="1600">
-                <a:solidFill>
-                  <a:srgbClr val="FF0000"/>
-                </a:solidFill>
-                <a:latin typeface="宋体" panose="02010600030101010101" pitchFamily="2" charset="-122"/>
-                <a:ea typeface="宋体" panose="02010600030101010101" pitchFamily="2" charset="-122"/>
-                <a:cs typeface="宋体" panose="02010600030101010101" pitchFamily="2" charset="-122"/>
-              </a:rPr>
-              <a:t>加快读写效率</a:t>
-            </a:r>
-            <a:r>
-              <a:rPr lang="zh-CN" altLang="en-US" sz="1600">
-                <a:latin typeface="宋体" panose="02010600030101010101" pitchFamily="2" charset="-122"/>
-                <a:ea typeface="宋体" panose="02010600030101010101" pitchFamily="2" charset="-122"/>
-                <a:cs typeface="宋体" panose="02010600030101010101" pitchFamily="2" charset="-122"/>
-              </a:rPr>
-              <a:t>）：</a:t>
-            </a:r>
-            <a:endParaRPr lang="zh-CN" altLang="en-US" sz="1600">
-              <a:latin typeface="宋体" panose="02010600030101010101" pitchFamily="2" charset="-122"/>
-              <a:ea typeface="宋体" panose="02010600030101010101" pitchFamily="2" charset="-122"/>
-              <a:cs typeface="宋体" panose="02010600030101010101" pitchFamily="2" charset="-122"/>
-            </a:endParaRPr>
-          </a:p>
-          <a:p>
-            <a:r>
-              <a:rPr lang="zh-CN" altLang="en-US" sz="1600">
-                <a:latin typeface="宋体" panose="02010600030101010101" pitchFamily="2" charset="-122"/>
-                <a:ea typeface="宋体" panose="02010600030101010101" pitchFamily="2" charset="-122"/>
-                <a:cs typeface="宋体" panose="02010600030101010101" pitchFamily="2" charset="-122"/>
-              </a:rPr>
-              <a:t>java.io.BufferedReader和java.io.BufferedWriter类各拥有8192字符的缓冲区。当BufferedReader在读取文本文件时，会先尽量从文件中读入字符数据并置入缓冲区，而之后若使用read()方法，会先从缓冲区中进行读取。如果缓冲区数据不足，才会再从文件中读取，使用BufferedWriter时，写入的数据并不会先输出到目的地，而是先存储至缓冲区中。如果缓冲区中的数据满了，才会一次对目的地进行写出。</a:t>
-            </a:r>
-            <a:endParaRPr lang="zh-CN" altLang="en-US" sz="1600">
-              <a:latin typeface="宋体" panose="02010600030101010101" pitchFamily="2" charset="-122"/>
-              <a:ea typeface="宋体" panose="02010600030101010101" pitchFamily="2" charset="-122"/>
-              <a:cs typeface="宋体" panose="02010600030101010101" pitchFamily="2" charset="-122"/>
-            </a:endParaRPr>
-          </a:p>
-          <a:p>
-            <a:endParaRPr lang="zh-CN" altLang="en-US" sz="1600">
-              <a:latin typeface="宋体" panose="02010600030101010101" pitchFamily="2" charset="-122"/>
-              <a:ea typeface="宋体" panose="02010600030101010101" pitchFamily="2" charset="-122"/>
-              <a:cs typeface="宋体" panose="02010600030101010101" pitchFamily="2" charset="-122"/>
-            </a:endParaRPr>
-          </a:p>
-          <a:p>
-            <a:endParaRPr lang="zh-CN" altLang="en-US" sz="1600">
-              <a:latin typeface="宋体" panose="02010600030101010101" pitchFamily="2" charset="-122"/>
-              <a:ea typeface="宋体" panose="02010600030101010101" pitchFamily="2" charset="-122"/>
-              <a:cs typeface="宋体" panose="02010600030101010101" pitchFamily="2" charset="-122"/>
-            </a:endParaRPr>
-          </a:p>
-          <a:p>
-            <a:r>
-              <a:rPr lang="zh-CN" altLang="en-US" sz="1600">
-                <a:latin typeface="宋体" panose="02010600030101010101" pitchFamily="2" charset="-122"/>
-                <a:ea typeface="宋体" panose="02010600030101010101" pitchFamily="2" charset="-122"/>
-                <a:cs typeface="宋体" panose="02010600030101010101" pitchFamily="2" charset="-122"/>
-              </a:rPr>
-              <a:t>流关闭顺序：</a:t>
-            </a:r>
-            <a:endParaRPr lang="zh-CN" altLang="en-US" sz="1600">
-              <a:latin typeface="宋体" panose="02010600030101010101" pitchFamily="2" charset="-122"/>
-              <a:ea typeface="宋体" panose="02010600030101010101" pitchFamily="2" charset="-122"/>
-              <a:cs typeface="宋体" panose="02010600030101010101" pitchFamily="2" charset="-122"/>
-            </a:endParaRPr>
-          </a:p>
-          <a:p>
-            <a:r>
-              <a:rPr lang="zh-CN" altLang="en-US" sz="1600">
-                <a:latin typeface="宋体" panose="02010600030101010101" pitchFamily="2" charset="-122"/>
-                <a:ea typeface="宋体" panose="02010600030101010101" pitchFamily="2" charset="-122"/>
-                <a:cs typeface="宋体" panose="02010600030101010101" pitchFamily="2" charset="-122"/>
-              </a:rPr>
-              <a:t>一般情况下是：</a:t>
-            </a:r>
-            <a:r>
-              <a:rPr lang="zh-CN" altLang="en-US" sz="1600">
-                <a:solidFill>
-                  <a:srgbClr val="FF0000"/>
-                </a:solidFill>
-                <a:latin typeface="宋体" panose="02010600030101010101" pitchFamily="2" charset="-122"/>
-                <a:ea typeface="宋体" panose="02010600030101010101" pitchFamily="2" charset="-122"/>
-                <a:cs typeface="宋体" panose="02010600030101010101" pitchFamily="2" charset="-122"/>
-              </a:rPr>
-              <a:t>先打开的后关闭，后打开的先关闭</a:t>
-            </a:r>
-            <a:endParaRPr lang="zh-CN" altLang="en-US" sz="1600">
-              <a:solidFill>
-                <a:srgbClr val="FF0000"/>
-              </a:solidFill>
-              <a:latin typeface="宋体" panose="02010600030101010101" pitchFamily="2" charset="-122"/>
-              <a:ea typeface="宋体" panose="02010600030101010101" pitchFamily="2" charset="-122"/>
-              <a:cs typeface="宋体" panose="02010600030101010101" pitchFamily="2" charset="-122"/>
-            </a:endParaRPr>
-          </a:p>
-          <a:p>
-            <a:r>
-              <a:rPr lang="zh-CN" altLang="en-US" sz="1600">
-                <a:latin typeface="宋体" panose="02010600030101010101" pitchFamily="2" charset="-122"/>
-                <a:ea typeface="宋体" panose="02010600030101010101" pitchFamily="2" charset="-122"/>
-                <a:cs typeface="宋体" panose="02010600030101010101" pitchFamily="2" charset="-122"/>
-              </a:rPr>
-              <a:t>另一种情况：看依赖关系，如果流a依赖流b，应该先关闭流a，再关闭流b</a:t>
-            </a:r>
-            <a:endParaRPr lang="zh-CN" altLang="en-US" sz="1600">
-              <a:latin typeface="宋体" panose="02010600030101010101" pitchFamily="2" charset="-122"/>
-              <a:ea typeface="宋体" panose="02010600030101010101" pitchFamily="2" charset="-122"/>
-              <a:cs typeface="宋体" panose="02010600030101010101" pitchFamily="2" charset="-122"/>
-            </a:endParaRPr>
-          </a:p>
-          <a:p>
-            <a:r>
-              <a:rPr lang="zh-CN" altLang="en-US" sz="1600">
-                <a:latin typeface="宋体" panose="02010600030101010101" pitchFamily="2" charset="-122"/>
-                <a:ea typeface="宋体" panose="02010600030101010101" pitchFamily="2" charset="-122"/>
-                <a:cs typeface="宋体" panose="02010600030101010101" pitchFamily="2" charset="-122"/>
-              </a:rPr>
-              <a:t>例如处理流a依赖节点流b，应该先关闭处理流a，再关闭节点流b</a:t>
-            </a:r>
-            <a:endParaRPr lang="zh-CN" altLang="en-US" sz="1600">
-              <a:latin typeface="宋体" panose="02010600030101010101" pitchFamily="2" charset="-122"/>
-              <a:ea typeface="宋体" panose="02010600030101010101" pitchFamily="2" charset="-122"/>
-              <a:cs typeface="宋体" panose="02010600030101010101" pitchFamily="2" charset="-122"/>
-            </a:endParaRPr>
-          </a:p>
-          <a:p>
-            <a:r>
-              <a:rPr lang="zh-CN" altLang="en-US" sz="1600">
-                <a:latin typeface="宋体" panose="02010600030101010101" pitchFamily="2" charset="-122"/>
-                <a:ea typeface="宋体" panose="02010600030101010101" pitchFamily="2" charset="-122"/>
-                <a:cs typeface="宋体" panose="02010600030101010101" pitchFamily="2" charset="-122"/>
-              </a:rPr>
-              <a:t>当然</a:t>
-            </a:r>
-            <a:r>
-              <a:rPr lang="zh-CN" altLang="en-US" sz="1600">
-                <a:solidFill>
-                  <a:srgbClr val="FF0000"/>
-                </a:solidFill>
-                <a:latin typeface="宋体" panose="02010600030101010101" pitchFamily="2" charset="-122"/>
-                <a:ea typeface="宋体" panose="02010600030101010101" pitchFamily="2" charset="-122"/>
-                <a:cs typeface="宋体" panose="02010600030101010101" pitchFamily="2" charset="-122"/>
-              </a:rPr>
-              <a:t>完全可以只关闭处理流，不用关闭节点流</a:t>
-            </a:r>
-            <a:r>
-              <a:rPr lang="zh-CN" altLang="en-US" sz="1600">
-                <a:latin typeface="宋体" panose="02010600030101010101" pitchFamily="2" charset="-122"/>
-                <a:ea typeface="宋体" panose="02010600030101010101" pitchFamily="2" charset="-122"/>
-                <a:cs typeface="宋体" panose="02010600030101010101" pitchFamily="2" charset="-122"/>
-              </a:rPr>
-              <a:t>。处理流关闭的时候，会调用其处理的节点流的关闭方法</a:t>
-            </a:r>
-            <a:endParaRPr lang="zh-CN" altLang="en-US" sz="1600">
-              <a:latin typeface="宋体" panose="02010600030101010101" pitchFamily="2" charset="-122"/>
-              <a:ea typeface="宋体" panose="02010600030101010101" pitchFamily="2" charset="-122"/>
-              <a:cs typeface="宋体" panose="02010600030101010101" pitchFamily="2" charset="-122"/>
-            </a:endParaRPr>
-          </a:p>
-          <a:p>
-            <a:r>
-              <a:rPr lang="zh-CN" altLang="en-US" sz="1600">
-                <a:latin typeface="宋体" panose="02010600030101010101" pitchFamily="2" charset="-122"/>
-                <a:ea typeface="宋体" panose="02010600030101010101" pitchFamily="2" charset="-122"/>
-                <a:cs typeface="宋体" panose="02010600030101010101" pitchFamily="2" charset="-122"/>
-              </a:rPr>
-              <a:t>如果将节点流关闭以后再关闭处理流，会抛出IO异常</a:t>
-            </a:r>
-            <a:endParaRPr lang="zh-CN" altLang="en-US" sz="1600">
-              <a:latin typeface="宋体" panose="02010600030101010101" pitchFamily="2" charset="-122"/>
-              <a:ea typeface="宋体" panose="02010600030101010101" pitchFamily="2" charset="-122"/>
-              <a:cs typeface="宋体" panose="02010600030101010101" pitchFamily="2" charset="-122"/>
-            </a:endParaRPr>
           </a:p>
         </p:txBody>
       </p:sp>
@@ -9374,8 +11278,8 @@
         </p:nvSpPr>
         <p:spPr>
           <a:xfrm>
-            <a:off x="271780" y="756285"/>
-            <a:ext cx="11648440" cy="6000750"/>
+            <a:off x="271780" y="1129665"/>
+            <a:ext cx="11648440" cy="5262245"/>
           </a:xfrm>
           <a:prstGeom prst="rect">
             <a:avLst/>
@@ -9393,257 +11297,197 @@
                 <a:ea typeface="宋体" panose="02010600030101010101" pitchFamily="2" charset="-122"/>
                 <a:cs typeface="宋体" panose="02010600030101010101" pitchFamily="2" charset="-122"/>
               </a:rPr>
-              <a:t>Java对象的序列化和反序列化（对象流）</a:t>
-            </a:r>
-            <a:endParaRPr lang="zh-CN" altLang="en-US" sz="1600">
-              <a:latin typeface="宋体" panose="02010600030101010101" pitchFamily="2" charset="-122"/>
-              <a:ea typeface="宋体" panose="02010600030101010101" pitchFamily="2" charset="-122"/>
-              <a:cs typeface="宋体" panose="02010600030101010101" pitchFamily="2" charset="-122"/>
-            </a:endParaRPr>
-          </a:p>
-          <a:p>
-            <a:r>
-              <a:rPr lang="zh-CN" altLang="en-US" sz="1600">
-                <a:latin typeface="宋体" panose="02010600030101010101" pitchFamily="2" charset="-122"/>
-                <a:ea typeface="宋体" panose="02010600030101010101" pitchFamily="2" charset="-122"/>
-                <a:cs typeface="宋体" panose="02010600030101010101" pitchFamily="2" charset="-122"/>
-              </a:rPr>
-              <a:t>序列化和反序列化的概念</a:t>
-            </a:r>
-            <a:endParaRPr lang="zh-CN" altLang="en-US" sz="1600">
-              <a:latin typeface="宋体" panose="02010600030101010101" pitchFamily="2" charset="-122"/>
-              <a:ea typeface="宋体" panose="02010600030101010101" pitchFamily="2" charset="-122"/>
-              <a:cs typeface="宋体" panose="02010600030101010101" pitchFamily="2" charset="-122"/>
-            </a:endParaRPr>
-          </a:p>
-          <a:p>
-            <a:r>
-              <a:rPr lang="zh-CN" altLang="en-US" sz="1600">
-                <a:latin typeface="宋体" panose="02010600030101010101" pitchFamily="2" charset="-122"/>
-                <a:ea typeface="宋体" panose="02010600030101010101" pitchFamily="2" charset="-122"/>
-                <a:cs typeface="宋体" panose="02010600030101010101" pitchFamily="2" charset="-122"/>
-              </a:rPr>
-              <a:t>　　把对象转换为字节序列的过程称为对象的序列化。</a:t>
-            </a:r>
-            <a:endParaRPr lang="zh-CN" altLang="en-US" sz="1600">
-              <a:latin typeface="宋体" panose="02010600030101010101" pitchFamily="2" charset="-122"/>
-              <a:ea typeface="宋体" panose="02010600030101010101" pitchFamily="2" charset="-122"/>
-              <a:cs typeface="宋体" panose="02010600030101010101" pitchFamily="2" charset="-122"/>
-            </a:endParaRPr>
-          </a:p>
-          <a:p>
-            <a:r>
-              <a:rPr lang="zh-CN" altLang="en-US" sz="1600">
-                <a:latin typeface="宋体" panose="02010600030101010101" pitchFamily="2" charset="-122"/>
-                <a:ea typeface="宋体" panose="02010600030101010101" pitchFamily="2" charset="-122"/>
-                <a:cs typeface="宋体" panose="02010600030101010101" pitchFamily="2" charset="-122"/>
-              </a:rPr>
-              <a:t>　　把字节序列恢复为对象的过程称为对象的反序列化。</a:t>
-            </a:r>
-            <a:endParaRPr lang="zh-CN" altLang="en-US" sz="1600">
-              <a:latin typeface="宋体" panose="02010600030101010101" pitchFamily="2" charset="-122"/>
-              <a:ea typeface="宋体" panose="02010600030101010101" pitchFamily="2" charset="-122"/>
-              <a:cs typeface="宋体" panose="02010600030101010101" pitchFamily="2" charset="-122"/>
-            </a:endParaRPr>
-          </a:p>
-          <a:p>
-            <a:r>
-              <a:rPr lang="zh-CN" altLang="en-US" sz="1600">
-                <a:latin typeface="宋体" panose="02010600030101010101" pitchFamily="2" charset="-122"/>
-                <a:ea typeface="宋体" panose="02010600030101010101" pitchFamily="2" charset="-122"/>
-                <a:cs typeface="宋体" panose="02010600030101010101" pitchFamily="2" charset="-122"/>
-              </a:rPr>
-              <a:t>　　对象的序列化主要有两种用途：</a:t>
-            </a:r>
-            <a:endParaRPr lang="zh-CN" altLang="en-US" sz="1600">
-              <a:latin typeface="宋体" panose="02010600030101010101" pitchFamily="2" charset="-122"/>
-              <a:ea typeface="宋体" panose="02010600030101010101" pitchFamily="2" charset="-122"/>
-              <a:cs typeface="宋体" panose="02010600030101010101" pitchFamily="2" charset="-122"/>
-            </a:endParaRPr>
-          </a:p>
-          <a:p>
-            <a:r>
-              <a:rPr lang="zh-CN" altLang="en-US" sz="1600">
-                <a:latin typeface="宋体" panose="02010600030101010101" pitchFamily="2" charset="-122"/>
-                <a:ea typeface="宋体" panose="02010600030101010101" pitchFamily="2" charset="-122"/>
-                <a:cs typeface="宋体" panose="02010600030101010101" pitchFamily="2" charset="-122"/>
-              </a:rPr>
-              <a:t>　　1） 对象持久化：把对象的字节序列永久地保存到硬盘上，通常存放在一个文件中；</a:t>
-            </a:r>
-            <a:endParaRPr lang="zh-CN" altLang="en-US" sz="1600">
-              <a:latin typeface="宋体" panose="02010600030101010101" pitchFamily="2" charset="-122"/>
-              <a:ea typeface="宋体" panose="02010600030101010101" pitchFamily="2" charset="-122"/>
-              <a:cs typeface="宋体" panose="02010600030101010101" pitchFamily="2" charset="-122"/>
-            </a:endParaRPr>
-          </a:p>
-          <a:p>
-            <a:r>
-              <a:rPr lang="zh-CN" altLang="en-US" sz="1600">
-                <a:latin typeface="宋体" panose="02010600030101010101" pitchFamily="2" charset="-122"/>
-                <a:ea typeface="宋体" panose="02010600030101010101" pitchFamily="2" charset="-122"/>
-                <a:cs typeface="宋体" panose="02010600030101010101" pitchFamily="2" charset="-122"/>
-              </a:rPr>
-              <a:t>　　2） 网络传输对象：在网络上传送对象的字节序列。可以通过序列化把主机A进程上的对象序列化为二进制序列，传输到主机B上的进程从序列中重构出该对象。</a:t>
-            </a:r>
-            <a:endParaRPr lang="zh-CN" altLang="en-US" sz="1600">
-              <a:latin typeface="宋体" panose="02010600030101010101" pitchFamily="2" charset="-122"/>
-              <a:ea typeface="宋体" panose="02010600030101010101" pitchFamily="2" charset="-122"/>
-              <a:cs typeface="宋体" panose="02010600030101010101" pitchFamily="2" charset="-122"/>
-            </a:endParaRPr>
-          </a:p>
-          <a:p>
-            <a:endParaRPr lang="zh-CN" altLang="en-US" sz="1600">
-              <a:latin typeface="宋体" panose="02010600030101010101" pitchFamily="2" charset="-122"/>
-              <a:ea typeface="宋体" panose="02010600030101010101" pitchFamily="2" charset="-122"/>
-              <a:cs typeface="宋体" panose="02010600030101010101" pitchFamily="2" charset="-122"/>
-            </a:endParaRPr>
-          </a:p>
-          <a:p>
-            <a:pPr lvl="1"/>
-            <a:r>
-              <a:rPr lang="zh-CN" altLang="en-US" sz="1600">
-                <a:latin typeface="宋体" panose="02010600030101010101" pitchFamily="2" charset="-122"/>
-                <a:ea typeface="宋体" panose="02010600030101010101" pitchFamily="2" charset="-122"/>
-                <a:cs typeface="宋体" panose="02010600030101010101" pitchFamily="2" charset="-122"/>
-              </a:rPr>
-              <a:t>这在RMI中应用广泛，RMI的结果可以是一个对象。</a:t>
-            </a:r>
-            <a:endParaRPr lang="zh-CN" altLang="en-US" sz="1600">
-              <a:latin typeface="宋体" panose="02010600030101010101" pitchFamily="2" charset="-122"/>
-              <a:ea typeface="宋体" panose="02010600030101010101" pitchFamily="2" charset="-122"/>
-              <a:cs typeface="宋体" panose="02010600030101010101" pitchFamily="2" charset="-122"/>
-            </a:endParaRPr>
-          </a:p>
-          <a:p>
-            <a:endParaRPr lang="zh-CN" altLang="en-US" sz="1600">
-              <a:latin typeface="宋体" panose="02010600030101010101" pitchFamily="2" charset="-122"/>
-              <a:ea typeface="宋体" panose="02010600030101010101" pitchFamily="2" charset="-122"/>
-              <a:cs typeface="宋体" panose="02010600030101010101" pitchFamily="2" charset="-122"/>
-            </a:endParaRPr>
-          </a:p>
-          <a:p>
-            <a:r>
-              <a:rPr lang="zh-CN" altLang="en-US" sz="1600">
-                <a:latin typeface="宋体" panose="02010600030101010101" pitchFamily="2" charset="-122"/>
-                <a:ea typeface="宋体" panose="02010600030101010101" pitchFamily="2" charset="-122"/>
-                <a:cs typeface="宋体" panose="02010600030101010101" pitchFamily="2" charset="-122"/>
-              </a:rPr>
-              <a:t>　　在很多应用中，需要对某些对象进行序列化，让它们离开内存空间，入住物理硬盘，以便长期保存。比如最常见的是Web服务器中的Session对象，当有 10万用户并发访问，就有可能出现10万个Session对象，内存可能吃不消，于是Web容器就会把一些seesion先序列化到硬盘中，等要用了，再把保存在硬盘中的对象还原到内存中。</a:t>
-            </a:r>
-            <a:endParaRPr lang="zh-CN" altLang="en-US" sz="1600">
-              <a:latin typeface="宋体" panose="02010600030101010101" pitchFamily="2" charset="-122"/>
-              <a:ea typeface="宋体" panose="02010600030101010101" pitchFamily="2" charset="-122"/>
-              <a:cs typeface="宋体" panose="02010600030101010101" pitchFamily="2" charset="-122"/>
-            </a:endParaRPr>
-          </a:p>
-          <a:p>
-            <a:endParaRPr lang="zh-CN" altLang="en-US" sz="1600">
-              <a:latin typeface="宋体" panose="02010600030101010101" pitchFamily="2" charset="-122"/>
-              <a:ea typeface="宋体" panose="02010600030101010101" pitchFamily="2" charset="-122"/>
-              <a:cs typeface="宋体" panose="02010600030101010101" pitchFamily="2" charset="-122"/>
-            </a:endParaRPr>
-          </a:p>
-          <a:p>
-            <a:r>
-              <a:rPr lang="zh-CN" altLang="en-US" sz="1600">
-                <a:latin typeface="宋体" panose="02010600030101010101" pitchFamily="2" charset="-122"/>
-                <a:ea typeface="宋体" panose="02010600030101010101" pitchFamily="2" charset="-122"/>
-                <a:cs typeface="宋体" panose="02010600030101010101" pitchFamily="2" charset="-122"/>
-              </a:rPr>
-              <a:t>　　当两个进程在进行远程通信时，彼此可以发送各种类型的数据。无论是何种类型的数据，都会以二进制序列的形式在网络上传送。发送方需要把这个Java对象转换为字节序列，才能在网络上传送；接收方则需要把字节序列再恢复为Java对象。</a:t>
-            </a:r>
-            <a:endParaRPr lang="zh-CN" altLang="en-US" sz="1600">
-              <a:latin typeface="宋体" panose="02010600030101010101" pitchFamily="2" charset="-122"/>
-              <a:ea typeface="宋体" panose="02010600030101010101" pitchFamily="2" charset="-122"/>
-              <a:cs typeface="宋体" panose="02010600030101010101" pitchFamily="2" charset="-122"/>
-            </a:endParaRPr>
-          </a:p>
-          <a:p>
-            <a:endParaRPr lang="zh-CN" altLang="en-US" sz="1600">
-              <a:latin typeface="宋体" panose="02010600030101010101" pitchFamily="2" charset="-122"/>
-              <a:ea typeface="宋体" panose="02010600030101010101" pitchFamily="2" charset="-122"/>
-              <a:cs typeface="宋体" panose="02010600030101010101" pitchFamily="2" charset="-122"/>
-            </a:endParaRPr>
-          </a:p>
-          <a:p>
-            <a:r>
-              <a:rPr lang="zh-CN" altLang="en-US" sz="1600" dirty="0">
-                <a:latin typeface="宋体" panose="02010600030101010101" pitchFamily="2" charset="-122"/>
-                <a:ea typeface="宋体" panose="02010600030101010101" pitchFamily="2" charset="-122"/>
-                <a:cs typeface="宋体" panose="02010600030101010101" pitchFamily="2" charset="-122"/>
-                <a:sym typeface="+mn-ea"/>
-              </a:rPr>
-              <a:t>反序列化的时候,OIS会根据当前类型的版本做不同操作,若反序列化的对象的版本与当前类的版本一致,但是当前类已经发生了变化时,则采用兼容模式:</a:t>
-            </a:r>
-            <a:endParaRPr lang="zh-CN" altLang="en-US" sz="1600" dirty="0">
-              <a:latin typeface="宋体" panose="02010600030101010101" pitchFamily="2" charset="-122"/>
-              <a:ea typeface="宋体" panose="02010600030101010101" pitchFamily="2" charset="-122"/>
-              <a:cs typeface="宋体" panose="02010600030101010101" pitchFamily="2" charset="-122"/>
-            </a:endParaRPr>
-          </a:p>
-          <a:p>
-            <a:r>
-              <a:rPr lang="zh-CN" altLang="en-US" sz="1600" dirty="0">
-                <a:latin typeface="宋体" panose="02010600030101010101" pitchFamily="2" charset="-122"/>
-                <a:ea typeface="宋体" panose="02010600030101010101" pitchFamily="2" charset="-122"/>
-                <a:cs typeface="宋体" panose="02010600030101010101" pitchFamily="2" charset="-122"/>
-                <a:sym typeface="+mn-ea"/>
-              </a:rPr>
-              <a:t>以前类里有的属性,现在还有的则还原该属性.</a:t>
-            </a:r>
-            <a:endParaRPr lang="zh-CN" altLang="en-US" sz="1600" dirty="0">
-              <a:latin typeface="宋体" panose="02010600030101010101" pitchFamily="2" charset="-122"/>
-              <a:ea typeface="宋体" panose="02010600030101010101" pitchFamily="2" charset="-122"/>
-              <a:cs typeface="宋体" panose="02010600030101010101" pitchFamily="2" charset="-122"/>
-            </a:endParaRPr>
-          </a:p>
-          <a:p>
-            <a:r>
-              <a:rPr lang="zh-CN" altLang="en-US" sz="1600" dirty="0">
-                <a:latin typeface="宋体" panose="02010600030101010101" pitchFamily="2" charset="-122"/>
-                <a:ea typeface="宋体" panose="02010600030101010101" pitchFamily="2" charset="-122"/>
-                <a:cs typeface="宋体" panose="02010600030101010101" pitchFamily="2" charset="-122"/>
-                <a:sym typeface="+mn-ea"/>
-              </a:rPr>
-              <a:t>以前类里有的属性,现在没有的则忽略.</a:t>
-            </a:r>
-            <a:endParaRPr lang="zh-CN" altLang="en-US" sz="1600" dirty="0">
-              <a:latin typeface="宋体" panose="02010600030101010101" pitchFamily="2" charset="-122"/>
-              <a:ea typeface="宋体" panose="02010600030101010101" pitchFamily="2" charset="-122"/>
-              <a:cs typeface="宋体" panose="02010600030101010101" pitchFamily="2" charset="-122"/>
-            </a:endParaRPr>
-          </a:p>
-          <a:p>
-            <a:r>
-              <a:rPr lang="zh-CN" altLang="en-US" sz="1600" dirty="0">
-                <a:latin typeface="宋体" panose="02010600030101010101" pitchFamily="2" charset="-122"/>
-                <a:ea typeface="宋体" panose="02010600030101010101" pitchFamily="2" charset="-122"/>
-                <a:cs typeface="宋体" panose="02010600030101010101" pitchFamily="2" charset="-122"/>
-                <a:sym typeface="+mn-ea"/>
-              </a:rPr>
-              <a:t>以前类里没有的属性,现在又有的则使用现在该属性的默认值</a:t>
-            </a:r>
-            <a:endParaRPr lang="zh-CN" altLang="en-US" sz="1600" dirty="0">
-              <a:latin typeface="宋体" panose="02010600030101010101" pitchFamily="2" charset="-122"/>
-              <a:ea typeface="宋体" panose="02010600030101010101" pitchFamily="2" charset="-122"/>
-              <a:cs typeface="宋体" panose="02010600030101010101" pitchFamily="2" charset="-122"/>
-            </a:endParaRPr>
-          </a:p>
-          <a:p>
-            <a:r>
-              <a:rPr lang="zh-CN" altLang="en-US" sz="1600" dirty="0">
-                <a:latin typeface="宋体" panose="02010600030101010101" pitchFamily="2" charset="-122"/>
-                <a:ea typeface="宋体" panose="02010600030101010101" pitchFamily="2" charset="-122"/>
-                <a:cs typeface="宋体" panose="02010600030101010101" pitchFamily="2" charset="-122"/>
-                <a:sym typeface="+mn-ea"/>
-              </a:rPr>
-              <a:t>若版本号不一致,则直接抛出不能反序列化的异常.</a:t>
-            </a:r>
-            <a:endParaRPr lang="zh-CN" altLang="en-US" sz="1600">
-              <a:latin typeface="宋体" panose="02010600030101010101" pitchFamily="2" charset="-122"/>
-              <a:ea typeface="宋体" panose="02010600030101010101" pitchFamily="2" charset="-122"/>
-              <a:cs typeface="宋体" panose="02010600030101010101" pitchFamily="2" charset="-122"/>
-            </a:endParaRPr>
+              <a:t>File只是能操作文件或文件夹，但是并不能操作文件中的内容，要想操作文件的内容就需要使用文件IO流，其操作文件的内容主要有两种方式：以字节的方式和以字符的方式。</a:t>
+            </a:r>
+            <a:endParaRPr lang="zh-CN" altLang="en-US" sz="1600">
+              <a:latin typeface="宋体" panose="02010600030101010101" pitchFamily="2" charset="-122"/>
+              <a:ea typeface="宋体" panose="02010600030101010101" pitchFamily="2" charset="-122"/>
+              <a:cs typeface="宋体" panose="02010600030101010101" pitchFamily="2" charset="-122"/>
+            </a:endParaRPr>
+          </a:p>
+          <a:p>
+            <a:endParaRPr lang="zh-CN" altLang="en-US" sz="1600">
+              <a:latin typeface="宋体" panose="02010600030101010101" pitchFamily="2" charset="-122"/>
+              <a:ea typeface="宋体" panose="02010600030101010101" pitchFamily="2" charset="-122"/>
+              <a:cs typeface="宋体" panose="02010600030101010101" pitchFamily="2" charset="-122"/>
+            </a:endParaRPr>
+          </a:p>
+          <a:p>
+            <a:r>
+              <a:rPr lang="zh-CN" altLang="en-US" sz="1600">
+                <a:latin typeface="宋体" panose="02010600030101010101" pitchFamily="2" charset="-122"/>
+                <a:ea typeface="宋体" panose="02010600030101010101" pitchFamily="2" charset="-122"/>
+                <a:cs typeface="宋体" panose="02010600030101010101" pitchFamily="2" charset="-122"/>
+              </a:rPr>
+              <a:t>在Java中以字节流的形式操作文件内容的类主要是FileOutputStream 和 FileInputStream。 分别是 OutputStream(字节输出流) 和 InputStream(字节输入流) 抽象基类的子类。</a:t>
+            </a:r>
+            <a:endParaRPr lang="zh-CN" altLang="en-US" sz="1600">
+              <a:latin typeface="宋体" panose="02010600030101010101" pitchFamily="2" charset="-122"/>
+              <a:ea typeface="宋体" panose="02010600030101010101" pitchFamily="2" charset="-122"/>
+              <a:cs typeface="宋体" panose="02010600030101010101" pitchFamily="2" charset="-122"/>
+            </a:endParaRPr>
+          </a:p>
+          <a:p>
+            <a:endParaRPr lang="zh-CN" altLang="en-US" sz="1600">
+              <a:latin typeface="宋体" panose="02010600030101010101" pitchFamily="2" charset="-122"/>
+              <a:ea typeface="宋体" panose="02010600030101010101" pitchFamily="2" charset="-122"/>
+              <a:cs typeface="宋体" panose="02010600030101010101" pitchFamily="2" charset="-122"/>
+            </a:endParaRPr>
+          </a:p>
+          <a:p>
+            <a:r>
+              <a:rPr lang="zh-CN" altLang="en-US" sz="1600">
+                <a:latin typeface="宋体" panose="02010600030101010101" pitchFamily="2" charset="-122"/>
+                <a:ea typeface="宋体" panose="02010600030101010101" pitchFamily="2" charset="-122"/>
+                <a:cs typeface="宋体" panose="02010600030101010101" pitchFamily="2" charset="-122"/>
+              </a:rPr>
+              <a:t>在使用 FileOutputStream 和 FileInputStream 的过程中需要注意的地方：</a:t>
+            </a:r>
+            <a:endParaRPr lang="zh-CN" altLang="en-US" sz="1600">
+              <a:latin typeface="宋体" panose="02010600030101010101" pitchFamily="2" charset="-122"/>
+              <a:ea typeface="宋体" panose="02010600030101010101" pitchFamily="2" charset="-122"/>
+              <a:cs typeface="宋体" panose="02010600030101010101" pitchFamily="2" charset="-122"/>
+            </a:endParaRPr>
+          </a:p>
+          <a:p>
+            <a:endParaRPr lang="zh-CN" altLang="en-US" sz="1600">
+              <a:latin typeface="宋体" panose="02010600030101010101" pitchFamily="2" charset="-122"/>
+              <a:ea typeface="宋体" panose="02010600030101010101" pitchFamily="2" charset="-122"/>
+              <a:cs typeface="宋体" panose="02010600030101010101" pitchFamily="2" charset="-122"/>
+            </a:endParaRPr>
+          </a:p>
+          <a:p>
+            <a:r>
+              <a:rPr lang="zh-CN" altLang="en-US" sz="1600">
+                <a:latin typeface="宋体" panose="02010600030101010101" pitchFamily="2" charset="-122"/>
+                <a:ea typeface="宋体" panose="02010600030101010101" pitchFamily="2" charset="-122"/>
+                <a:cs typeface="宋体" panose="02010600030101010101" pitchFamily="2" charset="-122"/>
+              </a:rPr>
+              <a:t>FileInputStream 所要操作的文件必须存在，否则就会抛出异常。而 FileOutputStream 写入的目的文件则不需要存在，当不存在时会被创建，存在的时候会被覆盖，也可以使用 FileOutputStream 造函数的第二个参数，来实现追加文件内容。</a:t>
+            </a:r>
+            <a:endParaRPr lang="zh-CN" altLang="en-US" sz="1600">
+              <a:latin typeface="宋体" panose="02010600030101010101" pitchFamily="2" charset="-122"/>
+              <a:ea typeface="宋体" panose="02010600030101010101" pitchFamily="2" charset="-122"/>
+              <a:cs typeface="宋体" panose="02010600030101010101" pitchFamily="2" charset="-122"/>
+            </a:endParaRPr>
+          </a:p>
+          <a:p>
+            <a:endParaRPr lang="zh-CN" altLang="en-US" sz="1600">
+              <a:latin typeface="宋体" panose="02010600030101010101" pitchFamily="2" charset="-122"/>
+              <a:ea typeface="宋体" panose="02010600030101010101" pitchFamily="2" charset="-122"/>
+              <a:cs typeface="宋体" panose="02010600030101010101" pitchFamily="2" charset="-122"/>
+            </a:endParaRPr>
+          </a:p>
+          <a:p>
+            <a:r>
+              <a:rPr lang="zh-CN" altLang="en-US" sz="1600">
+                <a:latin typeface="宋体" panose="02010600030101010101" pitchFamily="2" charset="-122"/>
+                <a:ea typeface="宋体" panose="02010600030101010101" pitchFamily="2" charset="-122"/>
+                <a:cs typeface="宋体" panose="02010600030101010101" pitchFamily="2" charset="-122"/>
+              </a:rPr>
+              <a:t>在使用 FileInputStream 读取字节的时候，当读取到字节的末尾，再继续读取，无论多少次都会返回 -1，而返回值len表示本次读取了多少个字节。通常情况下每次读取1024个字节，可以达到空间和时间的平衡。但是具体情况也是需要具体分析的。</a:t>
+            </a:r>
+            <a:endParaRPr lang="zh-CN" altLang="en-US" sz="1600">
+              <a:latin typeface="宋体" panose="02010600030101010101" pitchFamily="2" charset="-122"/>
+              <a:ea typeface="宋体" panose="02010600030101010101" pitchFamily="2" charset="-122"/>
+              <a:cs typeface="宋体" panose="02010600030101010101" pitchFamily="2" charset="-122"/>
+            </a:endParaRPr>
+          </a:p>
+          <a:p>
+            <a:endParaRPr lang="zh-CN" altLang="en-US" sz="1600">
+              <a:latin typeface="宋体" panose="02010600030101010101" pitchFamily="2" charset="-122"/>
+              <a:ea typeface="宋体" panose="02010600030101010101" pitchFamily="2" charset="-122"/>
+              <a:cs typeface="宋体" panose="02010600030101010101" pitchFamily="2" charset="-122"/>
+            </a:endParaRPr>
+          </a:p>
+          <a:p>
+            <a:r>
+              <a:rPr lang="zh-CN" altLang="en-US" sz="1600">
+                <a:latin typeface="宋体" panose="02010600030101010101" pitchFamily="2" charset="-122"/>
+                <a:ea typeface="宋体" panose="02010600030101010101" pitchFamily="2" charset="-122"/>
+                <a:cs typeface="宋体" panose="02010600030101010101" pitchFamily="2" charset="-122"/>
+              </a:rPr>
+              <a:t>字节流是不存在缓冲区的，所以不需要使用flush操作刷新缓冲区，字节的读取和写入都是通过操作系统来实现的。</a:t>
+            </a:r>
+            <a:endParaRPr lang="zh-CN" altLang="en-US" sz="1600">
+              <a:latin typeface="宋体" panose="02010600030101010101" pitchFamily="2" charset="-122"/>
+              <a:ea typeface="宋体" panose="02010600030101010101" pitchFamily="2" charset="-122"/>
+              <a:cs typeface="宋体" panose="02010600030101010101" pitchFamily="2" charset="-122"/>
+            </a:endParaRPr>
+          </a:p>
+          <a:p>
+            <a:endParaRPr lang="zh-CN" altLang="en-US" sz="1600">
+              <a:latin typeface="宋体" panose="02010600030101010101" pitchFamily="2" charset="-122"/>
+              <a:ea typeface="宋体" panose="02010600030101010101" pitchFamily="2" charset="-122"/>
+              <a:cs typeface="宋体" panose="02010600030101010101" pitchFamily="2" charset="-122"/>
+            </a:endParaRPr>
+          </a:p>
+          <a:p>
+            <a:r>
+              <a:rPr lang="zh-CN" altLang="en-US" sz="1600">
+                <a:latin typeface="宋体" panose="02010600030101010101" pitchFamily="2" charset="-122"/>
+                <a:ea typeface="宋体" panose="02010600030101010101" pitchFamily="2" charset="-122"/>
+                <a:cs typeface="宋体" panose="02010600030101010101" pitchFamily="2" charset="-122"/>
+              </a:rPr>
+              <a:t>只要是流就是需要关闭的，无论是否在异常情况下都需要关闭流，防止占用系统资源，导致其他程序无法对该文件进行操作。但是在关闭流的时候也有可能会报异常，所以也需要 try...catch。</a:t>
+            </a:r>
+            <a:endParaRPr lang="zh-CN" altLang="en-US" sz="1600">
+              <a:latin typeface="宋体" panose="02010600030101010101" pitchFamily="2" charset="-122"/>
+              <a:ea typeface="宋体" panose="02010600030101010101" pitchFamily="2" charset="-122"/>
+              <a:cs typeface="宋体" panose="02010600030101010101" pitchFamily="2" charset="-122"/>
+            </a:endParaRPr>
+          </a:p>
+          <a:p>
+            <a:endParaRPr lang="zh-CN" altLang="en-US" sz="1600">
+              <a:latin typeface="宋体" panose="02010600030101010101" pitchFamily="2" charset="-122"/>
+              <a:ea typeface="宋体" panose="02010600030101010101" pitchFamily="2" charset="-122"/>
+              <a:cs typeface="宋体" panose="02010600030101010101" pitchFamily="2" charset="-122"/>
+            </a:endParaRPr>
+          </a:p>
+          <a:p>
+            <a:r>
+              <a:rPr lang="zh-CN" altLang="en-US" sz="1600">
+                <a:latin typeface="宋体" panose="02010600030101010101" pitchFamily="2" charset="-122"/>
+                <a:ea typeface="宋体" panose="02010600030101010101" pitchFamily="2" charset="-122"/>
+                <a:cs typeface="宋体" panose="02010600030101010101" pitchFamily="2" charset="-122"/>
+              </a:rPr>
+              <a:t>FileOutputStream 和 FileInputStream主要用来操作字节表现形式的文件，例如图片，可执行程序等。当然操作字符表现形式的文件也是没有问题的，只不过这么干不规范。</a:t>
+            </a:r>
+            <a:endParaRPr lang="zh-CN" altLang="en-US" sz="1600">
+              <a:latin typeface="宋体" panose="02010600030101010101" pitchFamily="2" charset="-122"/>
+              <a:ea typeface="宋体" panose="02010600030101010101" pitchFamily="2" charset="-122"/>
+              <a:cs typeface="宋体" panose="02010600030101010101" pitchFamily="2" charset="-122"/>
+            </a:endParaRPr>
+          </a:p>
+        </p:txBody>
+      </p:sp>
+      <p:sp>
+        <p:nvSpPr>
+          <p:cNvPr id="6" name="文本框 5"/>
+          <p:cNvSpPr txBox="1"/>
+          <p:nvPr/>
+        </p:nvSpPr>
+        <p:spPr>
+          <a:xfrm>
+            <a:off x="184150" y="546100"/>
+            <a:ext cx="11736070" cy="583565"/>
+          </a:xfrm>
+          <a:prstGeom prst="rect">
+            <a:avLst/>
+          </a:prstGeom>
+          <a:noFill/>
+        </p:spPr>
+        <p:txBody>
+          <a:bodyPr wrap="square" rtlCol="0">
+            <a:spAutoFit/>
+          </a:bodyPr>
+          <a:p>
+            <a:pPr algn="ctr"/>
+            <a:r>
+              <a:rPr lang="zh-CN" sz="3200"/>
+              <a:t>FileOutputStream &amp; FileInputStream 字节流（低级）</a:t>
+            </a:r>
+            <a:endParaRPr lang="en-US" altLang="zh-CN" sz="3200"/>
           </a:p>
         </p:txBody>
       </p:sp>
@@ -10789,6 +12633,60 @@
 </p:tagLst>
 </file>
 
+<file path=ppt/tags/tag90.xml><?xml version="1.0" encoding="utf-8"?>
+<p:tagLst xmlns:p="http://schemas.openxmlformats.org/presentationml/2006/main">
+  <p:tag name="KSO_WM_BEAUTIFY_FLAG" val="#wm#"/>
+  <p:tag name="KSO_WM_TEMPLATE_CATEGORY" val="custom"/>
+  <p:tag name="KSO_WM_TEMPLATE_INDEX" val="20203858"/>
+  <p:tag name="KSO_WM_SPECIAL_SOURCE" val="bdnull"/>
+</p:tagLst>
+</file>
+
+<file path=ppt/tags/tag91.xml><?xml version="1.0" encoding="utf-8"?>
+<p:tagLst xmlns:p="http://schemas.openxmlformats.org/presentationml/2006/main">
+  <p:tag name="KSO_WM_BEAUTIFY_FLAG" val="#wm#"/>
+  <p:tag name="KSO_WM_TEMPLATE_CATEGORY" val="custom"/>
+  <p:tag name="KSO_WM_TEMPLATE_INDEX" val="20203858"/>
+  <p:tag name="KSO_WM_SPECIAL_SOURCE" val="bdnull"/>
+</p:tagLst>
+</file>
+
+<file path=ppt/tags/tag92.xml><?xml version="1.0" encoding="utf-8"?>
+<p:tagLst xmlns:p="http://schemas.openxmlformats.org/presentationml/2006/main">
+  <p:tag name="KSO_WM_BEAUTIFY_FLAG" val="#wm#"/>
+  <p:tag name="KSO_WM_TEMPLATE_CATEGORY" val="custom"/>
+  <p:tag name="KSO_WM_TEMPLATE_INDEX" val="20203858"/>
+  <p:tag name="KSO_WM_SPECIAL_SOURCE" val="bdnull"/>
+</p:tagLst>
+</file>
+
+<file path=ppt/tags/tag93.xml><?xml version="1.0" encoding="utf-8"?>
+<p:tagLst xmlns:p="http://schemas.openxmlformats.org/presentationml/2006/main">
+  <p:tag name="KSO_WM_BEAUTIFY_FLAG" val="#wm#"/>
+  <p:tag name="KSO_WM_TEMPLATE_CATEGORY" val="custom"/>
+  <p:tag name="KSO_WM_TEMPLATE_INDEX" val="20203858"/>
+  <p:tag name="KSO_WM_SPECIAL_SOURCE" val="bdnull"/>
+</p:tagLst>
+</file>
+
+<file path=ppt/tags/tag94.xml><?xml version="1.0" encoding="utf-8"?>
+<p:tagLst xmlns:p="http://schemas.openxmlformats.org/presentationml/2006/main">
+  <p:tag name="KSO_WM_BEAUTIFY_FLAG" val="#wm#"/>
+  <p:tag name="KSO_WM_TEMPLATE_CATEGORY" val="custom"/>
+  <p:tag name="KSO_WM_TEMPLATE_INDEX" val="20203858"/>
+  <p:tag name="KSO_WM_SPECIAL_SOURCE" val="bdnull"/>
+</p:tagLst>
+</file>
+
+<file path=ppt/tags/tag95.xml><?xml version="1.0" encoding="utf-8"?>
+<p:tagLst xmlns:p="http://schemas.openxmlformats.org/presentationml/2006/main">
+  <p:tag name="KSO_WM_BEAUTIFY_FLAG" val="#wm#"/>
+  <p:tag name="KSO_WM_TEMPLATE_CATEGORY" val="custom"/>
+  <p:tag name="KSO_WM_TEMPLATE_INDEX" val="20203858"/>
+  <p:tag name="KSO_WM_SPECIAL_SOURCE" val="bdnull"/>
+</p:tagLst>
+</file>
+
 <file path=ppt/theme/theme1.xml><?xml version="1.0" encoding="utf-8"?>
 <a:theme xmlns:a="http://schemas.openxmlformats.org/drawingml/2006/main" name="1_Office 主题​​">
   <a:themeElements>

--- a/基础PPT/第8章：Java IO基础.pptx
+++ b/基础PPT/第8章：Java IO基础.pptx
@@ -475,6 +475,50 @@
 </file>
 
 <file path=ppt/notesSlides/notesSlide1.xml><?xml version="1.0" encoding="utf-8"?>
+<p:notes xmlns:a="http://schemas.openxmlformats.org/drawingml/2006/main" xmlns:r="http://schemas.openxmlformats.org/officeDocument/2006/relationships" xmlns:p="http://schemas.openxmlformats.org/presentationml/2006/main">
+  <p:cSld>
+    <p:spTree>
+      <p:nvGrpSpPr>
+        <p:cNvPr id="1" name=""/>
+        <p:cNvGrpSpPr/>
+        <p:nvPr/>
+      </p:nvGrpSpPr>
+      <p:grpSpPr/>
+      <p:sp>
+        <p:nvSpPr>
+          <p:cNvPr id="2" name="幻灯片图像占位符 1"/>
+          <p:cNvSpPr/>
+          <p:nvPr>
+            <p:ph type="sldImg" idx="2"/>
+          </p:nvPr>
+        </p:nvSpPr>
+        <p:spPr/>
+      </p:sp>
+      <p:sp>
+        <p:nvSpPr>
+          <p:cNvPr id="3" name="文本占位符 2"/>
+          <p:cNvSpPr/>
+          <p:nvPr>
+            <p:ph type="body" idx="3"/>
+          </p:nvPr>
+        </p:nvSpPr>
+        <p:spPr/>
+        <p:txBody>
+          <a:bodyPr/>
+          <a:p>
+            <a:endParaRPr lang="zh-CN" altLang="en-US"/>
+          </a:p>
+        </p:txBody>
+      </p:sp>
+    </p:spTree>
+  </p:cSld>
+  <p:clrMapOvr>
+    <a:masterClrMapping/>
+  </p:clrMapOvr>
+</p:notes>
+</file>
+
+<file path=ppt/notesSlides/notesSlide2.xml><?xml version="1.0" encoding="utf-8"?>
 <p:notes xmlns:a="http://schemas.openxmlformats.org/drawingml/2006/main" xmlns:r="http://schemas.openxmlformats.org/officeDocument/2006/relationships" xmlns:p="http://schemas.openxmlformats.org/presentationml/2006/main">
   <p:cSld>
     <p:spTree>
@@ -6733,12 +6777,23 @@
           </a:p>
           <a:p>
             <a:r>
-              <a:rPr lang="zh-CN" altLang="en-US" sz="1600">
-                <a:latin typeface="宋体" panose="02010600030101010101" pitchFamily="2" charset="-122"/>
-                <a:ea typeface="宋体" panose="02010600030101010101" pitchFamily="2" charset="-122"/>
-                <a:cs typeface="宋体" panose="02010600030101010101" pitchFamily="2" charset="-122"/>
-              </a:rPr>
-              <a:t>serialVersionUID适用于java序列化机制。简单来说，JAVA序列化的机制是通过判断类的serialVersionUID来验证的版本一致的。在进行反序列化时，JVM会把传来的字节流中的serialVersionUID于本地相应实体类的serialVersionUID进行比较。如果相同说明是一致的，可以进行反序列化，否则会出现反序列化版本一致的异常，即是InvalidCastException。</a:t>
+              <a:rPr lang="zh-CN" altLang="en-US" sz="1600" b="1">
+                <a:solidFill>
+                  <a:srgbClr val="FF0000"/>
+                </a:solidFill>
+                <a:latin typeface="宋体" panose="02010600030101010101" pitchFamily="2" charset="-122"/>
+                <a:ea typeface="宋体" panose="02010600030101010101" pitchFamily="2" charset="-122"/>
+                <a:cs typeface="宋体" panose="02010600030101010101" pitchFamily="2" charset="-122"/>
+              </a:rPr>
+              <a:t>serialVersionUID</a:t>
+            </a:r>
+            <a:r>
+              <a:rPr lang="zh-CN" altLang="en-US" sz="1600">
+                <a:latin typeface="宋体" panose="02010600030101010101" pitchFamily="2" charset="-122"/>
+                <a:ea typeface="宋体" panose="02010600030101010101" pitchFamily="2" charset="-122"/>
+                <a:cs typeface="宋体" panose="02010600030101010101" pitchFamily="2" charset="-122"/>
+              </a:rPr>
+              <a:t>适用于java序列化机制。简单来说，JAVA序列化的机制是通过判断类的serialVersionUID来验证的版本一致的。在进行反序列化时，JVM会把传来的字节流中的serialVersionUID于本地相应实体类的serialVersionUID进行比较。如果相同说明是一致的，可以进行反序列化，否则会出现反序列化版本一致的异常，即是InvalidCastException。</a:t>
             </a:r>
             <a:endParaRPr lang="zh-CN" altLang="en-US" sz="1600">
               <a:latin typeface="宋体" panose="02010600030101010101" pitchFamily="2" charset="-122"/>
